--- a/2026/2026-01-30-AI-Updates.pptx
+++ b/2026/2026-01-30-AI-Updates.pptx
@@ -5,7 +5,7 @@
     <p:sldMasterId id="2147483661" r:id="rId1"/>
   </p:sldMasterIdLst>
   <p:notesMasterIdLst>
-    <p:notesMasterId r:id="rId28"/>
+    <p:notesMasterId r:id="rId29"/>
   </p:notesMasterIdLst>
   <p:sldIdLst>
     <p:sldId id="256" r:id="rId2"/>
@@ -34,16 +34,17 @@
     <p:sldId id="279" r:id="rId25"/>
     <p:sldId id="280" r:id="rId26"/>
     <p:sldId id="281" r:id="rId27"/>
+    <p:sldId id="282" r:id="rId28"/>
   </p:sldIdLst>
   <p:sldSz cx="9144000" cy="5143500" type="screen16x9"/>
   <p:notesSz cx="6858000" cy="9144000"/>
   <p:embeddedFontLst>
     <p:embeddedFont>
       <p:font typeface="Roboto Mono" pitchFamily="49" charset="0"/>
-      <p:regular r:id="rId29"/>
-      <p:bold r:id="rId30"/>
-      <p:italic r:id="rId31"/>
-      <p:boldItalic r:id="rId32"/>
+      <p:regular r:id="rId30"/>
+      <p:bold r:id="rId31"/>
+      <p:italic r:id="rId32"/>
+      <p:boldItalic r:id="rId33"/>
     </p:embeddedFont>
   </p:embeddedFontLst>
   <p:defaultTextStyle>
@@ -984,7 +985,7 @@
   <p:cSld>
     <p:spTree>
       <p:nvGrpSpPr>
-        <p:cNvPr id="1" name="Shape 203"/>
+        <p:cNvPr id="1" name="Shape 204"/>
         <p:cNvGrpSpPr/>
         <p:nvPr/>
       </p:nvGrpSpPr>
@@ -998,7 +999,7 @@
       </p:grpSpPr>
       <p:sp>
         <p:nvSpPr>
-          <p:cNvPr id="204" name="Google Shape;204;g3be3546f9ae_0_1:notes"/>
+          <p:cNvPr id="205" name="Google Shape;205;g3930fe94e63_1_2:notes"/>
           <p:cNvSpPr>
             <a:spLocks noGrp="1" noRot="1" noChangeAspect="1"/>
           </p:cNvSpPr>
@@ -1049,7 +1050,7 @@
       </p:sp>
       <p:sp>
         <p:nvSpPr>
-          <p:cNvPr id="205" name="Google Shape;205;g3be3546f9ae_0_1:notes"/>
+          <p:cNvPr id="206" name="Google Shape;206;g3930fe94e63_1_2:notes"/>
           <p:cNvSpPr txBox="1">
             <a:spLocks noGrp="1"/>
           </p:cNvSpPr>
@@ -1106,7 +1107,7 @@
   <p:cSld>
     <p:spTree>
       <p:nvGrpSpPr>
-        <p:cNvPr id="1" name="Shape 213"/>
+        <p:cNvPr id="1" name="Shape 212"/>
         <p:cNvGrpSpPr/>
         <p:nvPr/>
       </p:nvGrpSpPr>
@@ -1120,7 +1121,7 @@
       </p:grpSpPr>
       <p:sp>
         <p:nvSpPr>
-          <p:cNvPr id="214" name="Google Shape;214;g3932257341b_0_0:notes"/>
+          <p:cNvPr id="213" name="Google Shape;213;g3be3546f9ae_0_1:notes"/>
           <p:cNvSpPr>
             <a:spLocks noGrp="1" noRot="1" noChangeAspect="1"/>
           </p:cNvSpPr>
@@ -1171,7 +1172,7 @@
       </p:sp>
       <p:sp>
         <p:nvSpPr>
-          <p:cNvPr id="215" name="Google Shape;215;g3932257341b_0_0:notes"/>
+          <p:cNvPr id="214" name="Google Shape;214;g3be3546f9ae_0_1:notes"/>
           <p:cNvSpPr txBox="1">
             <a:spLocks noGrp="1"/>
           </p:cNvSpPr>
@@ -1228,7 +1229,7 @@
   <p:cSld>
     <p:spTree>
       <p:nvGrpSpPr>
-        <p:cNvPr id="1" name="Shape 221"/>
+        <p:cNvPr id="1" name="Shape 222"/>
         <p:cNvGrpSpPr/>
         <p:nvPr/>
       </p:nvGrpSpPr>
@@ -1242,7 +1243,7 @@
       </p:grpSpPr>
       <p:sp>
         <p:nvSpPr>
-          <p:cNvPr id="222" name="Google Shape;222;g3930fe94e63_1_18:notes"/>
+          <p:cNvPr id="223" name="Google Shape;223;g3932257341b_0_0:notes"/>
           <p:cNvSpPr>
             <a:spLocks noGrp="1" noRot="1" noChangeAspect="1"/>
           </p:cNvSpPr>
@@ -1293,7 +1294,7 @@
       </p:sp>
       <p:sp>
         <p:nvSpPr>
-          <p:cNvPr id="223" name="Google Shape;223;g3930fe94e63_1_18:notes"/>
+          <p:cNvPr id="224" name="Google Shape;224;g3932257341b_0_0:notes"/>
           <p:cNvSpPr txBox="1">
             <a:spLocks noGrp="1"/>
           </p:cNvSpPr>
@@ -1350,7 +1351,7 @@
   <p:cSld>
     <p:spTree>
       <p:nvGrpSpPr>
-        <p:cNvPr id="1" name="Shape 229"/>
+        <p:cNvPr id="1" name="Shape 230"/>
         <p:cNvGrpSpPr/>
         <p:nvPr/>
       </p:nvGrpSpPr>
@@ -1364,7 +1365,7 @@
       </p:grpSpPr>
       <p:sp>
         <p:nvSpPr>
-          <p:cNvPr id="230" name="Google Shape;230;g3930fe94e63_1_26:notes"/>
+          <p:cNvPr id="231" name="Google Shape;231;g3930fe94e63_1_18:notes"/>
           <p:cNvSpPr>
             <a:spLocks noGrp="1" noRot="1" noChangeAspect="1"/>
           </p:cNvSpPr>
@@ -1415,7 +1416,7 @@
       </p:sp>
       <p:sp>
         <p:nvSpPr>
-          <p:cNvPr id="231" name="Google Shape;231;g3930fe94e63_1_26:notes"/>
+          <p:cNvPr id="232" name="Google Shape;232;g3930fe94e63_1_18:notes"/>
           <p:cNvSpPr txBox="1">
             <a:spLocks noGrp="1"/>
           </p:cNvSpPr>
@@ -1472,7 +1473,7 @@
   <p:cSld>
     <p:spTree>
       <p:nvGrpSpPr>
-        <p:cNvPr id="1" name="Shape 236"/>
+        <p:cNvPr id="1" name="Shape 238"/>
         <p:cNvGrpSpPr/>
         <p:nvPr/>
       </p:nvGrpSpPr>
@@ -1486,7 +1487,7 @@
       </p:grpSpPr>
       <p:sp>
         <p:nvSpPr>
-          <p:cNvPr id="237" name="Google Shape;237;g3c245fefc67_0_12:notes"/>
+          <p:cNvPr id="239" name="Google Shape;239;g3930fe94e63_1_26:notes"/>
           <p:cNvSpPr>
             <a:spLocks noGrp="1" noRot="1" noChangeAspect="1"/>
           </p:cNvSpPr>
@@ -1537,7 +1538,7 @@
       </p:sp>
       <p:sp>
         <p:nvSpPr>
-          <p:cNvPr id="238" name="Google Shape;238;g3c245fefc67_0_12:notes"/>
+          <p:cNvPr id="240" name="Google Shape;240;g3930fe94e63_1_26:notes"/>
           <p:cNvSpPr txBox="1">
             <a:spLocks noGrp="1"/>
           </p:cNvSpPr>
@@ -1594,7 +1595,7 @@
   <p:cSld>
     <p:spTree>
       <p:nvGrpSpPr>
-        <p:cNvPr id="1" name="Shape 243"/>
+        <p:cNvPr id="1" name="Shape 245"/>
         <p:cNvGrpSpPr/>
         <p:nvPr/>
       </p:nvGrpSpPr>
@@ -1608,7 +1609,7 @@
       </p:grpSpPr>
       <p:sp>
         <p:nvSpPr>
-          <p:cNvPr id="244" name="Google Shape;244;g39323f5944a_0_10:notes"/>
+          <p:cNvPr id="246" name="Google Shape;246;g3c245fefc67_0_12:notes"/>
           <p:cNvSpPr>
             <a:spLocks noGrp="1" noRot="1" noChangeAspect="1"/>
           </p:cNvSpPr>
@@ -1659,7 +1660,7 @@
       </p:sp>
       <p:sp>
         <p:nvSpPr>
-          <p:cNvPr id="245" name="Google Shape;245;g39323f5944a_0_10:notes"/>
+          <p:cNvPr id="247" name="Google Shape;247;g3c245fefc67_0_12:notes"/>
           <p:cNvSpPr txBox="1">
             <a:spLocks noGrp="1"/>
           </p:cNvSpPr>
@@ -1730,7 +1731,7 @@
       </p:grpSpPr>
       <p:sp>
         <p:nvSpPr>
-          <p:cNvPr id="253" name="Google Shape;253;g39313376d3d_1_0:notes"/>
+          <p:cNvPr id="253" name="Google Shape;253;g39323f5944a_0_10:notes"/>
           <p:cNvSpPr>
             <a:spLocks noGrp="1" noRot="1" noChangeAspect="1"/>
           </p:cNvSpPr>
@@ -1781,7 +1782,7 @@
       </p:sp>
       <p:sp>
         <p:nvSpPr>
-          <p:cNvPr id="254" name="Google Shape;254;g39313376d3d_1_0:notes"/>
+          <p:cNvPr id="254" name="Google Shape;254;g39323f5944a_0_10:notes"/>
           <p:cNvSpPr txBox="1">
             <a:spLocks noGrp="1"/>
           </p:cNvSpPr>
@@ -1838,7 +1839,7 @@
   <p:cSld>
     <p:spTree>
       <p:nvGrpSpPr>
-        <p:cNvPr id="1" name="Shape 259"/>
+        <p:cNvPr id="1" name="Shape 261"/>
         <p:cNvGrpSpPr/>
         <p:nvPr/>
       </p:nvGrpSpPr>
@@ -1852,7 +1853,7 @@
       </p:grpSpPr>
       <p:sp>
         <p:nvSpPr>
-          <p:cNvPr id="260" name="Google Shape;260;g393147452de_1_10:notes"/>
+          <p:cNvPr id="262" name="Google Shape;262;g39313376d3d_1_0:notes"/>
           <p:cNvSpPr>
             <a:spLocks noGrp="1" noRot="1" noChangeAspect="1"/>
           </p:cNvSpPr>
@@ -1903,7 +1904,7 @@
       </p:sp>
       <p:sp>
         <p:nvSpPr>
-          <p:cNvPr id="261" name="Google Shape;261;g393147452de_1_10:notes"/>
+          <p:cNvPr id="263" name="Google Shape;263;g39313376d3d_1_0:notes"/>
           <p:cNvSpPr txBox="1">
             <a:spLocks noGrp="1"/>
           </p:cNvSpPr>
@@ -1960,7 +1961,7 @@
   <p:cSld>
     <p:spTree>
       <p:nvGrpSpPr>
-        <p:cNvPr id="1" name="Shape 267"/>
+        <p:cNvPr id="1" name="Shape 268"/>
         <p:cNvGrpSpPr/>
         <p:nvPr/>
       </p:nvGrpSpPr>
@@ -1974,7 +1975,7 @@
       </p:grpSpPr>
       <p:sp>
         <p:nvSpPr>
-          <p:cNvPr id="268" name="Google Shape;268;g3931696d591_0_31:notes"/>
+          <p:cNvPr id="269" name="Google Shape;269;g393147452de_1_10:notes"/>
           <p:cNvSpPr>
             <a:spLocks noGrp="1" noRot="1" noChangeAspect="1"/>
           </p:cNvSpPr>
@@ -2025,7 +2026,7 @@
       </p:sp>
       <p:sp>
         <p:nvSpPr>
-          <p:cNvPr id="269" name="Google Shape;269;g3931696d591_0_31:notes"/>
+          <p:cNvPr id="270" name="Google Shape;270;g393147452de_1_10:notes"/>
           <p:cNvSpPr txBox="1">
             <a:spLocks noGrp="1"/>
           </p:cNvSpPr>
@@ -2082,7 +2083,7 @@
   <p:cSld>
     <p:spTree>
       <p:nvGrpSpPr>
-        <p:cNvPr id="1" name="Shape 277"/>
+        <p:cNvPr id="1" name="Shape 276"/>
         <p:cNvGrpSpPr/>
         <p:nvPr/>
       </p:nvGrpSpPr>
@@ -2096,7 +2097,7 @@
       </p:grpSpPr>
       <p:sp>
         <p:nvSpPr>
-          <p:cNvPr id="278" name="Google Shape;278;g3931696d591_0_22:notes"/>
+          <p:cNvPr id="277" name="Google Shape;277;g3931696d591_0_31:notes"/>
           <p:cNvSpPr>
             <a:spLocks noGrp="1" noRot="1" noChangeAspect="1"/>
           </p:cNvSpPr>
@@ -2147,7 +2148,7 @@
       </p:sp>
       <p:sp>
         <p:nvSpPr>
-          <p:cNvPr id="279" name="Google Shape;279;g3931696d591_0_22:notes"/>
+          <p:cNvPr id="278" name="Google Shape;278;g3931696d591_0_31:notes"/>
           <p:cNvSpPr txBox="1">
             <a:spLocks noGrp="1"/>
           </p:cNvSpPr>
@@ -2326,7 +2327,7 @@
   <p:cSld>
     <p:spTree>
       <p:nvGrpSpPr>
-        <p:cNvPr id="1" name="Shape 284"/>
+        <p:cNvPr id="1" name="Shape 286"/>
         <p:cNvGrpSpPr/>
         <p:nvPr/>
       </p:nvGrpSpPr>
@@ -2340,7 +2341,7 @@
       </p:grpSpPr>
       <p:sp>
         <p:nvSpPr>
-          <p:cNvPr id="285" name="Google Shape;285;g39323f5944a_0_2:notes"/>
+          <p:cNvPr id="287" name="Google Shape;287;g3931696d591_0_22:notes"/>
           <p:cNvSpPr>
             <a:spLocks noGrp="1" noRot="1" noChangeAspect="1"/>
           </p:cNvSpPr>
@@ -2391,7 +2392,7 @@
       </p:sp>
       <p:sp>
         <p:nvSpPr>
-          <p:cNvPr id="286" name="Google Shape;286;g39323f5944a_0_2:notes"/>
+          <p:cNvPr id="288" name="Google Shape;288;g3931696d591_0_22:notes"/>
           <p:cNvSpPr txBox="1">
             <a:spLocks noGrp="1"/>
           </p:cNvSpPr>
@@ -2448,7 +2449,7 @@
   <p:cSld>
     <p:spTree>
       <p:nvGrpSpPr>
-        <p:cNvPr id="1" name="Shape 299"/>
+        <p:cNvPr id="1" name="Shape 293"/>
         <p:cNvGrpSpPr/>
         <p:nvPr/>
       </p:nvGrpSpPr>
@@ -2462,7 +2463,7 @@
       </p:grpSpPr>
       <p:sp>
         <p:nvSpPr>
-          <p:cNvPr id="300" name="Google Shape;300;g3931696d591_0_12:notes"/>
+          <p:cNvPr id="294" name="Google Shape;294;g39323f5944a_0_2:notes"/>
           <p:cNvSpPr>
             <a:spLocks noGrp="1" noRot="1" noChangeAspect="1"/>
           </p:cNvSpPr>
@@ -2513,7 +2514,7 @@
       </p:sp>
       <p:sp>
         <p:nvSpPr>
-          <p:cNvPr id="301" name="Google Shape;301;g3931696d591_0_12:notes"/>
+          <p:cNvPr id="295" name="Google Shape;295;g39323f5944a_0_2:notes"/>
           <p:cNvSpPr txBox="1">
             <a:spLocks noGrp="1"/>
           </p:cNvSpPr>
@@ -2570,7 +2571,7 @@
   <p:cSld>
     <p:spTree>
       <p:nvGrpSpPr>
-        <p:cNvPr id="1" name="Shape 307"/>
+        <p:cNvPr id="1" name="Shape 308"/>
         <p:cNvGrpSpPr/>
         <p:nvPr/>
       </p:nvGrpSpPr>
@@ -2584,7 +2585,7 @@
       </p:grpSpPr>
       <p:sp>
         <p:nvSpPr>
-          <p:cNvPr id="308" name="Google Shape;308;g393166466ba_0_0:notes"/>
+          <p:cNvPr id="309" name="Google Shape;309;g3931696d591_0_12:notes"/>
           <p:cNvSpPr>
             <a:spLocks noGrp="1" noRot="1" noChangeAspect="1"/>
           </p:cNvSpPr>
@@ -2635,7 +2636,7 @@
       </p:sp>
       <p:sp>
         <p:nvSpPr>
-          <p:cNvPr id="309" name="Google Shape;309;g393166466ba_0_0:notes"/>
+          <p:cNvPr id="310" name="Google Shape;310;g3931696d591_0_12:notes"/>
           <p:cNvSpPr txBox="1">
             <a:spLocks noGrp="1"/>
           </p:cNvSpPr>
@@ -2706,7 +2707,7 @@
       </p:grpSpPr>
       <p:sp>
         <p:nvSpPr>
-          <p:cNvPr id="317" name="Google Shape;317;g3930fe94e63_1_10:notes"/>
+          <p:cNvPr id="317" name="Google Shape;317;g393166466ba_0_0:notes"/>
           <p:cNvSpPr>
             <a:spLocks noGrp="1" noRot="1" noChangeAspect="1"/>
           </p:cNvSpPr>
@@ -2757,7 +2758,7 @@
       </p:sp>
       <p:sp>
         <p:nvSpPr>
-          <p:cNvPr id="318" name="Google Shape;318;g3930fe94e63_1_10:notes"/>
+          <p:cNvPr id="318" name="Google Shape;318;g393166466ba_0_0:notes"/>
           <p:cNvSpPr txBox="1">
             <a:spLocks noGrp="1"/>
           </p:cNvSpPr>
@@ -2828,7 +2829,7 @@
       </p:grpSpPr>
       <p:sp>
         <p:nvSpPr>
-          <p:cNvPr id="326" name="Google Shape;326;p23:notes"/>
+          <p:cNvPr id="326" name="Google Shape;326;g3930fe94e63_1_10:notes"/>
           <p:cNvSpPr>
             <a:spLocks noGrp="1" noRot="1" noChangeAspect="1"/>
           </p:cNvSpPr>
@@ -2879,7 +2880,7 @@
       </p:sp>
       <p:sp>
         <p:nvSpPr>
-          <p:cNvPr id="327" name="Google Shape;327;p23:notes"/>
+          <p:cNvPr id="327" name="Google Shape;327;g3930fe94e63_1_10:notes"/>
           <p:cNvSpPr txBox="1">
             <a:spLocks noGrp="1"/>
           </p:cNvSpPr>
@@ -2936,7 +2937,7 @@
   <p:cSld>
     <p:spTree>
       <p:nvGrpSpPr>
-        <p:cNvPr id="1" name="Shape 336"/>
+        <p:cNvPr id="1" name="Shape 334"/>
         <p:cNvGrpSpPr/>
         <p:nvPr/>
       </p:nvGrpSpPr>
@@ -2950,7 +2951,7 @@
       </p:grpSpPr>
       <p:sp>
         <p:nvSpPr>
-          <p:cNvPr id="337" name="Google Shape;337;p24:notes"/>
+          <p:cNvPr id="335" name="Google Shape;335;p23:notes"/>
           <p:cNvSpPr>
             <a:spLocks noGrp="1" noRot="1" noChangeAspect="1"/>
           </p:cNvSpPr>
@@ -3001,7 +3002,7 @@
       </p:sp>
       <p:sp>
         <p:nvSpPr>
-          <p:cNvPr id="338" name="Google Shape;338;p24:notes"/>
+          <p:cNvPr id="336" name="Google Shape;336;p23:notes"/>
           <p:cNvSpPr txBox="1">
             <a:spLocks noGrp="1"/>
           </p:cNvSpPr>
@@ -3058,7 +3059,7 @@
   <p:cSld>
     <p:spTree>
       <p:nvGrpSpPr>
-        <p:cNvPr id="1" name="Shape 346"/>
+        <p:cNvPr id="1" name="Shape 345"/>
         <p:cNvGrpSpPr/>
         <p:nvPr/>
       </p:nvGrpSpPr>
@@ -3072,7 +3073,129 @@
       </p:grpSpPr>
       <p:sp>
         <p:nvSpPr>
-          <p:cNvPr id="347" name="Google Shape;347;p25:notes"/>
+          <p:cNvPr id="346" name="Google Shape;346;p24:notes"/>
+          <p:cNvSpPr>
+            <a:spLocks noGrp="1" noRot="1" noChangeAspect="1"/>
+          </p:cNvSpPr>
+          <p:nvPr>
+            <p:ph type="sldImg" idx="2"/>
+          </p:nvPr>
+        </p:nvSpPr>
+        <p:spPr>
+          <a:xfrm>
+            <a:off x="381000" y="685800"/>
+            <a:ext cx="6096000" cy="3429000"/>
+          </a:xfrm>
+          <a:custGeom>
+            <a:avLst/>
+            <a:gdLst/>
+            <a:ahLst/>
+            <a:cxnLst/>
+            <a:rect l="l" t="t" r="r" b="b"/>
+            <a:pathLst>
+              <a:path w="120000" h="120000" extrusionOk="0">
+                <a:moveTo>
+                  <a:pt x="0" y="0"/>
+                </a:moveTo>
+                <a:lnTo>
+                  <a:pt x="120000" y="0"/>
+                </a:lnTo>
+                <a:lnTo>
+                  <a:pt x="120000" y="120000"/>
+                </a:lnTo>
+                <a:lnTo>
+                  <a:pt x="0" y="120000"/>
+                </a:lnTo>
+                <a:close/>
+              </a:path>
+            </a:pathLst>
+          </a:custGeom>
+          <a:noFill/>
+          <a:ln w="9525" cap="flat" cmpd="sng">
+            <a:solidFill>
+              <a:srgbClr val="000000"/>
+            </a:solidFill>
+            <a:prstDash val="solid"/>
+            <a:round/>
+            <a:headEnd type="none" w="sm" len="sm"/>
+            <a:tailEnd type="none" w="sm" len="sm"/>
+          </a:ln>
+        </p:spPr>
+      </p:sp>
+      <p:sp>
+        <p:nvSpPr>
+          <p:cNvPr id="347" name="Google Shape;347;p24:notes"/>
+          <p:cNvSpPr txBox="1">
+            <a:spLocks noGrp="1"/>
+          </p:cNvSpPr>
+          <p:nvPr>
+            <p:ph type="body" idx="1"/>
+          </p:nvPr>
+        </p:nvSpPr>
+        <p:spPr>
+          <a:xfrm>
+            <a:off x="685800" y="4343400"/>
+            <a:ext cx="5486400" cy="4114800"/>
+          </a:xfrm>
+          <a:prstGeom prst="rect">
+            <a:avLst/>
+          </a:prstGeom>
+          <a:noFill/>
+          <a:ln>
+            <a:noFill/>
+          </a:ln>
+        </p:spPr>
+        <p:txBody>
+          <a:bodyPr spcFirstLastPara="1" wrap="square" lIns="91425" tIns="91425" rIns="91425" bIns="91425" anchor="t" anchorCtr="0">
+            <a:noAutofit/>
+          </a:bodyPr>
+          <a:lstStyle/>
+          <a:p>
+            <a:pPr marL="0" lvl="0" indent="0" algn="l" rtl="0">
+              <a:lnSpc>
+                <a:spcPct val="100000"/>
+              </a:lnSpc>
+              <a:spcBef>
+                <a:spcPts val="0"/>
+              </a:spcBef>
+              <a:spcAft>
+                <a:spcPts val="0"/>
+              </a:spcAft>
+              <a:buSzPts val="1100"/>
+              <a:buNone/>
+            </a:pPr>
+            <a:endParaRPr/>
+          </a:p>
+        </p:txBody>
+      </p:sp>
+    </p:spTree>
+  </p:cSld>
+  <p:clrMapOvr>
+    <a:masterClrMapping/>
+  </p:clrMapOvr>
+</p:notes>
+</file>
+
+<file path=ppt/notesSlides/notesSlide27.xml><?xml version="1.0" encoding="utf-8"?>
+<p:notes xmlns:a="http://schemas.openxmlformats.org/drawingml/2006/main" xmlns:r="http://schemas.openxmlformats.org/officeDocument/2006/relationships" xmlns:p="http://schemas.openxmlformats.org/presentationml/2006/main" showMasterSp="0" showMasterPhAnim="0">
+  <p:cSld>
+    <p:spTree>
+      <p:nvGrpSpPr>
+        <p:cNvPr id="1" name="Shape 355"/>
+        <p:cNvGrpSpPr/>
+        <p:nvPr/>
+      </p:nvGrpSpPr>
+      <p:grpSpPr>
+        <a:xfrm>
+          <a:off x="0" y="0"/>
+          <a:ext cx="0" cy="0"/>
+          <a:chOff x="0" y="0"/>
+          <a:chExt cx="0" cy="0"/>
+        </a:xfrm>
+      </p:grpSpPr>
+      <p:sp>
+        <p:nvSpPr>
+          <p:cNvPr id="356" name="Google Shape;356;p25:notes"/>
           <p:cNvSpPr>
             <a:spLocks noGrp="1" noRot="1" noChangeAspect="1"/>
           </p:cNvSpPr>
@@ -3123,7 +3246,7 @@
       </p:sp>
       <p:sp>
         <p:nvSpPr>
-          <p:cNvPr id="348" name="Google Shape;348;p25:notes"/>
+          <p:cNvPr id="357" name="Google Shape;357;p25:notes"/>
           <p:cNvSpPr txBox="1">
             <a:spLocks noGrp="1"/>
           </p:cNvSpPr>
@@ -3682,7 +3805,7 @@
       </p:grpSpPr>
       <p:sp>
         <p:nvSpPr>
-          <p:cNvPr id="179" name="Google Shape;179;g3931696d591_0_0:notes"/>
+          <p:cNvPr id="179" name="Google Shape;179;g39327a3296f_0_0:notes"/>
           <p:cNvSpPr>
             <a:spLocks noGrp="1" noRot="1" noChangeAspect="1"/>
           </p:cNvSpPr>
@@ -3733,7 +3856,7 @@
       </p:sp>
       <p:sp>
         <p:nvSpPr>
-          <p:cNvPr id="180" name="Google Shape;180;g3931696d591_0_0:notes"/>
+          <p:cNvPr id="180" name="Google Shape;180;g39327a3296f_0_0:notes"/>
           <p:cNvSpPr txBox="1">
             <a:spLocks noGrp="1"/>
           </p:cNvSpPr>
@@ -3804,7 +3927,7 @@
       </p:grpSpPr>
       <p:sp>
         <p:nvSpPr>
-          <p:cNvPr id="188" name="Google Shape;188;g39318675434_1_0:notes"/>
+          <p:cNvPr id="188" name="Google Shape;188;g3931696d591_0_0:notes"/>
           <p:cNvSpPr>
             <a:spLocks noGrp="1" noRot="1" noChangeAspect="1"/>
           </p:cNvSpPr>
@@ -3855,7 +3978,7 @@
       </p:sp>
       <p:sp>
         <p:nvSpPr>
-          <p:cNvPr id="189" name="Google Shape;189;g39318675434_1_0:notes"/>
+          <p:cNvPr id="189" name="Google Shape;189;g3931696d591_0_0:notes"/>
           <p:cNvSpPr txBox="1">
             <a:spLocks noGrp="1"/>
           </p:cNvSpPr>
@@ -3912,7 +4035,7 @@
   <p:cSld>
     <p:spTree>
       <p:nvGrpSpPr>
-        <p:cNvPr id="1" name="Shape 195"/>
+        <p:cNvPr id="1" name="Shape 196"/>
         <p:cNvGrpSpPr/>
         <p:nvPr/>
       </p:nvGrpSpPr>
@@ -3926,7 +4049,7 @@
       </p:grpSpPr>
       <p:sp>
         <p:nvSpPr>
-          <p:cNvPr id="196" name="Google Shape;196;g3930fe94e63_1_2:notes"/>
+          <p:cNvPr id="197" name="Google Shape;197;g39318675434_1_0:notes"/>
           <p:cNvSpPr>
             <a:spLocks noGrp="1" noRot="1" noChangeAspect="1"/>
           </p:cNvSpPr>
@@ -3977,7 +4100,7 @@
       </p:sp>
       <p:sp>
         <p:nvSpPr>
-          <p:cNvPr id="197" name="Google Shape;197;g3930fe94e63_1_2:notes"/>
+          <p:cNvPr id="198" name="Google Shape;198;g39318675434_1_0:notes"/>
           <p:cNvSpPr txBox="1">
             <a:spLocks noGrp="1"/>
           </p:cNvSpPr>
@@ -13426,7 +13549,7 @@
         </p:nvSpPr>
         <p:spPr>
           <a:xfrm>
-            <a:off x="78651" y="742025"/>
+            <a:off x="78651" y="624534"/>
             <a:ext cx="4420200" cy="1527000"/>
           </a:xfrm>
           <a:prstGeom prst="rect">
@@ -13842,7 +13965,7 @@
         </p:nvSpPr>
         <p:spPr>
           <a:xfrm>
-            <a:off x="4574323" y="4293684"/>
+            <a:off x="4574323" y="4176193"/>
             <a:ext cx="4502400" cy="664800"/>
           </a:xfrm>
           <a:prstGeom prst="rect">
@@ -14008,7 +14131,7 @@
         </p:nvSpPr>
         <p:spPr>
           <a:xfrm>
-            <a:off x="78651" y="2354168"/>
+            <a:off x="78651" y="2236677"/>
             <a:ext cx="4420200" cy="2604300"/>
           </a:xfrm>
           <a:prstGeom prst="rect">
@@ -14060,7 +14183,7 @@
                 <a:cs typeface="Calibri"/>
                 <a:sym typeface="Calibri"/>
               </a:rPr>
-              <a:t>Claude Code Updates</a:t>
+              <a:t>Apps in Claude &amp; in ChatGPT</a:t>
             </a:r>
             <a:endParaRPr b="1">
               <a:solidFill>
@@ -14100,7 +14223,7 @@
                 <a:cs typeface="Calibri"/>
                 <a:sym typeface="Calibri"/>
               </a:rPr>
-              <a:t>Jensen Huang: "Stop Coding"</a:t>
+              <a:t>Claude Code Updates</a:t>
             </a:r>
             <a:endParaRPr b="1">
               <a:solidFill>
@@ -14140,7 +14263,7 @@
                 <a:cs typeface="Calibri"/>
                 <a:sym typeface="Calibri"/>
               </a:rPr>
-              <a:t>Claude-Flow</a:t>
+              <a:t>Jensen Huang: "Stop Coding"</a:t>
             </a:r>
             <a:endParaRPr b="1">
               <a:solidFill>
@@ -14180,7 +14303,7 @@
                 <a:cs typeface="Calibri"/>
                 <a:sym typeface="Calibri"/>
               </a:rPr>
-              <a:t>Moltbot (originally Clawdbot)</a:t>
+              <a:t>Claude-Flow</a:t>
             </a:r>
             <a:endParaRPr b="1">
               <a:solidFill>
@@ -14220,7 +14343,7 @@
                 <a:cs typeface="Calibri"/>
                 <a:sym typeface="Calibri"/>
               </a:rPr>
-              <a:t>Moltbot Security Disaster</a:t>
+              <a:t>Moltbot (originally Clawdbot)</a:t>
             </a:r>
             <a:endParaRPr b="1">
               <a:solidFill>
@@ -14260,7 +14383,7 @@
                 <a:cs typeface="Calibri"/>
                 <a:sym typeface="Calibri"/>
               </a:rPr>
-              <a:t>Eigent is an open-source desktop application</a:t>
+              <a:t>Moltbot Security Disaster</a:t>
             </a:r>
             <a:endParaRPr b="1">
               <a:solidFill>
@@ -14300,7 +14423,7 @@
                 <a:cs typeface="Calibri"/>
                 <a:sym typeface="Calibri"/>
               </a:rPr>
-              <a:t>Claude Co-work Use Cases</a:t>
+              <a:t>Eigent is an open-source desktop application</a:t>
             </a:r>
             <a:endParaRPr b="1">
               <a:solidFill>
@@ -14340,7 +14463,7 @@
                 <a:cs typeface="Calibri"/>
                 <a:sym typeface="Calibri"/>
               </a:rPr>
-              <a:t>OpenAI Cybersecurity Risk Assessment</a:t>
+              <a:t>Claude Co-work Use Cases</a:t>
             </a:r>
             <a:endParaRPr b="1">
               <a:solidFill>
@@ -14380,7 +14503,7 @@
                 <a:cs typeface="Calibri"/>
                 <a:sym typeface="Calibri"/>
               </a:rPr>
-              <a:t>Google &amp; Sakana AI Partnership</a:t>
+              <a:t>OpenAI Reached "High" Level of Cybersecurity</a:t>
             </a:r>
             <a:endParaRPr b="1">
               <a:solidFill>
@@ -14420,7 +14543,7 @@
                 <a:cs typeface="Calibri"/>
                 <a:sym typeface="Calibri"/>
               </a:rPr>
-              <a:t>OpenAI’s "Value Sharing" Strategy</a:t>
+              <a:t>Google &amp; Sakana AI Partnership</a:t>
             </a:r>
             <a:endParaRPr b="1">
               <a:solidFill>
@@ -14460,7 +14583,7 @@
                 <a:cs typeface="Calibri"/>
                 <a:sym typeface="Calibri"/>
               </a:rPr>
-              <a:t>Qwen3-TTS open-source text-to-speech models</a:t>
+              <a:t>OpenAI’s "Value Sharing" Strategy</a:t>
             </a:r>
             <a:endParaRPr b="1">
               <a:solidFill>
@@ -14500,7 +14623,7 @@
                 <a:cs typeface="Calibri"/>
                 <a:sym typeface="Calibri"/>
               </a:rPr>
-              <a:t>Google AI Plus $7.99/month in the U.S</a:t>
+              <a:t>Qwen3-TTS open-source text-to-speech models</a:t>
             </a:r>
             <a:endParaRPr b="1">
               <a:solidFill>
@@ -14523,7 +14646,7 @@
         <p:spPr>
           <a:xfrm>
             <a:off x="4574323" y="1751705"/>
-            <a:ext cx="4502400" cy="1957800"/>
+            <a:ext cx="4502400" cy="2173500"/>
           </a:xfrm>
           <a:prstGeom prst="rect">
             <a:avLst/>
@@ -14546,6 +14669,46 @@
             <a:spAutoFit/>
           </a:bodyPr>
           <a:lstStyle/>
+          <a:p>
+            <a:pPr marL="228600" marR="0" lvl="0" indent="-203200" algn="l" rtl="0">
+              <a:lnSpc>
+                <a:spcPct val="100000"/>
+              </a:lnSpc>
+              <a:spcBef>
+                <a:spcPts val="0"/>
+              </a:spcBef>
+              <a:spcAft>
+                <a:spcPts val="0"/>
+              </a:spcAft>
+              <a:buClr>
+                <a:srgbClr val="3C78D8"/>
+              </a:buClr>
+              <a:buSzPts val="1400"/>
+              <a:buFont typeface="Calibri"/>
+              <a:buChar char="●"/>
+            </a:pPr>
+            <a:r>
+              <a:rPr lang="en" b="1">
+                <a:solidFill>
+                  <a:srgbClr val="3C78D8"/>
+                </a:solidFill>
+                <a:latin typeface="Calibri"/>
+                <a:ea typeface="Calibri"/>
+                <a:cs typeface="Calibri"/>
+                <a:sym typeface="Calibri"/>
+              </a:rPr>
+              <a:t>Google AI Plus $7.99/month in the U.S</a:t>
+            </a:r>
+            <a:endParaRPr b="1">
+              <a:solidFill>
+                <a:srgbClr val="3C78D8"/>
+              </a:solidFill>
+              <a:latin typeface="Calibri"/>
+              <a:ea typeface="Calibri"/>
+              <a:cs typeface="Calibri"/>
+              <a:sym typeface="Calibri"/>
+            </a:endParaRPr>
+          </a:p>
           <a:p>
             <a:pPr marL="228600" marR="0" lvl="0" indent="-203200" algn="l" rtl="0">
               <a:lnSpc>
@@ -14982,7 +15145,7 @@
   <p:cSld>
     <p:spTree>
       <p:nvGrpSpPr>
-        <p:cNvPr id="1" name="Shape 206"/>
+        <p:cNvPr id="1" name="Shape 207"/>
         <p:cNvGrpSpPr/>
         <p:nvPr/>
       </p:nvGrpSpPr>
@@ -14996,7 +15159,1163 @@
       </p:grpSpPr>
       <p:sp>
         <p:nvSpPr>
-          <p:cNvPr id="207" name="Google Shape;207;p24"/>
+          <p:cNvPr id="208" name="Google Shape;208;p24"/>
+          <p:cNvSpPr txBox="1"/>
+          <p:nvPr/>
+        </p:nvSpPr>
+        <p:spPr>
+          <a:xfrm>
+            <a:off x="55075" y="43025"/>
+            <a:ext cx="1720800" cy="326400"/>
+          </a:xfrm>
+          <a:prstGeom prst="rect">
+            <a:avLst/>
+          </a:prstGeom>
+          <a:noFill/>
+          <a:ln>
+            <a:noFill/>
+          </a:ln>
+        </p:spPr>
+        <p:txBody>
+          <a:bodyPr spcFirstLastPara="1" wrap="square" lIns="9125" tIns="9125" rIns="9125" bIns="9125" anchor="t" anchorCtr="0">
+            <a:spAutoFit/>
+          </a:bodyPr>
+          <a:lstStyle/>
+          <a:p>
+            <a:pPr marL="0" marR="0" lvl="0" indent="0" algn="l" rtl="0">
+              <a:lnSpc>
+                <a:spcPct val="100000"/>
+              </a:lnSpc>
+              <a:spcBef>
+                <a:spcPts val="0"/>
+              </a:spcBef>
+              <a:spcAft>
+                <a:spcPts val="0"/>
+              </a:spcAft>
+              <a:buClr>
+                <a:schemeClr val="dk1"/>
+              </a:buClr>
+              <a:buSzPts val="1100"/>
+              <a:buFont typeface="Arial"/>
+              <a:buNone/>
+            </a:pPr>
+            <a:r>
+              <a:rPr lang="en" sz="2000" b="1">
+                <a:solidFill>
+                  <a:schemeClr val="dk1"/>
+                </a:solidFill>
+                <a:latin typeface="Calibri"/>
+                <a:ea typeface="Calibri"/>
+                <a:cs typeface="Calibri"/>
+                <a:sym typeface="Calibri"/>
+              </a:rPr>
+              <a:t>Claude-Flow</a:t>
+            </a:r>
+            <a:endParaRPr sz="2000" b="1">
+              <a:solidFill>
+                <a:schemeClr val="dk1"/>
+              </a:solidFill>
+              <a:latin typeface="Calibri"/>
+              <a:ea typeface="Calibri"/>
+              <a:cs typeface="Calibri"/>
+              <a:sym typeface="Calibri"/>
+            </a:endParaRPr>
+          </a:p>
+        </p:txBody>
+      </p:sp>
+      <p:sp>
+        <p:nvSpPr>
+          <p:cNvPr id="209" name="Google Shape;209;p24"/>
+          <p:cNvSpPr txBox="1"/>
+          <p:nvPr/>
+        </p:nvSpPr>
+        <p:spPr>
+          <a:xfrm>
+            <a:off x="55075" y="503409"/>
+            <a:ext cx="4443900" cy="4451400"/>
+          </a:xfrm>
+          <a:prstGeom prst="rect">
+            <a:avLst/>
+          </a:prstGeom>
+          <a:solidFill>
+            <a:srgbClr val="FFF2CC"/>
+          </a:solidFill>
+          <a:ln w="9525" cap="flat" cmpd="sng">
+            <a:solidFill>
+              <a:srgbClr val="FF0000"/>
+            </a:solidFill>
+            <a:prstDash val="solid"/>
+            <a:round/>
+            <a:headEnd type="none" w="sm" len="sm"/>
+            <a:tailEnd type="none" w="sm" len="sm"/>
+          </a:ln>
+        </p:spPr>
+        <p:txBody>
+          <a:bodyPr spcFirstLastPara="1" wrap="square" lIns="9125" tIns="9125" rIns="9125" bIns="9125" anchor="t" anchorCtr="0">
+            <a:spAutoFit/>
+          </a:bodyPr>
+          <a:lstStyle/>
+          <a:p>
+            <a:pPr marL="171450" marR="0" lvl="0" indent="-133350" algn="l" rtl="0">
+              <a:lnSpc>
+                <a:spcPct val="100000"/>
+              </a:lnSpc>
+              <a:spcBef>
+                <a:spcPts val="0"/>
+              </a:spcBef>
+              <a:spcAft>
+                <a:spcPts val="0"/>
+              </a:spcAft>
+              <a:buClr>
+                <a:srgbClr val="FF0000"/>
+              </a:buClr>
+              <a:buSzPts val="1200"/>
+              <a:buFont typeface="Calibri"/>
+              <a:buChar char="●"/>
+            </a:pPr>
+            <a:r>
+              <a:rPr lang="en" sz="1200" b="1">
+                <a:solidFill>
+                  <a:srgbClr val="FF0000"/>
+                </a:solidFill>
+                <a:latin typeface="Calibri"/>
+                <a:ea typeface="Calibri"/>
+                <a:cs typeface="Calibri"/>
+                <a:sym typeface="Calibri"/>
+              </a:rPr>
+              <a:t>Claude-Flow v3: Enterprise AI Orchestration Platform</a:t>
+            </a:r>
+            <a:endParaRPr sz="1200" b="1">
+              <a:solidFill>
+                <a:srgbClr val="FF0000"/>
+              </a:solidFill>
+              <a:latin typeface="Calibri"/>
+              <a:ea typeface="Calibri"/>
+              <a:cs typeface="Calibri"/>
+              <a:sym typeface="Calibri"/>
+            </a:endParaRPr>
+          </a:p>
+          <a:p>
+            <a:pPr marL="171450" marR="0" lvl="0" indent="-133350" algn="l" rtl="0">
+              <a:lnSpc>
+                <a:spcPct val="100000"/>
+              </a:lnSpc>
+              <a:spcBef>
+                <a:spcPts val="0"/>
+              </a:spcBef>
+              <a:spcAft>
+                <a:spcPts val="0"/>
+              </a:spcAft>
+              <a:buClr>
+                <a:schemeClr val="dk1"/>
+              </a:buClr>
+              <a:buSzPts val="1200"/>
+              <a:buFont typeface="Calibri"/>
+              <a:buChar char="●"/>
+            </a:pPr>
+            <a:r>
+              <a:rPr lang="en" sz="1200">
+                <a:solidFill>
+                  <a:schemeClr val="dk1"/>
+                </a:solidFill>
+                <a:latin typeface="Calibri"/>
+                <a:ea typeface="Calibri"/>
+                <a:cs typeface="Calibri"/>
+                <a:sym typeface="Calibri"/>
+              </a:rPr>
+              <a:t>AI multi-agent orchestration dev. framework</a:t>
+            </a:r>
+            <a:endParaRPr sz="1200">
+              <a:solidFill>
+                <a:schemeClr val="dk1"/>
+              </a:solidFill>
+              <a:latin typeface="Calibri"/>
+              <a:ea typeface="Calibri"/>
+              <a:cs typeface="Calibri"/>
+              <a:sym typeface="Calibri"/>
+            </a:endParaRPr>
+          </a:p>
+          <a:p>
+            <a:pPr marL="171450" marR="0" lvl="0" indent="-133350" algn="l" rtl="0">
+              <a:lnSpc>
+                <a:spcPct val="100000"/>
+              </a:lnSpc>
+              <a:spcBef>
+                <a:spcPts val="0"/>
+              </a:spcBef>
+              <a:spcAft>
+                <a:spcPts val="0"/>
+              </a:spcAft>
+              <a:buClr>
+                <a:schemeClr val="dk1"/>
+              </a:buClr>
+              <a:buSzPts val="1200"/>
+              <a:buFont typeface="Calibri"/>
+              <a:buChar char="●"/>
+            </a:pPr>
+            <a:r>
+              <a:rPr lang="en" sz="1200">
+                <a:solidFill>
+                  <a:schemeClr val="dk1"/>
+                </a:solidFill>
+                <a:latin typeface="Calibri"/>
+                <a:ea typeface="Calibri"/>
+                <a:cs typeface="Calibri"/>
+                <a:sym typeface="Calibri"/>
+              </a:rPr>
+              <a:t>Teams can deploy, coordinate, and optimize specialized AI agents working together on complex software engineering tasks</a:t>
+            </a:r>
+            <a:endParaRPr sz="1200">
+              <a:solidFill>
+                <a:schemeClr val="dk1"/>
+              </a:solidFill>
+              <a:latin typeface="Calibri"/>
+              <a:ea typeface="Calibri"/>
+              <a:cs typeface="Calibri"/>
+              <a:sym typeface="Calibri"/>
+            </a:endParaRPr>
+          </a:p>
+          <a:p>
+            <a:pPr marL="171450" marR="0" lvl="0" indent="-133350" algn="l" rtl="0">
+              <a:lnSpc>
+                <a:spcPct val="100000"/>
+              </a:lnSpc>
+              <a:spcBef>
+                <a:spcPts val="0"/>
+              </a:spcBef>
+              <a:spcAft>
+                <a:spcPts val="0"/>
+              </a:spcAft>
+              <a:buClr>
+                <a:schemeClr val="dk1"/>
+              </a:buClr>
+              <a:buSzPts val="1200"/>
+              <a:buFont typeface="Calibri"/>
+              <a:buChar char="●"/>
+            </a:pPr>
+            <a:r>
+              <a:rPr lang="en" sz="1200">
+                <a:solidFill>
+                  <a:schemeClr val="dk1"/>
+                </a:solidFill>
+                <a:latin typeface="Calibri"/>
+                <a:ea typeface="Calibri"/>
+                <a:cs typeface="Calibri"/>
+                <a:sym typeface="Calibri"/>
+              </a:rPr>
+              <a:t>13.2K stars on Github</a:t>
+            </a:r>
+            <a:endParaRPr sz="1200">
+              <a:solidFill>
+                <a:schemeClr val="dk1"/>
+              </a:solidFill>
+              <a:latin typeface="Calibri"/>
+              <a:ea typeface="Calibri"/>
+              <a:cs typeface="Calibri"/>
+              <a:sym typeface="Calibri"/>
+            </a:endParaRPr>
+          </a:p>
+          <a:p>
+            <a:pPr marL="171450" marR="0" lvl="0" indent="-133350" algn="l" rtl="0">
+              <a:lnSpc>
+                <a:spcPct val="100000"/>
+              </a:lnSpc>
+              <a:spcBef>
+                <a:spcPts val="0"/>
+              </a:spcBef>
+              <a:spcAft>
+                <a:spcPts val="0"/>
+              </a:spcAft>
+              <a:buClr>
+                <a:schemeClr val="dk1"/>
+              </a:buClr>
+              <a:buSzPts val="1200"/>
+              <a:buFont typeface="Calibri"/>
+              <a:buChar char="●"/>
+            </a:pPr>
+            <a:r>
+              <a:rPr lang="en" sz="1200">
+                <a:solidFill>
+                  <a:schemeClr val="dk1"/>
+                </a:solidFill>
+                <a:latin typeface="Calibri"/>
+                <a:ea typeface="Calibri"/>
+                <a:cs typeface="Calibri"/>
+                <a:sym typeface="Calibri"/>
+              </a:rPr>
+              <a:t>CLI and MCP server for command and control</a:t>
+            </a:r>
+            <a:endParaRPr sz="1200">
+              <a:solidFill>
+                <a:schemeClr val="dk1"/>
+              </a:solidFill>
+              <a:latin typeface="Calibri"/>
+              <a:ea typeface="Calibri"/>
+              <a:cs typeface="Calibri"/>
+              <a:sym typeface="Calibri"/>
+            </a:endParaRPr>
+          </a:p>
+          <a:p>
+            <a:pPr marL="171450" marR="0" lvl="0" indent="-133350" algn="l" rtl="0">
+              <a:lnSpc>
+                <a:spcPct val="100000"/>
+              </a:lnSpc>
+              <a:spcBef>
+                <a:spcPts val="0"/>
+              </a:spcBef>
+              <a:spcAft>
+                <a:spcPts val="0"/>
+              </a:spcAft>
+              <a:buClr>
+                <a:schemeClr val="dk1"/>
+              </a:buClr>
+              <a:buSzPts val="1200"/>
+              <a:buFont typeface="Calibri"/>
+              <a:buChar char="●"/>
+            </a:pPr>
+            <a:r>
+              <a:rPr lang="en" sz="1200">
+                <a:solidFill>
+                  <a:schemeClr val="dk1"/>
+                </a:solidFill>
+                <a:latin typeface="Calibri"/>
+                <a:ea typeface="Calibri"/>
+                <a:cs typeface="Calibri"/>
+                <a:sym typeface="Calibri"/>
+              </a:rPr>
+              <a:t>Uses Q-Learning and MoE with 8 experts, 42+ skills, and 17 hooks to intelligently direct tasks</a:t>
+            </a:r>
+            <a:endParaRPr sz="1200">
+              <a:solidFill>
+                <a:schemeClr val="dk1"/>
+              </a:solidFill>
+              <a:latin typeface="Calibri"/>
+              <a:ea typeface="Calibri"/>
+              <a:cs typeface="Calibri"/>
+              <a:sym typeface="Calibri"/>
+            </a:endParaRPr>
+          </a:p>
+          <a:p>
+            <a:pPr marL="171450" marR="0" lvl="0" indent="-133350" algn="l" rtl="0">
+              <a:lnSpc>
+                <a:spcPct val="100000"/>
+              </a:lnSpc>
+              <a:spcBef>
+                <a:spcPts val="0"/>
+              </a:spcBef>
+              <a:spcAft>
+                <a:spcPts val="0"/>
+              </a:spcAft>
+              <a:buClr>
+                <a:schemeClr val="dk1"/>
+              </a:buClr>
+              <a:buSzPts val="1200"/>
+              <a:buFont typeface="Calibri"/>
+              <a:buChar char="●"/>
+            </a:pPr>
+            <a:r>
+              <a:rPr lang="en" sz="1200">
+                <a:solidFill>
+                  <a:schemeClr val="dk1"/>
+                </a:solidFill>
+                <a:latin typeface="Calibri"/>
+                <a:ea typeface="Calibri"/>
+                <a:cs typeface="Calibri"/>
+                <a:sym typeface="Calibri"/>
+              </a:rPr>
+              <a:t>Swarm Coordination - manages agents using various topologies (mesh, hierarchical, ring, star) and consensus mechanisms (Raft, BFT, Gossip, CRDT)</a:t>
+            </a:r>
+            <a:endParaRPr sz="1200">
+              <a:solidFill>
+                <a:schemeClr val="dk1"/>
+              </a:solidFill>
+              <a:latin typeface="Calibri"/>
+              <a:ea typeface="Calibri"/>
+              <a:cs typeface="Calibri"/>
+              <a:sym typeface="Calibri"/>
+            </a:endParaRPr>
+          </a:p>
+          <a:p>
+            <a:pPr marL="171450" marR="0" lvl="0" indent="-133350" algn="l" rtl="0">
+              <a:lnSpc>
+                <a:spcPct val="100000"/>
+              </a:lnSpc>
+              <a:spcBef>
+                <a:spcPts val="0"/>
+              </a:spcBef>
+              <a:spcAft>
+                <a:spcPts val="0"/>
+              </a:spcAft>
+              <a:buClr>
+                <a:schemeClr val="dk1"/>
+              </a:buClr>
+              <a:buSzPts val="1200"/>
+              <a:buFont typeface="Calibri"/>
+              <a:buChar char="●"/>
+            </a:pPr>
+            <a:r>
+              <a:rPr lang="en" sz="1200">
+                <a:solidFill>
+                  <a:schemeClr val="dk1"/>
+                </a:solidFill>
+                <a:latin typeface="Calibri"/>
+                <a:ea typeface="Calibri"/>
+                <a:cs typeface="Calibri"/>
+                <a:sym typeface="Calibri"/>
+              </a:rPr>
+              <a:t>Includes 54+ specialized agents (coder, tester, reviewer, architect, security, etc.)</a:t>
+            </a:r>
+            <a:endParaRPr sz="1200">
+              <a:solidFill>
+                <a:schemeClr val="dk1"/>
+              </a:solidFill>
+              <a:latin typeface="Calibri"/>
+              <a:ea typeface="Calibri"/>
+              <a:cs typeface="Calibri"/>
+              <a:sym typeface="Calibri"/>
+            </a:endParaRPr>
+          </a:p>
+          <a:p>
+            <a:pPr marL="171450" marR="0" lvl="0" indent="-133350" algn="l" rtl="0">
+              <a:lnSpc>
+                <a:spcPct val="100000"/>
+              </a:lnSpc>
+              <a:spcBef>
+                <a:spcPts val="0"/>
+              </a:spcBef>
+              <a:spcAft>
+                <a:spcPts val="0"/>
+              </a:spcAft>
+              <a:buClr>
+                <a:schemeClr val="dk1"/>
+              </a:buClr>
+              <a:buSzPts val="1200"/>
+              <a:buFont typeface="Calibri"/>
+              <a:buChar char="●"/>
+            </a:pPr>
+            <a:r>
+              <a:rPr lang="en" sz="1200">
+                <a:solidFill>
+                  <a:schemeClr val="dk1"/>
+                </a:solidFill>
+                <a:latin typeface="Calibri"/>
+                <a:ea typeface="Calibri"/>
+                <a:cs typeface="Calibri"/>
+                <a:sym typeface="Calibri"/>
+              </a:rPr>
+              <a:t>Memory system (AgentDB), multiple LLM providers (Claude, GPT, Gemini, Ollama), and 12 workers for tasks like ultralearn, audit, and optimize</a:t>
+            </a:r>
+            <a:endParaRPr sz="1200">
+              <a:solidFill>
+                <a:schemeClr val="dk1"/>
+              </a:solidFill>
+              <a:latin typeface="Calibri"/>
+              <a:ea typeface="Calibri"/>
+              <a:cs typeface="Calibri"/>
+              <a:sym typeface="Calibri"/>
+            </a:endParaRPr>
+          </a:p>
+          <a:p>
+            <a:pPr marL="171450" marR="0" lvl="0" indent="-133350" algn="l" rtl="0">
+              <a:lnSpc>
+                <a:spcPct val="100000"/>
+              </a:lnSpc>
+              <a:spcBef>
+                <a:spcPts val="0"/>
+              </a:spcBef>
+              <a:spcAft>
+                <a:spcPts val="0"/>
+              </a:spcAft>
+              <a:buClr>
+                <a:schemeClr val="dk1"/>
+              </a:buClr>
+              <a:buSzPts val="1200"/>
+              <a:buFont typeface="Calibri"/>
+              <a:buChar char="●"/>
+            </a:pPr>
+            <a:r>
+              <a:rPr lang="en" sz="1200">
+                <a:solidFill>
+                  <a:schemeClr val="dk1"/>
+                </a:solidFill>
+                <a:latin typeface="Calibri"/>
+                <a:ea typeface="Calibri"/>
+                <a:cs typeface="Calibri"/>
+                <a:sym typeface="Calibri"/>
+              </a:rPr>
+              <a:t>Hive-Mind Architecture - a "Queen" agent acts as the master orchestrator</a:t>
+            </a:r>
+            <a:endParaRPr sz="1200">
+              <a:solidFill>
+                <a:schemeClr val="dk1"/>
+              </a:solidFill>
+              <a:latin typeface="Calibri"/>
+              <a:ea typeface="Calibri"/>
+              <a:cs typeface="Calibri"/>
+              <a:sym typeface="Calibri"/>
+            </a:endParaRPr>
+          </a:p>
+          <a:p>
+            <a:pPr marL="171450" marR="0" lvl="0" indent="-133350" algn="l" rtl="0">
+              <a:lnSpc>
+                <a:spcPct val="100000"/>
+              </a:lnSpc>
+              <a:spcBef>
+                <a:spcPts val="0"/>
+              </a:spcBef>
+              <a:spcAft>
+                <a:spcPts val="0"/>
+              </a:spcAft>
+              <a:buClr>
+                <a:schemeClr val="dk1"/>
+              </a:buClr>
+              <a:buSzPts val="1200"/>
+              <a:buFont typeface="Calibri"/>
+              <a:buChar char="●"/>
+            </a:pPr>
+            <a:r>
+              <a:rPr lang="en" sz="1200">
+                <a:solidFill>
+                  <a:schemeClr val="dk1"/>
+                </a:solidFill>
+                <a:latin typeface="Calibri"/>
+                <a:ea typeface="Calibri"/>
+                <a:cs typeface="Calibri"/>
+                <a:sym typeface="Calibri"/>
+              </a:rPr>
+              <a:t>The Queen doesn't write code directly but analyzes tasks, breaks them into logical subtasks, delegates to appropriate worker agents, monitors progress, and manages communication</a:t>
+            </a:r>
+            <a:endParaRPr sz="1200">
+              <a:solidFill>
+                <a:schemeClr val="dk1"/>
+              </a:solidFill>
+              <a:latin typeface="Calibri"/>
+              <a:ea typeface="Calibri"/>
+              <a:cs typeface="Calibri"/>
+              <a:sym typeface="Calibri"/>
+            </a:endParaRPr>
+          </a:p>
+          <a:p>
+            <a:pPr marL="171450" marR="0" lvl="0" indent="-133350" algn="l" rtl="0">
+              <a:lnSpc>
+                <a:spcPct val="100000"/>
+              </a:lnSpc>
+              <a:spcBef>
+                <a:spcPts val="0"/>
+              </a:spcBef>
+              <a:spcAft>
+                <a:spcPts val="0"/>
+              </a:spcAft>
+              <a:buClr>
+                <a:schemeClr val="dk1"/>
+              </a:buClr>
+              <a:buSzPts val="1200"/>
+              <a:buFont typeface="Calibri"/>
+              <a:buChar char="●"/>
+            </a:pPr>
+            <a:r>
+              <a:rPr lang="en" sz="1200">
+                <a:solidFill>
+                  <a:schemeClr val="dk1"/>
+                </a:solidFill>
+                <a:latin typeface="Calibri"/>
+                <a:ea typeface="Calibri"/>
+                <a:cs typeface="Calibri"/>
+                <a:sym typeface="Calibri"/>
+              </a:rPr>
+              <a:t>This allows multiple specialized agents to work simultaneously on different parts of a project while sharing knowledge through an intelligent memory bank. </a:t>
+            </a:r>
+            <a:endParaRPr sz="1200">
+              <a:solidFill>
+                <a:schemeClr val="dk1"/>
+              </a:solidFill>
+              <a:latin typeface="Calibri"/>
+              <a:ea typeface="Calibri"/>
+              <a:cs typeface="Calibri"/>
+              <a:sym typeface="Calibri"/>
+            </a:endParaRPr>
+          </a:p>
+        </p:txBody>
+      </p:sp>
+      <p:sp>
+        <p:nvSpPr>
+          <p:cNvPr id="210" name="Google Shape;210;p24"/>
+          <p:cNvSpPr txBox="1"/>
+          <p:nvPr/>
+        </p:nvSpPr>
+        <p:spPr>
+          <a:xfrm>
+            <a:off x="4621172" y="500972"/>
+            <a:ext cx="4443900" cy="2973900"/>
+          </a:xfrm>
+          <a:prstGeom prst="rect">
+            <a:avLst/>
+          </a:prstGeom>
+          <a:solidFill>
+            <a:srgbClr val="FFF2CC"/>
+          </a:solidFill>
+          <a:ln w="9525" cap="flat" cmpd="sng">
+            <a:solidFill>
+              <a:srgbClr val="FF0000"/>
+            </a:solidFill>
+            <a:prstDash val="solid"/>
+            <a:round/>
+            <a:headEnd type="none" w="sm" len="sm"/>
+            <a:tailEnd type="none" w="sm" len="sm"/>
+          </a:ln>
+        </p:spPr>
+        <p:txBody>
+          <a:bodyPr spcFirstLastPara="1" wrap="square" lIns="9125" tIns="9125" rIns="9125" bIns="9125" anchor="t" anchorCtr="0">
+            <a:spAutoFit/>
+          </a:bodyPr>
+          <a:lstStyle/>
+          <a:p>
+            <a:pPr marL="171450" marR="0" lvl="0" indent="-133350" algn="l" rtl="0">
+              <a:lnSpc>
+                <a:spcPct val="100000"/>
+              </a:lnSpc>
+              <a:spcBef>
+                <a:spcPts val="0"/>
+              </a:spcBef>
+              <a:spcAft>
+                <a:spcPts val="0"/>
+              </a:spcAft>
+              <a:buClr>
+                <a:schemeClr val="dk1"/>
+              </a:buClr>
+              <a:buSzPts val="1200"/>
+              <a:buFont typeface="Calibri"/>
+              <a:buChar char="●"/>
+            </a:pPr>
+            <a:r>
+              <a:rPr lang="en" sz="1200">
+                <a:solidFill>
+                  <a:schemeClr val="dk1"/>
+                </a:solidFill>
+                <a:latin typeface="Calibri"/>
+                <a:ea typeface="Calibri"/>
+                <a:cs typeface="Calibri"/>
+                <a:sym typeface="Calibri"/>
+              </a:rPr>
+              <a:t>Advanced Intelligence (RuVector)</a:t>
+            </a:r>
+            <a:endParaRPr sz="1200">
+              <a:solidFill>
+                <a:schemeClr val="dk1"/>
+              </a:solidFill>
+              <a:latin typeface="Calibri"/>
+              <a:ea typeface="Calibri"/>
+              <a:cs typeface="Calibri"/>
+              <a:sym typeface="Calibri"/>
+            </a:endParaRPr>
+          </a:p>
+          <a:p>
+            <a:pPr marL="171450" marR="0" lvl="0" indent="-133350" algn="l" rtl="0">
+              <a:lnSpc>
+                <a:spcPct val="100000"/>
+              </a:lnSpc>
+              <a:spcBef>
+                <a:spcPts val="0"/>
+              </a:spcBef>
+              <a:spcAft>
+                <a:spcPts val="0"/>
+              </a:spcAft>
+              <a:buClr>
+                <a:schemeClr val="dk1"/>
+              </a:buClr>
+              <a:buSzPts val="1200"/>
+              <a:buFont typeface="Calibri"/>
+              <a:buChar char="●"/>
+            </a:pPr>
+            <a:r>
+              <a:rPr lang="en" sz="1200">
+                <a:solidFill>
+                  <a:schemeClr val="dk1"/>
+                </a:solidFill>
+                <a:latin typeface="Calibri"/>
+                <a:ea typeface="Calibri"/>
+                <a:cs typeface="Calibri"/>
+                <a:sym typeface="Calibri"/>
+              </a:rPr>
+              <a:t>Version 3 introduces self-learning neural capabilities through RuVector components: </a:t>
+            </a:r>
+            <a:endParaRPr sz="1200">
+              <a:solidFill>
+                <a:schemeClr val="dk1"/>
+              </a:solidFill>
+              <a:latin typeface="Calibri"/>
+              <a:ea typeface="Calibri"/>
+              <a:cs typeface="Calibri"/>
+              <a:sym typeface="Calibri"/>
+            </a:endParaRPr>
+          </a:p>
+          <a:p>
+            <a:pPr marL="171450" marR="0" lvl="0" indent="-133350" algn="l" rtl="0">
+              <a:lnSpc>
+                <a:spcPct val="100000"/>
+              </a:lnSpc>
+              <a:spcBef>
+                <a:spcPts val="0"/>
+              </a:spcBef>
+              <a:spcAft>
+                <a:spcPts val="0"/>
+              </a:spcAft>
+              <a:buClr>
+                <a:schemeClr val="dk1"/>
+              </a:buClr>
+              <a:buSzPts val="1200"/>
+              <a:buFont typeface="Calibri"/>
+              <a:buChar char="●"/>
+            </a:pPr>
+            <a:r>
+              <a:rPr lang="en" sz="1200">
+                <a:solidFill>
+                  <a:schemeClr val="dk1"/>
+                </a:solidFill>
+                <a:latin typeface="Calibri"/>
+                <a:ea typeface="Calibri"/>
+                <a:cs typeface="Calibri"/>
+                <a:sym typeface="Calibri"/>
+              </a:rPr>
+              <a:t>SONA = Self-Optimizing Neural Architecture - learns optimal routing in &lt;0.05ms</a:t>
+            </a:r>
+            <a:endParaRPr sz="1200">
+              <a:solidFill>
+                <a:schemeClr val="dk1"/>
+              </a:solidFill>
+              <a:latin typeface="Calibri"/>
+              <a:ea typeface="Calibri"/>
+              <a:cs typeface="Calibri"/>
+              <a:sym typeface="Calibri"/>
+            </a:endParaRPr>
+          </a:p>
+          <a:p>
+            <a:pPr marL="171450" marR="0" lvl="0" indent="-133350" algn="l" rtl="0">
+              <a:lnSpc>
+                <a:spcPct val="100000"/>
+              </a:lnSpc>
+              <a:spcBef>
+                <a:spcPts val="0"/>
+              </a:spcBef>
+              <a:spcAft>
+                <a:spcPts val="0"/>
+              </a:spcAft>
+              <a:buClr>
+                <a:schemeClr val="dk1"/>
+              </a:buClr>
+              <a:buSzPts val="1200"/>
+              <a:buFont typeface="Calibri"/>
+              <a:buChar char="●"/>
+            </a:pPr>
+            <a:r>
+              <a:rPr lang="en" sz="1200">
+                <a:solidFill>
+                  <a:schemeClr val="dk1"/>
+                </a:solidFill>
+                <a:latin typeface="Calibri"/>
+                <a:ea typeface="Calibri"/>
+                <a:cs typeface="Calibri"/>
+                <a:sym typeface="Calibri"/>
+              </a:rPr>
+              <a:t>EWC++ = Elastic Weight Consolidation - preventing catastrophic forgetting (preserves 95%+ knowledge)</a:t>
+            </a:r>
+            <a:endParaRPr sz="1200">
+              <a:solidFill>
+                <a:schemeClr val="dk1"/>
+              </a:solidFill>
+              <a:latin typeface="Calibri"/>
+              <a:ea typeface="Calibri"/>
+              <a:cs typeface="Calibri"/>
+              <a:sym typeface="Calibri"/>
+            </a:endParaRPr>
+          </a:p>
+          <a:p>
+            <a:pPr marL="171450" marR="0" lvl="0" indent="-133350" algn="l" rtl="0">
+              <a:lnSpc>
+                <a:spcPct val="100000"/>
+              </a:lnSpc>
+              <a:spcBef>
+                <a:spcPts val="0"/>
+              </a:spcBef>
+              <a:spcAft>
+                <a:spcPts val="0"/>
+              </a:spcAft>
+              <a:buClr>
+                <a:schemeClr val="dk1"/>
+              </a:buClr>
+              <a:buSzPts val="1200"/>
+              <a:buFont typeface="Calibri"/>
+              <a:buChar char="●"/>
+            </a:pPr>
+            <a:r>
+              <a:rPr lang="en" sz="1200">
+                <a:solidFill>
+                  <a:schemeClr val="dk1"/>
+                </a:solidFill>
+                <a:latin typeface="Calibri"/>
+                <a:ea typeface="Calibri"/>
+                <a:cs typeface="Calibri"/>
+                <a:sym typeface="Calibri"/>
+              </a:rPr>
+              <a:t>Flash Attention - Optimized computation with 2.49x-7.47x speedup</a:t>
+            </a:r>
+            <a:endParaRPr sz="1200">
+              <a:solidFill>
+                <a:schemeClr val="dk1"/>
+              </a:solidFill>
+              <a:latin typeface="Calibri"/>
+              <a:ea typeface="Calibri"/>
+              <a:cs typeface="Calibri"/>
+              <a:sym typeface="Calibri"/>
+            </a:endParaRPr>
+          </a:p>
+          <a:p>
+            <a:pPr marL="171450" marR="0" lvl="0" indent="-133350" algn="l" rtl="0">
+              <a:lnSpc>
+                <a:spcPct val="100000"/>
+              </a:lnSpc>
+              <a:spcBef>
+                <a:spcPts val="0"/>
+              </a:spcBef>
+              <a:spcAft>
+                <a:spcPts val="0"/>
+              </a:spcAft>
+              <a:buClr>
+                <a:schemeClr val="dk1"/>
+              </a:buClr>
+              <a:buSzPts val="1200"/>
+              <a:buFont typeface="Calibri"/>
+              <a:buChar char="●"/>
+            </a:pPr>
+            <a:r>
+              <a:rPr lang="en" sz="1200">
+                <a:solidFill>
+                  <a:schemeClr val="dk1"/>
+                </a:solidFill>
+                <a:latin typeface="Calibri"/>
+                <a:ea typeface="Calibri"/>
+                <a:cs typeface="Calibri"/>
+                <a:sym typeface="Calibri"/>
+              </a:rPr>
+              <a:t>HNSW - Vector search 150x-12,500x faster than traditional methods</a:t>
+            </a:r>
+            <a:endParaRPr sz="1200">
+              <a:solidFill>
+                <a:schemeClr val="dk1"/>
+              </a:solidFill>
+              <a:latin typeface="Calibri"/>
+              <a:ea typeface="Calibri"/>
+              <a:cs typeface="Calibri"/>
+              <a:sym typeface="Calibri"/>
+            </a:endParaRPr>
+          </a:p>
+          <a:p>
+            <a:pPr marL="171450" marR="0" lvl="0" indent="-133350" algn="l" rtl="0">
+              <a:lnSpc>
+                <a:spcPct val="100000"/>
+              </a:lnSpc>
+              <a:spcBef>
+                <a:spcPts val="0"/>
+              </a:spcBef>
+              <a:spcAft>
+                <a:spcPts val="0"/>
+              </a:spcAft>
+              <a:buClr>
+                <a:schemeClr val="dk1"/>
+              </a:buClr>
+              <a:buSzPts val="1200"/>
+              <a:buFont typeface="Calibri"/>
+              <a:buChar char="●"/>
+            </a:pPr>
+            <a:r>
+              <a:rPr lang="en" sz="1200">
+                <a:solidFill>
+                  <a:schemeClr val="dk1"/>
+                </a:solidFill>
+                <a:latin typeface="Calibri"/>
+                <a:ea typeface="Calibri"/>
+                <a:cs typeface="Calibri"/>
+                <a:sym typeface="Calibri"/>
+              </a:rPr>
+              <a:t>LoRA/MicroLoRA - Efficient fine-tuning with 128x compression</a:t>
+            </a:r>
+            <a:endParaRPr sz="1200">
+              <a:solidFill>
+                <a:schemeClr val="dk1"/>
+              </a:solidFill>
+              <a:latin typeface="Calibri"/>
+              <a:ea typeface="Calibri"/>
+              <a:cs typeface="Calibri"/>
+              <a:sym typeface="Calibri"/>
+            </a:endParaRPr>
+          </a:p>
+          <a:p>
+            <a:pPr marL="171450" marR="0" lvl="0" indent="-133350" algn="l" rtl="0">
+              <a:lnSpc>
+                <a:spcPct val="100000"/>
+              </a:lnSpc>
+              <a:spcBef>
+                <a:spcPts val="0"/>
+              </a:spcBef>
+              <a:spcAft>
+                <a:spcPts val="0"/>
+              </a:spcAft>
+              <a:buClr>
+                <a:schemeClr val="dk1"/>
+              </a:buClr>
+              <a:buSzPts val="1200"/>
+              <a:buFont typeface="Calibri"/>
+              <a:buChar char="●"/>
+            </a:pPr>
+            <a:r>
+              <a:rPr lang="en" sz="1200">
+                <a:solidFill>
+                  <a:schemeClr val="dk1"/>
+                </a:solidFill>
+                <a:latin typeface="Calibri"/>
+                <a:ea typeface="Calibri"/>
+                <a:cs typeface="Calibri"/>
+                <a:sym typeface="Calibri"/>
+              </a:rPr>
+              <a:t>Get started: </a:t>
+            </a:r>
+            <a:r>
+              <a:rPr lang="en" sz="1200" b="1">
+                <a:solidFill>
+                  <a:srgbClr val="3C78D8"/>
+                </a:solidFill>
+                <a:latin typeface="Calibri"/>
+                <a:ea typeface="Calibri"/>
+                <a:cs typeface="Calibri"/>
+                <a:sym typeface="Calibri"/>
+              </a:rPr>
+              <a:t>npx claude-flow@v3alpha init</a:t>
+            </a:r>
+            <a:endParaRPr sz="1200" b="1">
+              <a:solidFill>
+                <a:srgbClr val="3C78D8"/>
+              </a:solidFill>
+              <a:latin typeface="Calibri"/>
+              <a:ea typeface="Calibri"/>
+              <a:cs typeface="Calibri"/>
+              <a:sym typeface="Calibri"/>
+            </a:endParaRPr>
+          </a:p>
+          <a:p>
+            <a:pPr marL="171450" marR="0" lvl="0" indent="-133350" algn="l" rtl="0">
+              <a:lnSpc>
+                <a:spcPct val="100000"/>
+              </a:lnSpc>
+              <a:spcBef>
+                <a:spcPts val="0"/>
+              </a:spcBef>
+              <a:spcAft>
+                <a:spcPts val="0"/>
+              </a:spcAft>
+              <a:buClr>
+                <a:schemeClr val="dk1"/>
+              </a:buClr>
+              <a:buSzPts val="1200"/>
+              <a:buFont typeface="Calibri"/>
+              <a:buChar char="●"/>
+            </a:pPr>
+            <a:r>
+              <a:rPr lang="en" sz="1200">
+                <a:solidFill>
+                  <a:schemeClr val="dk1"/>
+                </a:solidFill>
+                <a:latin typeface="Calibri"/>
+                <a:ea typeface="Calibri"/>
+                <a:cs typeface="Calibri"/>
+                <a:sym typeface="Calibri"/>
+              </a:rPr>
+              <a:t>The framework supports recursive development - it can build and improve itself using the same agents it orchestrates</a:t>
+            </a:r>
+            <a:endParaRPr sz="1200">
+              <a:solidFill>
+                <a:schemeClr val="dk1"/>
+              </a:solidFill>
+              <a:latin typeface="Calibri"/>
+              <a:ea typeface="Calibri"/>
+              <a:cs typeface="Calibri"/>
+              <a:sym typeface="Calibri"/>
+            </a:endParaRPr>
+          </a:p>
+          <a:p>
+            <a:pPr marL="171450" marR="0" lvl="0" indent="-133350" algn="l" rtl="0">
+              <a:lnSpc>
+                <a:spcPct val="100000"/>
+              </a:lnSpc>
+              <a:spcBef>
+                <a:spcPts val="0"/>
+              </a:spcBef>
+              <a:spcAft>
+                <a:spcPts val="0"/>
+              </a:spcAft>
+              <a:buClr>
+                <a:schemeClr val="dk1"/>
+              </a:buClr>
+              <a:buSzPts val="1200"/>
+              <a:buFont typeface="Calibri"/>
+              <a:buChar char="●"/>
+            </a:pPr>
+            <a:r>
+              <a:rPr lang="en" sz="1200" u="sng">
+                <a:solidFill>
+                  <a:schemeClr val="hlink"/>
+                </a:solidFill>
+                <a:latin typeface="Calibri"/>
+                <a:ea typeface="Calibri"/>
+                <a:cs typeface="Calibri"/>
+                <a:sym typeface="Calibri"/>
+                <a:hlinkClick r:id="rId3"/>
+              </a:rPr>
+              <a:t>https://github.com/ruvnet/claude-flow</a:t>
+            </a:r>
+            <a:r>
+              <a:rPr lang="en" sz="1200">
+                <a:solidFill>
+                  <a:schemeClr val="dk1"/>
+                </a:solidFill>
+                <a:latin typeface="Calibri"/>
+                <a:ea typeface="Calibri"/>
+                <a:cs typeface="Calibri"/>
+                <a:sym typeface="Calibri"/>
+              </a:rPr>
+              <a:t> </a:t>
+            </a:r>
+            <a:endParaRPr sz="1200">
+              <a:solidFill>
+                <a:schemeClr val="dk1"/>
+              </a:solidFill>
+              <a:latin typeface="Calibri"/>
+              <a:ea typeface="Calibri"/>
+              <a:cs typeface="Calibri"/>
+              <a:sym typeface="Calibri"/>
+            </a:endParaRPr>
+          </a:p>
+          <a:p>
+            <a:pPr marL="171450" marR="0" lvl="0" indent="-133350" algn="l" rtl="0">
+              <a:lnSpc>
+                <a:spcPct val="100000"/>
+              </a:lnSpc>
+              <a:spcBef>
+                <a:spcPts val="0"/>
+              </a:spcBef>
+              <a:spcAft>
+                <a:spcPts val="0"/>
+              </a:spcAft>
+              <a:buClr>
+                <a:schemeClr val="dk1"/>
+              </a:buClr>
+              <a:buSzPts val="1200"/>
+              <a:buFont typeface="Calibri"/>
+              <a:buChar char="●"/>
+            </a:pPr>
+            <a:r>
+              <a:rPr lang="en" sz="1200" u="sng">
+                <a:solidFill>
+                  <a:schemeClr val="hlink"/>
+                </a:solidFill>
+                <a:latin typeface="Calibri"/>
+                <a:ea typeface="Calibri"/>
+                <a:cs typeface="Calibri"/>
+                <a:sym typeface="Calibri"/>
+                <a:hlinkClick r:id="rId4"/>
+              </a:rPr>
+              <a:t>https://www.reddit.com/r/ClaudeAI/comments/1l87dj7/claudeflow_multiagent_orchestration_platform_for/</a:t>
+            </a:r>
+            <a:r>
+              <a:rPr lang="en" sz="1200">
+                <a:solidFill>
+                  <a:schemeClr val="dk1"/>
+                </a:solidFill>
+                <a:latin typeface="Calibri"/>
+                <a:ea typeface="Calibri"/>
+                <a:cs typeface="Calibri"/>
+                <a:sym typeface="Calibri"/>
+              </a:rPr>
+              <a:t> </a:t>
+            </a:r>
+            <a:endParaRPr sz="1200">
+              <a:solidFill>
+                <a:schemeClr val="dk1"/>
+              </a:solidFill>
+              <a:latin typeface="Calibri"/>
+              <a:ea typeface="Calibri"/>
+              <a:cs typeface="Calibri"/>
+              <a:sym typeface="Calibri"/>
+            </a:endParaRPr>
+          </a:p>
+        </p:txBody>
+      </p:sp>
+      <p:pic>
+        <p:nvPicPr>
+          <p:cNvPr id="211" name="Google Shape;211;p24"/>
+          <p:cNvPicPr preferRelativeResize="0"/>
+          <p:nvPr/>
+        </p:nvPicPr>
+        <p:blipFill>
+          <a:blip r:embed="rId5" cstate="email">
+            <a:alphaModFix/>
+            <a:extLst>
+              <a:ext uri="{28A0092B-C50C-407E-A947-70E740481C1C}">
+                <a14:useLocalDpi xmlns:a14="http://schemas.microsoft.com/office/drawing/2010/main"/>
+              </a:ext>
+            </a:extLst>
+          </a:blip>
+          <a:stretch>
+            <a:fillRect/>
+          </a:stretch>
+        </p:blipFill>
+        <p:spPr>
+          <a:xfrm>
+            <a:off x="4621175" y="3566073"/>
+            <a:ext cx="2475557" cy="1388725"/>
+          </a:xfrm>
+          <a:prstGeom prst="rect">
+            <a:avLst/>
+          </a:prstGeom>
+          <a:noFill/>
+          <a:ln w="9525" cap="flat" cmpd="sng">
+            <a:solidFill>
+              <a:srgbClr val="FF0000"/>
+            </a:solidFill>
+            <a:prstDash val="solid"/>
+            <a:round/>
+            <a:headEnd type="none" w="sm" len="sm"/>
+            <a:tailEnd type="none" w="sm" len="sm"/>
+          </a:ln>
+        </p:spPr>
+      </p:pic>
+    </p:spTree>
+  </p:cSld>
+  <p:clrMapOvr>
+    <a:masterClrMapping/>
+  </p:clrMapOvr>
+</p:sld>
+</file>
+
+<file path=ppt/slides/slide11.xml><?xml version="1.0" encoding="utf-8"?>
+<p:sld xmlns:a="http://schemas.openxmlformats.org/drawingml/2006/main" xmlns:r="http://schemas.openxmlformats.org/officeDocument/2006/relationships" xmlns:p="http://schemas.openxmlformats.org/presentationml/2006/main">
+  <p:cSld>
+    <p:spTree>
+      <p:nvGrpSpPr>
+        <p:cNvPr id="1" name="Shape 215"/>
+        <p:cNvGrpSpPr/>
+        <p:nvPr/>
+      </p:nvGrpSpPr>
+      <p:grpSpPr>
+        <a:xfrm>
+          <a:off x="0" y="0"/>
+          <a:ext cx="0" cy="0"/>
+          <a:chOff x="0" y="0"/>
+          <a:chExt cx="0" cy="0"/>
+        </a:xfrm>
+      </p:grpSpPr>
+      <p:sp>
+        <p:nvSpPr>
+          <p:cNvPr id="216" name="Google Shape;216;p25"/>
           <p:cNvSpPr txBox="1"/>
           <p:nvPr/>
         </p:nvSpPr>
@@ -15062,7 +16381,7 @@
       </p:sp>
       <p:sp>
         <p:nvSpPr>
-          <p:cNvPr id="208" name="Google Shape;208;p24"/>
+          <p:cNvPr id="217" name="Google Shape;217;p25"/>
           <p:cNvSpPr txBox="1"/>
           <p:nvPr/>
         </p:nvSpPr>
@@ -15663,7 +16982,7 @@
       </p:sp>
       <p:sp>
         <p:nvSpPr>
-          <p:cNvPr id="209" name="Google Shape;209;p24"/>
+          <p:cNvPr id="218" name="Google Shape;218;p25"/>
           <p:cNvSpPr txBox="1"/>
           <p:nvPr/>
         </p:nvSpPr>
@@ -16137,7 +17456,7 @@
       </p:sp>
       <p:pic>
         <p:nvPicPr>
-          <p:cNvPr id="210" name="Google Shape;210;p24"/>
+          <p:cNvPr id="219" name="Google Shape;219;p25"/>
           <p:cNvPicPr preferRelativeResize="0"/>
           <p:nvPr/>
         </p:nvPicPr>
@@ -16176,7 +17495,7 @@
       </p:pic>
       <p:pic>
         <p:nvPicPr>
-          <p:cNvPr id="211" name="Google Shape;211;p24"/>
+          <p:cNvPr id="220" name="Google Shape;220;p25"/>
           <p:cNvPicPr preferRelativeResize="0"/>
           <p:nvPr/>
         </p:nvPicPr>
@@ -16215,7 +17534,7 @@
       </p:pic>
       <p:sp>
         <p:nvSpPr>
-          <p:cNvPr id="212" name="Google Shape;212;p24"/>
+          <p:cNvPr id="221" name="Google Shape;221;p25"/>
           <p:cNvSpPr txBox="1"/>
           <p:nvPr/>
         </p:nvSpPr>
@@ -16280,12 +17599,12 @@
 </p:sld>
 </file>
 
-<file path=ppt/slides/slide11.xml><?xml version="1.0" encoding="utf-8"?>
+<file path=ppt/slides/slide12.xml><?xml version="1.0" encoding="utf-8"?>
 <p:sld xmlns:a="http://schemas.openxmlformats.org/drawingml/2006/main" xmlns:r="http://schemas.openxmlformats.org/officeDocument/2006/relationships" xmlns:p="http://schemas.openxmlformats.org/presentationml/2006/main">
   <p:cSld>
     <p:spTree>
       <p:nvGrpSpPr>
-        <p:cNvPr id="1" name="Shape 216"/>
+        <p:cNvPr id="1" name="Shape 225"/>
         <p:cNvGrpSpPr/>
         <p:nvPr/>
       </p:nvGrpSpPr>
@@ -16299,7 +17618,7 @@
       </p:grpSpPr>
       <p:sp>
         <p:nvSpPr>
-          <p:cNvPr id="217" name="Google Shape;217;p25"/>
+          <p:cNvPr id="226" name="Google Shape;226;p26"/>
           <p:cNvSpPr txBox="1"/>
           <p:nvPr/>
         </p:nvSpPr>
@@ -16365,7 +17684,7 @@
       </p:sp>
       <p:sp>
         <p:nvSpPr>
-          <p:cNvPr id="218" name="Google Shape;218;p25"/>
+          <p:cNvPr id="227" name="Google Shape;227;p26"/>
           <p:cNvSpPr txBox="1"/>
           <p:nvPr/>
         </p:nvSpPr>
@@ -16704,7 +18023,7 @@
       </p:sp>
       <p:sp>
         <p:nvSpPr>
-          <p:cNvPr id="219" name="Google Shape;219;p25"/>
+          <p:cNvPr id="228" name="Google Shape;228;p26"/>
           <p:cNvSpPr txBox="1"/>
           <p:nvPr/>
         </p:nvSpPr>
@@ -17004,7 +18323,7 @@
       </p:sp>
       <p:pic>
         <p:nvPicPr>
-          <p:cNvPr id="220" name="Google Shape;220;p25"/>
+          <p:cNvPr id="229" name="Google Shape;229;p26"/>
           <p:cNvPicPr preferRelativeResize="0"/>
           <p:nvPr/>
         </p:nvPicPr>
@@ -17049,12 +18368,12 @@
 </p:sld>
 </file>
 
-<file path=ppt/slides/slide12.xml><?xml version="1.0" encoding="utf-8"?>
+<file path=ppt/slides/slide13.xml><?xml version="1.0" encoding="utf-8"?>
 <p:sld xmlns:a="http://schemas.openxmlformats.org/drawingml/2006/main" xmlns:r="http://schemas.openxmlformats.org/officeDocument/2006/relationships" xmlns:p="http://schemas.openxmlformats.org/presentationml/2006/main">
   <p:cSld>
     <p:spTree>
       <p:nvGrpSpPr>
-        <p:cNvPr id="1" name="Shape 224"/>
+        <p:cNvPr id="1" name="Shape 233"/>
         <p:cNvGrpSpPr/>
         <p:nvPr/>
       </p:nvGrpSpPr>
@@ -17068,7 +18387,7 @@
       </p:grpSpPr>
       <p:sp>
         <p:nvSpPr>
-          <p:cNvPr id="225" name="Google Shape;225;p26"/>
+          <p:cNvPr id="234" name="Google Shape;234;p27"/>
           <p:cNvSpPr txBox="1"/>
           <p:nvPr/>
         </p:nvSpPr>
@@ -17134,7 +18453,7 @@
       </p:sp>
       <p:sp>
         <p:nvSpPr>
-          <p:cNvPr id="226" name="Google Shape;226;p26"/>
+          <p:cNvPr id="235" name="Google Shape;235;p27"/>
           <p:cNvSpPr txBox="1"/>
           <p:nvPr/>
         </p:nvSpPr>
@@ -17855,7 +19174,7 @@
       </p:sp>
       <p:pic>
         <p:nvPicPr>
-          <p:cNvPr id="227" name="Google Shape;227;p26"/>
+          <p:cNvPr id="236" name="Google Shape;236;p27"/>
           <p:cNvPicPr preferRelativeResize="0"/>
           <p:nvPr/>
         </p:nvPicPr>
@@ -17894,7 +19213,7 @@
       </p:pic>
       <p:sp>
         <p:nvSpPr>
-          <p:cNvPr id="228" name="Google Shape;228;p26"/>
+          <p:cNvPr id="237" name="Google Shape;237;p27"/>
           <p:cNvSpPr txBox="1"/>
           <p:nvPr/>
         </p:nvSpPr>
@@ -18427,12 +19746,12 @@
 </p:sld>
 </file>
 
-<file path=ppt/slides/slide13.xml><?xml version="1.0" encoding="utf-8"?>
+<file path=ppt/slides/slide14.xml><?xml version="1.0" encoding="utf-8"?>
 <p:sld xmlns:a="http://schemas.openxmlformats.org/drawingml/2006/main" xmlns:r="http://schemas.openxmlformats.org/officeDocument/2006/relationships" xmlns:p="http://schemas.openxmlformats.org/presentationml/2006/main">
   <p:cSld>
     <p:spTree>
       <p:nvGrpSpPr>
-        <p:cNvPr id="1" name="Shape 232"/>
+        <p:cNvPr id="1" name="Shape 241"/>
         <p:cNvGrpSpPr/>
         <p:nvPr/>
       </p:nvGrpSpPr>
@@ -18446,14 +19765,14 @@
       </p:grpSpPr>
       <p:sp>
         <p:nvSpPr>
-          <p:cNvPr id="233" name="Google Shape;233;p27"/>
+          <p:cNvPr id="242" name="Google Shape;242;p28"/>
           <p:cNvSpPr txBox="1"/>
           <p:nvPr/>
         </p:nvSpPr>
         <p:spPr>
           <a:xfrm>
             <a:off x="55075" y="43025"/>
-            <a:ext cx="4465200" cy="326400"/>
+            <a:ext cx="5008800" cy="326400"/>
           </a:xfrm>
           <a:prstGeom prst="rect">
             <a:avLst/>
@@ -18496,7 +19815,7 @@
                 <a:cs typeface="Calibri"/>
                 <a:sym typeface="Calibri"/>
               </a:rPr>
-              <a:t>AI Updates</a:t>
+              <a:t>OpenAI Reached "High" Level of Cybersecurity</a:t>
             </a:r>
             <a:endParaRPr sz="2000" b="1">
               <a:solidFill>
@@ -18512,14 +19831,14 @@
       </p:sp>
       <p:sp>
         <p:nvSpPr>
-          <p:cNvPr id="234" name="Google Shape;234;p27"/>
+          <p:cNvPr id="243" name="Google Shape;243;p28"/>
           <p:cNvSpPr txBox="1"/>
           <p:nvPr/>
         </p:nvSpPr>
         <p:spPr>
           <a:xfrm>
-            <a:off x="1460250" y="3020500"/>
-            <a:ext cx="3988200" cy="942000"/>
+            <a:off x="346725" y="1124850"/>
+            <a:ext cx="4571400" cy="3066000"/>
           </a:xfrm>
           <a:prstGeom prst="rect">
             <a:avLst/>
@@ -18570,7 +19889,7 @@
                 <a:cs typeface="Calibri"/>
                 <a:sym typeface="Calibri"/>
               </a:rPr>
-              <a:t>OpenAI Cybersecurity Risk Assessment</a:t>
+              <a:t>"We are going to reach the Cybersecurity High level" - Sam Altman</a:t>
             </a:r>
             <a:endParaRPr sz="1200" b="1">
               <a:solidFill>
@@ -18610,7 +19929,7 @@
                 <a:cs typeface="Calibri"/>
                 <a:sym typeface="Calibri"/>
               </a:rPr>
-              <a:t>OpenAI is moving its cybersecurity risk assessment </a:t>
+              <a:t>Shifting focus toward "defensive acceleration" </a:t>
             </a:r>
             <a:br>
               <a:rPr lang="en" sz="1200">
@@ -18633,11 +19952,23 @@
                 <a:cs typeface="Calibri"/>
                 <a:sym typeface="Calibri"/>
               </a:rPr>
-              <a:t>from "medium" to "high" </a:t>
-            </a:r>
-            <a:endParaRPr sz="1200">
+              <a:t>to help people </a:t>
+            </a:r>
+            <a:r>
+              <a:rPr lang="en" sz="1200" b="1">
+                <a:solidFill>
+                  <a:srgbClr val="FF0000"/>
+                </a:solidFill>
+                <a:latin typeface="Calibri"/>
+                <a:ea typeface="Calibri"/>
+                <a:cs typeface="Calibri"/>
+                <a:sym typeface="Calibri"/>
+              </a:rPr>
+              <a:t>patch bugs faster than they can be exploited</a:t>
+            </a:r>
+            <a:endParaRPr sz="1200" b="1">
               <a:solidFill>
-                <a:schemeClr val="dk1"/>
+                <a:srgbClr val="FF0000"/>
               </a:solidFill>
               <a:latin typeface="Calibri"/>
               <a:ea typeface="Calibri"/>
@@ -18673,9 +20004,21 @@
                 <a:cs typeface="Calibri"/>
                 <a:sym typeface="Calibri"/>
               </a:rPr>
-              <a:t>Shifting focus toward "defensive acceleration" </a:t>
-            </a:r>
-            <a:br>
+              <a:t>OpenAI announced that its </a:t>
+            </a:r>
+            <a:r>
+              <a:rPr lang="en" sz="1200" b="1">
+                <a:solidFill>
+                  <a:srgbClr val="3C78D8"/>
+                </a:solidFill>
+                <a:latin typeface="Calibri"/>
+                <a:ea typeface="Calibri"/>
+                <a:cs typeface="Calibri"/>
+                <a:sym typeface="Calibri"/>
+              </a:rPr>
+              <a:t>upcoming Codex coding model updates</a:t>
+            </a:r>
+            <a:r>
               <a:rPr lang="en" sz="1200">
                 <a:solidFill>
                   <a:schemeClr val="dk1"/>
@@ -18685,18 +20028,7 @@
                 <a:cs typeface="Calibri"/>
                 <a:sym typeface="Calibri"/>
               </a:rPr>
-            </a:br>
-            <a:r>
-              <a:rPr lang="en" sz="1200">
-                <a:solidFill>
-                  <a:schemeClr val="dk1"/>
-                </a:solidFill>
-                <a:latin typeface="Calibri"/>
-                <a:ea typeface="Calibri"/>
-                <a:cs typeface="Calibri"/>
-                <a:sym typeface="Calibri"/>
-              </a:rPr>
-              <a:t>to help people patch bugs faster than they can be exploited</a:t>
+              <a:t> will reach the "High" cybersecurity level for the first time. </a:t>
             </a:r>
             <a:endParaRPr sz="1200">
               <a:solidFill>
@@ -18708,16 +20040,254 @@
               <a:sym typeface="Calibri"/>
             </a:endParaRPr>
           </a:p>
+          <a:p>
+            <a:pPr marL="171450" marR="0" lvl="0" indent="-133350" algn="l" rtl="0">
+              <a:lnSpc>
+                <a:spcPct val="100000"/>
+              </a:lnSpc>
+              <a:spcBef>
+                <a:spcPts val="0"/>
+              </a:spcBef>
+              <a:spcAft>
+                <a:spcPts val="0"/>
+              </a:spcAft>
+              <a:buClr>
+                <a:schemeClr val="dk1"/>
+              </a:buClr>
+              <a:buSzPts val="1200"/>
+              <a:buFont typeface="Calibri"/>
+              <a:buChar char="●"/>
+            </a:pPr>
+            <a:r>
+              <a:rPr lang="en" sz="900" u="sng">
+                <a:solidFill>
+                  <a:schemeClr val="hlink"/>
+                </a:solidFill>
+                <a:latin typeface="Calibri"/>
+                <a:ea typeface="Calibri"/>
+                <a:cs typeface="Calibri"/>
+                <a:sym typeface="Calibri"/>
+                <a:hlinkClick r:id="rId3"/>
+              </a:rPr>
+              <a:t>https://the-decoder.com/openais-upcoming-codex-update-will-hit-the-companys-high-cybersecurity-risk-level-for-the-first-time/</a:t>
+            </a:r>
+            <a:r>
+              <a:rPr lang="en" sz="900">
+                <a:solidFill>
+                  <a:schemeClr val="dk1"/>
+                </a:solidFill>
+                <a:latin typeface="Calibri"/>
+                <a:ea typeface="Calibri"/>
+                <a:cs typeface="Calibri"/>
+                <a:sym typeface="Calibri"/>
+              </a:rPr>
+              <a:t> </a:t>
+            </a:r>
+            <a:endParaRPr sz="900">
+              <a:solidFill>
+                <a:schemeClr val="dk1"/>
+              </a:solidFill>
+              <a:latin typeface="Calibri"/>
+              <a:ea typeface="Calibri"/>
+              <a:cs typeface="Calibri"/>
+              <a:sym typeface="Calibri"/>
+            </a:endParaRPr>
+          </a:p>
+          <a:p>
+            <a:pPr marL="171450" marR="0" lvl="0" indent="-133350" algn="l" rtl="0">
+              <a:lnSpc>
+                <a:spcPct val="100000"/>
+              </a:lnSpc>
+              <a:spcBef>
+                <a:spcPts val="0"/>
+              </a:spcBef>
+              <a:spcAft>
+                <a:spcPts val="0"/>
+              </a:spcAft>
+              <a:buClr>
+                <a:schemeClr val="dk1"/>
+              </a:buClr>
+              <a:buSzPts val="1200"/>
+              <a:buFont typeface="Calibri"/>
+              <a:buChar char="●"/>
+            </a:pPr>
+            <a:r>
+              <a:rPr lang="en" sz="1200">
+                <a:solidFill>
+                  <a:schemeClr val="dk1"/>
+                </a:solidFill>
+                <a:latin typeface="Calibri"/>
+                <a:ea typeface="Calibri"/>
+                <a:cs typeface="Calibri"/>
+                <a:sym typeface="Calibri"/>
+              </a:rPr>
+              <a:t>In response, OpenAI is shifting toward "defensive acceleration," prioritizing AI tools that help people patch vulnerabilities faster than they can be exploited</a:t>
+            </a:r>
+            <a:endParaRPr sz="1200">
+              <a:solidFill>
+                <a:schemeClr val="dk1"/>
+              </a:solidFill>
+              <a:latin typeface="Calibri"/>
+              <a:ea typeface="Calibri"/>
+              <a:cs typeface="Calibri"/>
+              <a:sym typeface="Calibri"/>
+            </a:endParaRPr>
+          </a:p>
+          <a:p>
+            <a:pPr marL="171450" marR="0" lvl="0" indent="-133350" algn="l" rtl="0">
+              <a:lnSpc>
+                <a:spcPct val="100000"/>
+              </a:lnSpc>
+              <a:spcBef>
+                <a:spcPts val="0"/>
+              </a:spcBef>
+              <a:spcAft>
+                <a:spcPts val="0"/>
+              </a:spcAft>
+              <a:buClr>
+                <a:schemeClr val="dk1"/>
+              </a:buClr>
+              <a:buSzPts val="1200"/>
+              <a:buFont typeface="Calibri"/>
+              <a:buChar char="●"/>
+            </a:pPr>
+            <a:r>
+              <a:rPr lang="en" sz="1200" b="1">
+                <a:solidFill>
+                  <a:srgbClr val="FF0000"/>
+                </a:solidFill>
+                <a:latin typeface="Calibri"/>
+                <a:ea typeface="Calibri"/>
+                <a:cs typeface="Calibri"/>
+                <a:sym typeface="Calibri"/>
+              </a:rPr>
+              <a:t>CEO Sam Altman emphasized the importance of rapid adoption of these defensive tools</a:t>
+            </a:r>
+            <a:r>
+              <a:rPr lang="en" sz="1200">
+                <a:solidFill>
+                  <a:schemeClr val="dk1"/>
+                </a:solidFill>
+                <a:latin typeface="Calibri"/>
+                <a:ea typeface="Calibri"/>
+                <a:cs typeface="Calibri"/>
+                <a:sym typeface="Calibri"/>
+              </a:rPr>
+              <a:t>, noting that "there will be many very capable models in the world soon"</a:t>
+            </a:r>
+            <a:endParaRPr sz="1200">
+              <a:solidFill>
+                <a:schemeClr val="dk1"/>
+              </a:solidFill>
+              <a:latin typeface="Calibri"/>
+              <a:ea typeface="Calibri"/>
+              <a:cs typeface="Calibri"/>
+              <a:sym typeface="Calibri"/>
+            </a:endParaRPr>
+          </a:p>
+          <a:p>
+            <a:pPr marL="171450" marR="0" lvl="0" indent="-133350" algn="l" rtl="0">
+              <a:lnSpc>
+                <a:spcPct val="100000"/>
+              </a:lnSpc>
+              <a:spcBef>
+                <a:spcPts val="0"/>
+              </a:spcBef>
+              <a:spcAft>
+                <a:spcPts val="0"/>
+              </a:spcAft>
+              <a:buClr>
+                <a:schemeClr val="dk1"/>
+              </a:buClr>
+              <a:buSzPts val="1200"/>
+              <a:buFont typeface="Calibri"/>
+              <a:buChar char="●"/>
+            </a:pPr>
+            <a:r>
+              <a:rPr lang="en" sz="1200">
+                <a:solidFill>
+                  <a:schemeClr val="dk1"/>
+                </a:solidFill>
+                <a:latin typeface="Calibri"/>
+                <a:ea typeface="Calibri"/>
+                <a:cs typeface="Calibri"/>
+                <a:sym typeface="Calibri"/>
+              </a:rPr>
+              <a:t>Initially, OpenAI will implement product restrictions to block misuse, while transitioning toward the defensive acceleration approach as supporting evidence emerges</a:t>
+            </a:r>
+            <a:endParaRPr sz="1200">
+              <a:solidFill>
+                <a:schemeClr val="dk1"/>
+              </a:solidFill>
+              <a:latin typeface="Calibri"/>
+              <a:ea typeface="Calibri"/>
+              <a:cs typeface="Calibri"/>
+              <a:sym typeface="Calibri"/>
+            </a:endParaRPr>
+          </a:p>
+          <a:p>
+            <a:pPr marL="171450" marR="0" lvl="0" indent="-114300" algn="l" rtl="0">
+              <a:lnSpc>
+                <a:spcPct val="100000"/>
+              </a:lnSpc>
+              <a:spcBef>
+                <a:spcPts val="0"/>
+              </a:spcBef>
+              <a:spcAft>
+                <a:spcPts val="0"/>
+              </a:spcAft>
+              <a:buClr>
+                <a:schemeClr val="dk1"/>
+              </a:buClr>
+              <a:buSzPts val="900"/>
+              <a:buFont typeface="Calibri"/>
+              <a:buChar char="●"/>
+            </a:pPr>
+            <a:r>
+              <a:rPr lang="en" sz="900" u="sng">
+                <a:solidFill>
+                  <a:schemeClr val="hlink"/>
+                </a:solidFill>
+                <a:latin typeface="Calibri"/>
+                <a:ea typeface="Calibri"/>
+                <a:cs typeface="Calibri"/>
+                <a:sym typeface="Calibri"/>
+                <a:hlinkClick r:id="rId4"/>
+              </a:rPr>
+              <a:t>https://x.com/sama/status/2014733975755817267</a:t>
+            </a:r>
+            <a:r>
+              <a:rPr lang="en" sz="900">
+                <a:solidFill>
+                  <a:schemeClr val="dk1"/>
+                </a:solidFill>
+                <a:latin typeface="Calibri"/>
+                <a:ea typeface="Calibri"/>
+                <a:cs typeface="Calibri"/>
+                <a:sym typeface="Calibri"/>
+              </a:rPr>
+              <a:t> </a:t>
+            </a:r>
+            <a:endParaRPr sz="900">
+              <a:solidFill>
+                <a:schemeClr val="dk1"/>
+              </a:solidFill>
+              <a:latin typeface="Calibri"/>
+              <a:ea typeface="Calibri"/>
+              <a:cs typeface="Calibri"/>
+              <a:sym typeface="Calibri"/>
+            </a:endParaRPr>
+          </a:p>
         </p:txBody>
       </p:sp>
       <p:pic>
         <p:nvPicPr>
-          <p:cNvPr id="235" name="Google Shape;235;p27"/>
+          <p:cNvPr id="244" name="Google Shape;244;p28"/>
           <p:cNvPicPr preferRelativeResize="0"/>
           <p:nvPr/>
         </p:nvPicPr>
         <p:blipFill>
-          <a:blip r:embed="rId3" cstate="email">
+          <a:blip r:embed="rId5" cstate="email">
             <a:alphaModFix/>
             <a:extLst>
               <a:ext uri="{28A0092B-C50C-407E-A947-70E740481C1C}">
@@ -18731,7 +20301,7 @@
         </p:blipFill>
         <p:spPr>
           <a:xfrm>
-            <a:off x="5772950" y="43025"/>
+            <a:off x="5772950" y="152389"/>
             <a:ext cx="3225800" cy="4838700"/>
           </a:xfrm>
           <a:prstGeom prst="rect">
@@ -18757,12 +20327,12 @@
 </p:sld>
 </file>
 
-<file path=ppt/slides/slide14.xml><?xml version="1.0" encoding="utf-8"?>
+<file path=ppt/slides/slide15.xml><?xml version="1.0" encoding="utf-8"?>
 <p:sld xmlns:a="http://schemas.openxmlformats.org/drawingml/2006/main" xmlns:r="http://schemas.openxmlformats.org/officeDocument/2006/relationships" xmlns:p="http://schemas.openxmlformats.org/presentationml/2006/main">
   <p:cSld>
     <p:spTree>
       <p:nvGrpSpPr>
-        <p:cNvPr id="1" name="Shape 239"/>
+        <p:cNvPr id="1" name="Shape 248"/>
         <p:cNvGrpSpPr/>
         <p:nvPr/>
       </p:nvGrpSpPr>
@@ -18776,7 +20346,7 @@
       </p:grpSpPr>
       <p:sp>
         <p:nvSpPr>
-          <p:cNvPr id="240" name="Google Shape;240;p28"/>
+          <p:cNvPr id="249" name="Google Shape;249;p29"/>
           <p:cNvSpPr txBox="1"/>
           <p:nvPr/>
         </p:nvSpPr>
@@ -18842,7 +20412,7 @@
       </p:sp>
       <p:sp>
         <p:nvSpPr>
-          <p:cNvPr id="241" name="Google Shape;241;p28"/>
+          <p:cNvPr id="250" name="Google Shape;250;p29"/>
           <p:cNvSpPr txBox="1"/>
           <p:nvPr/>
         </p:nvSpPr>
@@ -19252,7 +20822,7 @@
       </p:sp>
       <p:pic>
         <p:nvPicPr>
-          <p:cNvPr id="242" name="Google Shape;242;p28"/>
+          <p:cNvPr id="251" name="Google Shape;251;p29"/>
           <p:cNvPicPr preferRelativeResize="0"/>
           <p:nvPr/>
         </p:nvPicPr>
@@ -19273,656 +20843,6 @@
           <a:xfrm>
             <a:off x="5500700" y="1828496"/>
             <a:ext cx="2330026" cy="1198300"/>
-          </a:xfrm>
-          <a:prstGeom prst="rect">
-            <a:avLst/>
-          </a:prstGeom>
-          <a:noFill/>
-          <a:ln w="9525" cap="flat" cmpd="sng">
-            <a:solidFill>
-              <a:srgbClr val="FF0000"/>
-            </a:solidFill>
-            <a:prstDash val="solid"/>
-            <a:round/>
-            <a:headEnd type="none" w="sm" len="sm"/>
-            <a:tailEnd type="none" w="sm" len="sm"/>
-          </a:ln>
-        </p:spPr>
-      </p:pic>
-    </p:spTree>
-  </p:cSld>
-  <p:clrMapOvr>
-    <a:masterClrMapping/>
-  </p:clrMapOvr>
-</p:sld>
-</file>
-
-<file path=ppt/slides/slide15.xml><?xml version="1.0" encoding="utf-8"?>
-<p:sld xmlns:a="http://schemas.openxmlformats.org/drawingml/2006/main" xmlns:r="http://schemas.openxmlformats.org/officeDocument/2006/relationships" xmlns:p="http://schemas.openxmlformats.org/presentationml/2006/main">
-  <p:cSld>
-    <p:spTree>
-      <p:nvGrpSpPr>
-        <p:cNvPr id="1" name="Shape 246"/>
-        <p:cNvGrpSpPr/>
-        <p:nvPr/>
-      </p:nvGrpSpPr>
-      <p:grpSpPr>
-        <a:xfrm>
-          <a:off x="0" y="0"/>
-          <a:ext cx="0" cy="0"/>
-          <a:chOff x="0" y="0"/>
-          <a:chExt cx="0" cy="0"/>
-        </a:xfrm>
-      </p:grpSpPr>
-      <p:sp>
-        <p:nvSpPr>
-          <p:cNvPr id="247" name="Google Shape;247;p29"/>
-          <p:cNvSpPr txBox="1"/>
-          <p:nvPr/>
-        </p:nvSpPr>
-        <p:spPr>
-          <a:xfrm>
-            <a:off x="55075" y="43025"/>
-            <a:ext cx="4465200" cy="326400"/>
-          </a:xfrm>
-          <a:prstGeom prst="rect">
-            <a:avLst/>
-          </a:prstGeom>
-          <a:noFill/>
-          <a:ln>
-            <a:noFill/>
-          </a:ln>
-        </p:spPr>
-        <p:txBody>
-          <a:bodyPr spcFirstLastPara="1" wrap="square" lIns="9125" tIns="9125" rIns="9125" bIns="9125" anchor="t" anchorCtr="0">
-            <a:spAutoFit/>
-          </a:bodyPr>
-          <a:lstStyle/>
-          <a:p>
-            <a:pPr marL="0" marR="0" lvl="0" indent="0" algn="l" rtl="0">
-              <a:lnSpc>
-                <a:spcPct val="100000"/>
-              </a:lnSpc>
-              <a:spcBef>
-                <a:spcPts val="0"/>
-              </a:spcBef>
-              <a:spcAft>
-                <a:spcPts val="0"/>
-              </a:spcAft>
-              <a:buClr>
-                <a:schemeClr val="dk1"/>
-              </a:buClr>
-              <a:buSzPts val="1100"/>
-              <a:buFont typeface="Arial"/>
-              <a:buNone/>
-            </a:pPr>
-            <a:r>
-              <a:rPr lang="en" sz="2000" b="1">
-                <a:solidFill>
-                  <a:schemeClr val="dk1"/>
-                </a:solidFill>
-                <a:latin typeface="Calibri"/>
-                <a:ea typeface="Calibri"/>
-                <a:cs typeface="Calibri"/>
-                <a:sym typeface="Calibri"/>
-              </a:rPr>
-              <a:t>AI Updates</a:t>
-            </a:r>
-            <a:endParaRPr sz="2000" b="1">
-              <a:solidFill>
-                <a:schemeClr val="dk1"/>
-              </a:solidFill>
-              <a:latin typeface="Calibri"/>
-              <a:ea typeface="Calibri"/>
-              <a:cs typeface="Calibri"/>
-              <a:sym typeface="Calibri"/>
-            </a:endParaRPr>
-          </a:p>
-        </p:txBody>
-      </p:sp>
-      <p:sp>
-        <p:nvSpPr>
-          <p:cNvPr id="248" name="Google Shape;248;p29"/>
-          <p:cNvSpPr txBox="1"/>
-          <p:nvPr/>
-        </p:nvSpPr>
-        <p:spPr>
-          <a:xfrm>
-            <a:off x="55075" y="655300"/>
-            <a:ext cx="4465200" cy="1311300"/>
-          </a:xfrm>
-          <a:prstGeom prst="rect">
-            <a:avLst/>
-          </a:prstGeom>
-          <a:solidFill>
-            <a:srgbClr val="FFF2CC"/>
-          </a:solidFill>
-          <a:ln w="9525" cap="flat" cmpd="sng">
-            <a:solidFill>
-              <a:srgbClr val="FF0000"/>
-            </a:solidFill>
-            <a:prstDash val="solid"/>
-            <a:round/>
-            <a:headEnd type="none" w="sm" len="sm"/>
-            <a:tailEnd type="none" w="sm" len="sm"/>
-          </a:ln>
-        </p:spPr>
-        <p:txBody>
-          <a:bodyPr spcFirstLastPara="1" wrap="square" lIns="9125" tIns="9125" rIns="9125" bIns="9125" anchor="t" anchorCtr="0">
-            <a:spAutoFit/>
-          </a:bodyPr>
-          <a:lstStyle/>
-          <a:p>
-            <a:pPr marL="171450" marR="0" lvl="0" indent="-133350" algn="l" rtl="0">
-              <a:lnSpc>
-                <a:spcPct val="100000"/>
-              </a:lnSpc>
-              <a:spcBef>
-                <a:spcPts val="0"/>
-              </a:spcBef>
-              <a:spcAft>
-                <a:spcPts val="0"/>
-              </a:spcAft>
-              <a:buClr>
-                <a:srgbClr val="FF0000"/>
-              </a:buClr>
-              <a:buSzPts val="1200"/>
-              <a:buFont typeface="Calibri"/>
-              <a:buChar char="●"/>
-            </a:pPr>
-            <a:r>
-              <a:rPr lang="en" sz="1200" b="1">
-                <a:solidFill>
-                  <a:srgbClr val="FF0000"/>
-                </a:solidFill>
-                <a:latin typeface="Calibri"/>
-                <a:ea typeface="Calibri"/>
-                <a:cs typeface="Calibri"/>
-                <a:sym typeface="Calibri"/>
-              </a:rPr>
-              <a:t>OpenAI’s "Value Sharing" Strategy</a:t>
-            </a:r>
-            <a:endParaRPr sz="1200" b="1">
-              <a:solidFill>
-                <a:srgbClr val="FF0000"/>
-              </a:solidFill>
-              <a:latin typeface="Calibri"/>
-              <a:ea typeface="Calibri"/>
-              <a:cs typeface="Calibri"/>
-              <a:sym typeface="Calibri"/>
-            </a:endParaRPr>
-          </a:p>
-          <a:p>
-            <a:pPr marL="171450" marR="0" lvl="0" indent="-133350" algn="l" rtl="0">
-              <a:lnSpc>
-                <a:spcPct val="100000"/>
-              </a:lnSpc>
-              <a:spcBef>
-                <a:spcPts val="0"/>
-              </a:spcBef>
-              <a:spcAft>
-                <a:spcPts val="0"/>
-              </a:spcAft>
-              <a:buClr>
-                <a:schemeClr val="dk1"/>
-              </a:buClr>
-              <a:buSzPts val="1200"/>
-              <a:buFont typeface="Calibri"/>
-              <a:buChar char="●"/>
-            </a:pPr>
-            <a:r>
-              <a:rPr lang="en" sz="1200">
-                <a:solidFill>
-                  <a:schemeClr val="dk1"/>
-                </a:solidFill>
-                <a:latin typeface="Calibri"/>
-                <a:ea typeface="Calibri"/>
-                <a:cs typeface="Calibri"/>
-                <a:sym typeface="Calibri"/>
-              </a:rPr>
-              <a:t>Instead of just charging for API tokens or compute, OpenAI may partner with pharmaceutical companies to discover new drugs and take a percentage of the final product's value</a:t>
-            </a:r>
-            <a:endParaRPr sz="1200">
-              <a:solidFill>
-                <a:schemeClr val="dk1"/>
-              </a:solidFill>
-              <a:latin typeface="Calibri"/>
-              <a:ea typeface="Calibri"/>
-              <a:cs typeface="Calibri"/>
-              <a:sym typeface="Calibri"/>
-            </a:endParaRPr>
-          </a:p>
-          <a:p>
-            <a:pPr marL="171450" marR="0" lvl="0" indent="-133350" algn="l" rtl="0">
-              <a:lnSpc>
-                <a:spcPct val="100000"/>
-              </a:lnSpc>
-              <a:spcBef>
-                <a:spcPts val="0"/>
-              </a:spcBef>
-              <a:spcAft>
-                <a:spcPts val="0"/>
-              </a:spcAft>
-              <a:buClr>
-                <a:schemeClr val="dk1"/>
-              </a:buClr>
-              <a:buSzPts val="1200"/>
-              <a:buFont typeface="Calibri"/>
-              <a:buChar char="●"/>
-            </a:pPr>
-            <a:r>
-              <a:rPr lang="en" sz="1200">
-                <a:solidFill>
-                  <a:schemeClr val="dk1"/>
-                </a:solidFill>
-                <a:latin typeface="Calibri"/>
-                <a:ea typeface="Calibri"/>
-                <a:cs typeface="Calibri"/>
-                <a:sym typeface="Calibri"/>
-              </a:rPr>
-              <a:t>For startups, this is essentially a form of venture capital. Instead of raising money to buy compute, companies get the compute directly from OpenAI in exchange for equity or a license to the discovery</a:t>
-            </a:r>
-            <a:endParaRPr sz="1200">
-              <a:solidFill>
-                <a:schemeClr val="dk1"/>
-              </a:solidFill>
-              <a:latin typeface="Calibri"/>
-              <a:ea typeface="Calibri"/>
-              <a:cs typeface="Calibri"/>
-              <a:sym typeface="Calibri"/>
-            </a:endParaRPr>
-          </a:p>
-        </p:txBody>
-      </p:sp>
-      <p:sp>
-        <p:nvSpPr>
-          <p:cNvPr id="249" name="Google Shape;249;p29"/>
-          <p:cNvSpPr txBox="1"/>
-          <p:nvPr/>
-        </p:nvSpPr>
-        <p:spPr>
-          <a:xfrm>
-            <a:off x="55075" y="2489700"/>
-            <a:ext cx="4750200" cy="1496100"/>
-          </a:xfrm>
-          <a:prstGeom prst="rect">
-            <a:avLst/>
-          </a:prstGeom>
-          <a:solidFill>
-            <a:srgbClr val="FFF2CC"/>
-          </a:solidFill>
-          <a:ln w="9525" cap="flat" cmpd="sng">
-            <a:solidFill>
-              <a:srgbClr val="FF0000"/>
-            </a:solidFill>
-            <a:prstDash val="solid"/>
-            <a:round/>
-            <a:headEnd type="none" w="sm" len="sm"/>
-            <a:tailEnd type="none" w="sm" len="sm"/>
-          </a:ln>
-        </p:spPr>
-        <p:txBody>
-          <a:bodyPr spcFirstLastPara="1" wrap="square" lIns="9125" tIns="9125" rIns="9125" bIns="9125" anchor="t" anchorCtr="0">
-            <a:spAutoFit/>
-          </a:bodyPr>
-          <a:lstStyle/>
-          <a:p>
-            <a:pPr marL="171450" marR="0" lvl="0" indent="-133350" algn="l" rtl="0">
-              <a:lnSpc>
-                <a:spcPct val="100000"/>
-              </a:lnSpc>
-              <a:spcBef>
-                <a:spcPts val="0"/>
-              </a:spcBef>
-              <a:spcAft>
-                <a:spcPts val="0"/>
-              </a:spcAft>
-              <a:buClr>
-                <a:srgbClr val="FF0000"/>
-              </a:buClr>
-              <a:buSzPts val="1200"/>
-              <a:buFont typeface="Calibri"/>
-              <a:buChar char="●"/>
-            </a:pPr>
-            <a:r>
-              <a:rPr lang="en" sz="1200" b="1">
-                <a:solidFill>
-                  <a:srgbClr val="FF0000"/>
-                </a:solidFill>
-                <a:latin typeface="Calibri"/>
-                <a:ea typeface="Calibri"/>
-                <a:cs typeface="Calibri"/>
-                <a:sym typeface="Calibri"/>
-              </a:rPr>
-              <a:t>Qwen3-TTS open-source text-to-speech models</a:t>
-            </a:r>
-            <a:endParaRPr sz="1200" b="1">
-              <a:solidFill>
-                <a:srgbClr val="FF0000"/>
-              </a:solidFill>
-              <a:latin typeface="Calibri"/>
-              <a:ea typeface="Calibri"/>
-              <a:cs typeface="Calibri"/>
-              <a:sym typeface="Calibri"/>
-            </a:endParaRPr>
-          </a:p>
-          <a:p>
-            <a:pPr marL="171450" marR="0" lvl="0" indent="-133350" algn="l" rtl="0">
-              <a:lnSpc>
-                <a:spcPct val="100000"/>
-              </a:lnSpc>
-              <a:spcBef>
-                <a:spcPts val="0"/>
-              </a:spcBef>
-              <a:spcAft>
-                <a:spcPts val="0"/>
-              </a:spcAft>
-              <a:buClr>
-                <a:schemeClr val="dk1"/>
-              </a:buClr>
-              <a:buSzPts val="1200"/>
-              <a:buFont typeface="Calibri"/>
-              <a:buChar char="●"/>
-            </a:pPr>
-            <a:r>
-              <a:rPr lang="en" sz="1200">
-                <a:solidFill>
-                  <a:schemeClr val="dk1"/>
-                </a:solidFill>
-                <a:latin typeface="Calibri"/>
-                <a:ea typeface="Calibri"/>
-                <a:cs typeface="Calibri"/>
-                <a:sym typeface="Calibri"/>
-              </a:rPr>
-              <a:t>Sizes: (1.7B &amp; 0.6B params)</a:t>
-            </a:r>
-            <a:endParaRPr sz="1200">
-              <a:solidFill>
-                <a:schemeClr val="dk1"/>
-              </a:solidFill>
-              <a:latin typeface="Calibri"/>
-              <a:ea typeface="Calibri"/>
-              <a:cs typeface="Calibri"/>
-              <a:sym typeface="Calibri"/>
-            </a:endParaRPr>
-          </a:p>
-          <a:p>
-            <a:pPr marL="171450" marR="0" lvl="0" indent="-133350" algn="l" rtl="0">
-              <a:lnSpc>
-                <a:spcPct val="100000"/>
-              </a:lnSpc>
-              <a:spcBef>
-                <a:spcPts val="0"/>
-              </a:spcBef>
-              <a:spcAft>
-                <a:spcPts val="0"/>
-              </a:spcAft>
-              <a:buClr>
-                <a:schemeClr val="dk1"/>
-              </a:buClr>
-              <a:buSzPts val="1200"/>
-              <a:buFont typeface="Calibri"/>
-              <a:buChar char="●"/>
-            </a:pPr>
-            <a:r>
-              <a:rPr lang="en" sz="1200">
-                <a:solidFill>
-                  <a:schemeClr val="dk1"/>
-                </a:solidFill>
-                <a:latin typeface="Calibri"/>
-                <a:ea typeface="Calibri"/>
-                <a:cs typeface="Calibri"/>
-                <a:sym typeface="Calibri"/>
-              </a:rPr>
-              <a:t>Advanced voice cloning, voice design, and speech generation</a:t>
-            </a:r>
-            <a:endParaRPr sz="1200">
-              <a:solidFill>
-                <a:schemeClr val="dk1"/>
-              </a:solidFill>
-              <a:latin typeface="Calibri"/>
-              <a:ea typeface="Calibri"/>
-              <a:cs typeface="Calibri"/>
-              <a:sym typeface="Calibri"/>
-            </a:endParaRPr>
-          </a:p>
-          <a:p>
-            <a:pPr marL="171450" marR="0" lvl="0" indent="-133350" algn="l" rtl="0">
-              <a:lnSpc>
-                <a:spcPct val="100000"/>
-              </a:lnSpc>
-              <a:spcBef>
-                <a:spcPts val="0"/>
-              </a:spcBef>
-              <a:spcAft>
-                <a:spcPts val="0"/>
-              </a:spcAft>
-              <a:buClr>
-                <a:schemeClr val="dk1"/>
-              </a:buClr>
-              <a:buSzPts val="1200"/>
-              <a:buFont typeface="Calibri"/>
-              <a:buChar char="●"/>
-            </a:pPr>
-            <a:r>
-              <a:rPr lang="en" sz="1200">
-                <a:solidFill>
-                  <a:schemeClr val="dk1"/>
-                </a:solidFill>
-                <a:latin typeface="Calibri"/>
-                <a:ea typeface="Calibri"/>
-                <a:cs typeface="Calibri"/>
-                <a:sym typeface="Calibri"/>
-              </a:rPr>
-              <a:t>Clone the voice using just 3 seconds of reference audio</a:t>
-            </a:r>
-            <a:endParaRPr sz="1200">
-              <a:solidFill>
-                <a:schemeClr val="dk1"/>
-              </a:solidFill>
-              <a:latin typeface="Calibri"/>
-              <a:ea typeface="Calibri"/>
-              <a:cs typeface="Calibri"/>
-              <a:sym typeface="Calibri"/>
-            </a:endParaRPr>
-          </a:p>
-          <a:p>
-            <a:pPr marL="171450" marR="0" lvl="0" indent="-133350" algn="l" rtl="0">
-              <a:lnSpc>
-                <a:spcPct val="100000"/>
-              </a:lnSpc>
-              <a:spcBef>
-                <a:spcPts val="0"/>
-              </a:spcBef>
-              <a:spcAft>
-                <a:spcPts val="0"/>
-              </a:spcAft>
-              <a:buClr>
-                <a:schemeClr val="dk1"/>
-              </a:buClr>
-              <a:buSzPts val="1200"/>
-              <a:buFont typeface="Calibri"/>
-              <a:buChar char="●"/>
-            </a:pPr>
-            <a:r>
-              <a:rPr lang="en" sz="1200">
-                <a:solidFill>
-                  <a:schemeClr val="dk1"/>
-                </a:solidFill>
-                <a:latin typeface="Calibri"/>
-                <a:ea typeface="Calibri"/>
-                <a:cs typeface="Calibri"/>
-                <a:sym typeface="Calibri"/>
-              </a:rPr>
-              <a:t>10 major languages (Chinese, English, Japanese, Korean, German, French, Russian, Portuguese, Spanish, and Italian)</a:t>
-            </a:r>
-            <a:endParaRPr sz="1200">
-              <a:solidFill>
-                <a:schemeClr val="dk1"/>
-              </a:solidFill>
-              <a:latin typeface="Calibri"/>
-              <a:ea typeface="Calibri"/>
-              <a:cs typeface="Calibri"/>
-              <a:sym typeface="Calibri"/>
-            </a:endParaRPr>
-          </a:p>
-          <a:p>
-            <a:pPr marL="171450" marR="0" lvl="0" indent="-133350" algn="l" rtl="0">
-              <a:lnSpc>
-                <a:spcPct val="100000"/>
-              </a:lnSpc>
-              <a:spcBef>
-                <a:spcPts val="0"/>
-              </a:spcBef>
-              <a:spcAft>
-                <a:spcPts val="0"/>
-              </a:spcAft>
-              <a:buClr>
-                <a:schemeClr val="dk1"/>
-              </a:buClr>
-              <a:buSzPts val="1200"/>
-              <a:buFont typeface="Calibri"/>
-              <a:buChar char="●"/>
-            </a:pPr>
-            <a:r>
-              <a:rPr lang="en" sz="1200">
-                <a:solidFill>
-                  <a:schemeClr val="dk1"/>
-                </a:solidFill>
-                <a:latin typeface="Calibri"/>
-                <a:ea typeface="Calibri"/>
-                <a:cs typeface="Calibri"/>
-                <a:sym typeface="Calibri"/>
-              </a:rPr>
-              <a:t>Can run on GPUs with 6GB of VRAM</a:t>
-            </a:r>
-            <a:endParaRPr sz="1200">
-              <a:solidFill>
-                <a:schemeClr val="dk1"/>
-              </a:solidFill>
-              <a:latin typeface="Calibri"/>
-              <a:ea typeface="Calibri"/>
-              <a:cs typeface="Calibri"/>
-              <a:sym typeface="Calibri"/>
-            </a:endParaRPr>
-          </a:p>
-          <a:p>
-            <a:pPr marL="171450" marR="0" lvl="0" indent="-133350" algn="l" rtl="0">
-              <a:lnSpc>
-                <a:spcPct val="100000"/>
-              </a:lnSpc>
-              <a:spcBef>
-                <a:spcPts val="0"/>
-              </a:spcBef>
-              <a:spcAft>
-                <a:spcPts val="0"/>
-              </a:spcAft>
-              <a:buClr>
-                <a:schemeClr val="dk1"/>
-              </a:buClr>
-              <a:buSzPts val="1200"/>
-              <a:buFont typeface="Calibri"/>
-              <a:buChar char="●"/>
-            </a:pPr>
-            <a:r>
-              <a:rPr lang="en" sz="1200" u="sng">
-                <a:solidFill>
-                  <a:schemeClr val="hlink"/>
-                </a:solidFill>
-                <a:latin typeface="Calibri"/>
-                <a:ea typeface="Calibri"/>
-                <a:cs typeface="Calibri"/>
-                <a:sym typeface="Calibri"/>
-                <a:hlinkClick r:id="rId3"/>
-              </a:rPr>
-              <a:t>https://huggingface.co/spaces/Qwen/Qwen3-TTS</a:t>
-            </a:r>
-            <a:r>
-              <a:rPr lang="en" sz="1200">
-                <a:solidFill>
-                  <a:schemeClr val="dk1"/>
-                </a:solidFill>
-                <a:latin typeface="Calibri"/>
-                <a:ea typeface="Calibri"/>
-                <a:cs typeface="Calibri"/>
-                <a:sym typeface="Calibri"/>
-              </a:rPr>
-              <a:t> </a:t>
-            </a:r>
-            <a:endParaRPr sz="1200">
-              <a:solidFill>
-                <a:schemeClr val="dk1"/>
-              </a:solidFill>
-              <a:latin typeface="Calibri"/>
-              <a:ea typeface="Calibri"/>
-              <a:cs typeface="Calibri"/>
-              <a:sym typeface="Calibri"/>
-            </a:endParaRPr>
-          </a:p>
-        </p:txBody>
-      </p:sp>
-      <p:pic>
-        <p:nvPicPr>
-          <p:cNvPr id="250" name="Google Shape;250;p29"/>
-          <p:cNvPicPr preferRelativeResize="0"/>
-          <p:nvPr/>
-        </p:nvPicPr>
-        <p:blipFill>
-          <a:blip r:embed="rId4" cstate="email">
-            <a:alphaModFix/>
-            <a:extLst>
-              <a:ext uri="{28A0092B-C50C-407E-A947-70E740481C1C}">
-                <a14:useLocalDpi xmlns:a14="http://schemas.microsoft.com/office/drawing/2010/main"/>
-              </a:ext>
-            </a:extLst>
-          </a:blip>
-          <a:stretch>
-            <a:fillRect/>
-          </a:stretch>
-        </p:blipFill>
-        <p:spPr>
-          <a:xfrm>
-            <a:off x="5158925" y="195625"/>
-            <a:ext cx="3092053" cy="1770975"/>
-          </a:xfrm>
-          <a:prstGeom prst="rect">
-            <a:avLst/>
-          </a:prstGeom>
-          <a:noFill/>
-          <a:ln w="9525" cap="flat" cmpd="sng">
-            <a:solidFill>
-              <a:srgbClr val="FF0000"/>
-            </a:solidFill>
-            <a:prstDash val="solid"/>
-            <a:round/>
-            <a:headEnd type="none" w="sm" len="sm"/>
-            <a:tailEnd type="none" w="sm" len="sm"/>
-          </a:ln>
-        </p:spPr>
-      </p:pic>
-      <p:pic>
-        <p:nvPicPr>
-          <p:cNvPr id="251" name="Google Shape;251;p29"/>
-          <p:cNvPicPr preferRelativeResize="0"/>
-          <p:nvPr/>
-        </p:nvPicPr>
-        <p:blipFill>
-          <a:blip r:embed="rId5" cstate="email">
-            <a:alphaModFix/>
-            <a:extLst>
-              <a:ext uri="{28A0092B-C50C-407E-A947-70E740481C1C}">
-                <a14:useLocalDpi xmlns:a14="http://schemas.microsoft.com/office/drawing/2010/main"/>
-              </a:ext>
-            </a:extLst>
-          </a:blip>
-          <a:stretch>
-            <a:fillRect/>
-          </a:stretch>
-        </p:blipFill>
-        <p:spPr>
-          <a:xfrm>
-            <a:off x="4946875" y="2182375"/>
-            <a:ext cx="3690351" cy="1803425"/>
           </a:xfrm>
           <a:prstGeom prst="rect">
             <a:avLst/>
@@ -20016,7 +20936,7 @@
                 <a:cs typeface="Calibri"/>
                 <a:sym typeface="Calibri"/>
               </a:rPr>
-              <a:t>Google Updates</a:t>
+              <a:t>AI Updates</a:t>
             </a:r>
             <a:endParaRPr sz="2000" b="1">
               <a:solidFill>
@@ -20033,6 +20953,656 @@
       <p:sp>
         <p:nvSpPr>
           <p:cNvPr id="257" name="Google Shape;257;p30"/>
+          <p:cNvSpPr txBox="1"/>
+          <p:nvPr/>
+        </p:nvSpPr>
+        <p:spPr>
+          <a:xfrm>
+            <a:off x="55075" y="655300"/>
+            <a:ext cx="4465200" cy="1311300"/>
+          </a:xfrm>
+          <a:prstGeom prst="rect">
+            <a:avLst/>
+          </a:prstGeom>
+          <a:solidFill>
+            <a:srgbClr val="FFF2CC"/>
+          </a:solidFill>
+          <a:ln w="9525" cap="flat" cmpd="sng">
+            <a:solidFill>
+              <a:srgbClr val="FF0000"/>
+            </a:solidFill>
+            <a:prstDash val="solid"/>
+            <a:round/>
+            <a:headEnd type="none" w="sm" len="sm"/>
+            <a:tailEnd type="none" w="sm" len="sm"/>
+          </a:ln>
+        </p:spPr>
+        <p:txBody>
+          <a:bodyPr spcFirstLastPara="1" wrap="square" lIns="9125" tIns="9125" rIns="9125" bIns="9125" anchor="t" anchorCtr="0">
+            <a:spAutoFit/>
+          </a:bodyPr>
+          <a:lstStyle/>
+          <a:p>
+            <a:pPr marL="171450" marR="0" lvl="0" indent="-133350" algn="l" rtl="0">
+              <a:lnSpc>
+                <a:spcPct val="100000"/>
+              </a:lnSpc>
+              <a:spcBef>
+                <a:spcPts val="0"/>
+              </a:spcBef>
+              <a:spcAft>
+                <a:spcPts val="0"/>
+              </a:spcAft>
+              <a:buClr>
+                <a:srgbClr val="FF0000"/>
+              </a:buClr>
+              <a:buSzPts val="1200"/>
+              <a:buFont typeface="Calibri"/>
+              <a:buChar char="●"/>
+            </a:pPr>
+            <a:r>
+              <a:rPr lang="en" sz="1200" b="1">
+                <a:solidFill>
+                  <a:srgbClr val="FF0000"/>
+                </a:solidFill>
+                <a:latin typeface="Calibri"/>
+                <a:ea typeface="Calibri"/>
+                <a:cs typeface="Calibri"/>
+                <a:sym typeface="Calibri"/>
+              </a:rPr>
+              <a:t>OpenAI’s "Value Sharing" Strategy</a:t>
+            </a:r>
+            <a:endParaRPr sz="1200" b="1">
+              <a:solidFill>
+                <a:srgbClr val="FF0000"/>
+              </a:solidFill>
+              <a:latin typeface="Calibri"/>
+              <a:ea typeface="Calibri"/>
+              <a:cs typeface="Calibri"/>
+              <a:sym typeface="Calibri"/>
+            </a:endParaRPr>
+          </a:p>
+          <a:p>
+            <a:pPr marL="171450" marR="0" lvl="0" indent="-133350" algn="l" rtl="0">
+              <a:lnSpc>
+                <a:spcPct val="100000"/>
+              </a:lnSpc>
+              <a:spcBef>
+                <a:spcPts val="0"/>
+              </a:spcBef>
+              <a:spcAft>
+                <a:spcPts val="0"/>
+              </a:spcAft>
+              <a:buClr>
+                <a:schemeClr val="dk1"/>
+              </a:buClr>
+              <a:buSzPts val="1200"/>
+              <a:buFont typeface="Calibri"/>
+              <a:buChar char="●"/>
+            </a:pPr>
+            <a:r>
+              <a:rPr lang="en" sz="1200">
+                <a:solidFill>
+                  <a:schemeClr val="dk1"/>
+                </a:solidFill>
+                <a:latin typeface="Calibri"/>
+                <a:ea typeface="Calibri"/>
+                <a:cs typeface="Calibri"/>
+                <a:sym typeface="Calibri"/>
+              </a:rPr>
+              <a:t>Instead of just charging for API tokens or compute, OpenAI may partner with pharmaceutical companies to discover new drugs and take a percentage of the final product's value</a:t>
+            </a:r>
+            <a:endParaRPr sz="1200">
+              <a:solidFill>
+                <a:schemeClr val="dk1"/>
+              </a:solidFill>
+              <a:latin typeface="Calibri"/>
+              <a:ea typeface="Calibri"/>
+              <a:cs typeface="Calibri"/>
+              <a:sym typeface="Calibri"/>
+            </a:endParaRPr>
+          </a:p>
+          <a:p>
+            <a:pPr marL="171450" marR="0" lvl="0" indent="-133350" algn="l" rtl="0">
+              <a:lnSpc>
+                <a:spcPct val="100000"/>
+              </a:lnSpc>
+              <a:spcBef>
+                <a:spcPts val="0"/>
+              </a:spcBef>
+              <a:spcAft>
+                <a:spcPts val="0"/>
+              </a:spcAft>
+              <a:buClr>
+                <a:schemeClr val="dk1"/>
+              </a:buClr>
+              <a:buSzPts val="1200"/>
+              <a:buFont typeface="Calibri"/>
+              <a:buChar char="●"/>
+            </a:pPr>
+            <a:r>
+              <a:rPr lang="en" sz="1200">
+                <a:solidFill>
+                  <a:schemeClr val="dk1"/>
+                </a:solidFill>
+                <a:latin typeface="Calibri"/>
+                <a:ea typeface="Calibri"/>
+                <a:cs typeface="Calibri"/>
+                <a:sym typeface="Calibri"/>
+              </a:rPr>
+              <a:t>For startups, this is essentially a form of venture capital. Instead of raising money to buy compute, companies get the compute directly from OpenAI in exchange for equity or a license to the discovery</a:t>
+            </a:r>
+            <a:endParaRPr sz="1200">
+              <a:solidFill>
+                <a:schemeClr val="dk1"/>
+              </a:solidFill>
+              <a:latin typeface="Calibri"/>
+              <a:ea typeface="Calibri"/>
+              <a:cs typeface="Calibri"/>
+              <a:sym typeface="Calibri"/>
+            </a:endParaRPr>
+          </a:p>
+        </p:txBody>
+      </p:sp>
+      <p:sp>
+        <p:nvSpPr>
+          <p:cNvPr id="258" name="Google Shape;258;p30"/>
+          <p:cNvSpPr txBox="1"/>
+          <p:nvPr/>
+        </p:nvSpPr>
+        <p:spPr>
+          <a:xfrm>
+            <a:off x="55075" y="2489700"/>
+            <a:ext cx="4750200" cy="1496100"/>
+          </a:xfrm>
+          <a:prstGeom prst="rect">
+            <a:avLst/>
+          </a:prstGeom>
+          <a:solidFill>
+            <a:srgbClr val="FFF2CC"/>
+          </a:solidFill>
+          <a:ln w="9525" cap="flat" cmpd="sng">
+            <a:solidFill>
+              <a:srgbClr val="FF0000"/>
+            </a:solidFill>
+            <a:prstDash val="solid"/>
+            <a:round/>
+            <a:headEnd type="none" w="sm" len="sm"/>
+            <a:tailEnd type="none" w="sm" len="sm"/>
+          </a:ln>
+        </p:spPr>
+        <p:txBody>
+          <a:bodyPr spcFirstLastPara="1" wrap="square" lIns="9125" tIns="9125" rIns="9125" bIns="9125" anchor="t" anchorCtr="0">
+            <a:spAutoFit/>
+          </a:bodyPr>
+          <a:lstStyle/>
+          <a:p>
+            <a:pPr marL="171450" marR="0" lvl="0" indent="-133350" algn="l" rtl="0">
+              <a:lnSpc>
+                <a:spcPct val="100000"/>
+              </a:lnSpc>
+              <a:spcBef>
+                <a:spcPts val="0"/>
+              </a:spcBef>
+              <a:spcAft>
+                <a:spcPts val="0"/>
+              </a:spcAft>
+              <a:buClr>
+                <a:srgbClr val="FF0000"/>
+              </a:buClr>
+              <a:buSzPts val="1200"/>
+              <a:buFont typeface="Calibri"/>
+              <a:buChar char="●"/>
+            </a:pPr>
+            <a:r>
+              <a:rPr lang="en" sz="1200" b="1">
+                <a:solidFill>
+                  <a:srgbClr val="FF0000"/>
+                </a:solidFill>
+                <a:latin typeface="Calibri"/>
+                <a:ea typeface="Calibri"/>
+                <a:cs typeface="Calibri"/>
+                <a:sym typeface="Calibri"/>
+              </a:rPr>
+              <a:t>Qwen3-TTS open-source text-to-speech models</a:t>
+            </a:r>
+            <a:endParaRPr sz="1200" b="1">
+              <a:solidFill>
+                <a:srgbClr val="FF0000"/>
+              </a:solidFill>
+              <a:latin typeface="Calibri"/>
+              <a:ea typeface="Calibri"/>
+              <a:cs typeface="Calibri"/>
+              <a:sym typeface="Calibri"/>
+            </a:endParaRPr>
+          </a:p>
+          <a:p>
+            <a:pPr marL="171450" marR="0" lvl="0" indent="-133350" algn="l" rtl="0">
+              <a:lnSpc>
+                <a:spcPct val="100000"/>
+              </a:lnSpc>
+              <a:spcBef>
+                <a:spcPts val="0"/>
+              </a:spcBef>
+              <a:spcAft>
+                <a:spcPts val="0"/>
+              </a:spcAft>
+              <a:buClr>
+                <a:schemeClr val="dk1"/>
+              </a:buClr>
+              <a:buSzPts val="1200"/>
+              <a:buFont typeface="Calibri"/>
+              <a:buChar char="●"/>
+            </a:pPr>
+            <a:r>
+              <a:rPr lang="en" sz="1200">
+                <a:solidFill>
+                  <a:schemeClr val="dk1"/>
+                </a:solidFill>
+                <a:latin typeface="Calibri"/>
+                <a:ea typeface="Calibri"/>
+                <a:cs typeface="Calibri"/>
+                <a:sym typeface="Calibri"/>
+              </a:rPr>
+              <a:t>Sizes: (1.7B &amp; 0.6B params)</a:t>
+            </a:r>
+            <a:endParaRPr sz="1200">
+              <a:solidFill>
+                <a:schemeClr val="dk1"/>
+              </a:solidFill>
+              <a:latin typeface="Calibri"/>
+              <a:ea typeface="Calibri"/>
+              <a:cs typeface="Calibri"/>
+              <a:sym typeface="Calibri"/>
+            </a:endParaRPr>
+          </a:p>
+          <a:p>
+            <a:pPr marL="171450" marR="0" lvl="0" indent="-133350" algn="l" rtl="0">
+              <a:lnSpc>
+                <a:spcPct val="100000"/>
+              </a:lnSpc>
+              <a:spcBef>
+                <a:spcPts val="0"/>
+              </a:spcBef>
+              <a:spcAft>
+                <a:spcPts val="0"/>
+              </a:spcAft>
+              <a:buClr>
+                <a:schemeClr val="dk1"/>
+              </a:buClr>
+              <a:buSzPts val="1200"/>
+              <a:buFont typeface="Calibri"/>
+              <a:buChar char="●"/>
+            </a:pPr>
+            <a:r>
+              <a:rPr lang="en" sz="1200">
+                <a:solidFill>
+                  <a:schemeClr val="dk1"/>
+                </a:solidFill>
+                <a:latin typeface="Calibri"/>
+                <a:ea typeface="Calibri"/>
+                <a:cs typeface="Calibri"/>
+                <a:sym typeface="Calibri"/>
+              </a:rPr>
+              <a:t>Advanced voice cloning, voice design, and speech generation</a:t>
+            </a:r>
+            <a:endParaRPr sz="1200">
+              <a:solidFill>
+                <a:schemeClr val="dk1"/>
+              </a:solidFill>
+              <a:latin typeface="Calibri"/>
+              <a:ea typeface="Calibri"/>
+              <a:cs typeface="Calibri"/>
+              <a:sym typeface="Calibri"/>
+            </a:endParaRPr>
+          </a:p>
+          <a:p>
+            <a:pPr marL="171450" marR="0" lvl="0" indent="-133350" algn="l" rtl="0">
+              <a:lnSpc>
+                <a:spcPct val="100000"/>
+              </a:lnSpc>
+              <a:spcBef>
+                <a:spcPts val="0"/>
+              </a:spcBef>
+              <a:spcAft>
+                <a:spcPts val="0"/>
+              </a:spcAft>
+              <a:buClr>
+                <a:schemeClr val="dk1"/>
+              </a:buClr>
+              <a:buSzPts val="1200"/>
+              <a:buFont typeface="Calibri"/>
+              <a:buChar char="●"/>
+            </a:pPr>
+            <a:r>
+              <a:rPr lang="en" sz="1200">
+                <a:solidFill>
+                  <a:schemeClr val="dk1"/>
+                </a:solidFill>
+                <a:latin typeface="Calibri"/>
+                <a:ea typeface="Calibri"/>
+                <a:cs typeface="Calibri"/>
+                <a:sym typeface="Calibri"/>
+              </a:rPr>
+              <a:t>Clone the voice using just 3 seconds of reference audio</a:t>
+            </a:r>
+            <a:endParaRPr sz="1200">
+              <a:solidFill>
+                <a:schemeClr val="dk1"/>
+              </a:solidFill>
+              <a:latin typeface="Calibri"/>
+              <a:ea typeface="Calibri"/>
+              <a:cs typeface="Calibri"/>
+              <a:sym typeface="Calibri"/>
+            </a:endParaRPr>
+          </a:p>
+          <a:p>
+            <a:pPr marL="171450" marR="0" lvl="0" indent="-133350" algn="l" rtl="0">
+              <a:lnSpc>
+                <a:spcPct val="100000"/>
+              </a:lnSpc>
+              <a:spcBef>
+                <a:spcPts val="0"/>
+              </a:spcBef>
+              <a:spcAft>
+                <a:spcPts val="0"/>
+              </a:spcAft>
+              <a:buClr>
+                <a:schemeClr val="dk1"/>
+              </a:buClr>
+              <a:buSzPts val="1200"/>
+              <a:buFont typeface="Calibri"/>
+              <a:buChar char="●"/>
+            </a:pPr>
+            <a:r>
+              <a:rPr lang="en" sz="1200">
+                <a:solidFill>
+                  <a:schemeClr val="dk1"/>
+                </a:solidFill>
+                <a:latin typeface="Calibri"/>
+                <a:ea typeface="Calibri"/>
+                <a:cs typeface="Calibri"/>
+                <a:sym typeface="Calibri"/>
+              </a:rPr>
+              <a:t>10 major languages (Chinese, English, Japanese, Korean, German, French, Russian, Portuguese, Spanish, and Italian)</a:t>
+            </a:r>
+            <a:endParaRPr sz="1200">
+              <a:solidFill>
+                <a:schemeClr val="dk1"/>
+              </a:solidFill>
+              <a:latin typeface="Calibri"/>
+              <a:ea typeface="Calibri"/>
+              <a:cs typeface="Calibri"/>
+              <a:sym typeface="Calibri"/>
+            </a:endParaRPr>
+          </a:p>
+          <a:p>
+            <a:pPr marL="171450" marR="0" lvl="0" indent="-133350" algn="l" rtl="0">
+              <a:lnSpc>
+                <a:spcPct val="100000"/>
+              </a:lnSpc>
+              <a:spcBef>
+                <a:spcPts val="0"/>
+              </a:spcBef>
+              <a:spcAft>
+                <a:spcPts val="0"/>
+              </a:spcAft>
+              <a:buClr>
+                <a:schemeClr val="dk1"/>
+              </a:buClr>
+              <a:buSzPts val="1200"/>
+              <a:buFont typeface="Calibri"/>
+              <a:buChar char="●"/>
+            </a:pPr>
+            <a:r>
+              <a:rPr lang="en" sz="1200">
+                <a:solidFill>
+                  <a:schemeClr val="dk1"/>
+                </a:solidFill>
+                <a:latin typeface="Calibri"/>
+                <a:ea typeface="Calibri"/>
+                <a:cs typeface="Calibri"/>
+                <a:sym typeface="Calibri"/>
+              </a:rPr>
+              <a:t>Can run on GPUs with 6GB of VRAM</a:t>
+            </a:r>
+            <a:endParaRPr sz="1200">
+              <a:solidFill>
+                <a:schemeClr val="dk1"/>
+              </a:solidFill>
+              <a:latin typeface="Calibri"/>
+              <a:ea typeface="Calibri"/>
+              <a:cs typeface="Calibri"/>
+              <a:sym typeface="Calibri"/>
+            </a:endParaRPr>
+          </a:p>
+          <a:p>
+            <a:pPr marL="171450" marR="0" lvl="0" indent="-133350" algn="l" rtl="0">
+              <a:lnSpc>
+                <a:spcPct val="100000"/>
+              </a:lnSpc>
+              <a:spcBef>
+                <a:spcPts val="0"/>
+              </a:spcBef>
+              <a:spcAft>
+                <a:spcPts val="0"/>
+              </a:spcAft>
+              <a:buClr>
+                <a:schemeClr val="dk1"/>
+              </a:buClr>
+              <a:buSzPts val="1200"/>
+              <a:buFont typeface="Calibri"/>
+              <a:buChar char="●"/>
+            </a:pPr>
+            <a:r>
+              <a:rPr lang="en" sz="1200" u="sng">
+                <a:solidFill>
+                  <a:schemeClr val="hlink"/>
+                </a:solidFill>
+                <a:latin typeface="Calibri"/>
+                <a:ea typeface="Calibri"/>
+                <a:cs typeface="Calibri"/>
+                <a:sym typeface="Calibri"/>
+                <a:hlinkClick r:id="rId3"/>
+              </a:rPr>
+              <a:t>https://huggingface.co/spaces/Qwen/Qwen3-TTS</a:t>
+            </a:r>
+            <a:r>
+              <a:rPr lang="en" sz="1200">
+                <a:solidFill>
+                  <a:schemeClr val="dk1"/>
+                </a:solidFill>
+                <a:latin typeface="Calibri"/>
+                <a:ea typeface="Calibri"/>
+                <a:cs typeface="Calibri"/>
+                <a:sym typeface="Calibri"/>
+              </a:rPr>
+              <a:t> </a:t>
+            </a:r>
+            <a:endParaRPr sz="1200">
+              <a:solidFill>
+                <a:schemeClr val="dk1"/>
+              </a:solidFill>
+              <a:latin typeface="Calibri"/>
+              <a:ea typeface="Calibri"/>
+              <a:cs typeface="Calibri"/>
+              <a:sym typeface="Calibri"/>
+            </a:endParaRPr>
+          </a:p>
+        </p:txBody>
+      </p:sp>
+      <p:pic>
+        <p:nvPicPr>
+          <p:cNvPr id="259" name="Google Shape;259;p30"/>
+          <p:cNvPicPr preferRelativeResize="0"/>
+          <p:nvPr/>
+        </p:nvPicPr>
+        <p:blipFill>
+          <a:blip r:embed="rId4" cstate="email">
+            <a:alphaModFix/>
+            <a:extLst>
+              <a:ext uri="{28A0092B-C50C-407E-A947-70E740481C1C}">
+                <a14:useLocalDpi xmlns:a14="http://schemas.microsoft.com/office/drawing/2010/main"/>
+              </a:ext>
+            </a:extLst>
+          </a:blip>
+          <a:stretch>
+            <a:fillRect/>
+          </a:stretch>
+        </p:blipFill>
+        <p:spPr>
+          <a:xfrm>
+            <a:off x="5158925" y="195625"/>
+            <a:ext cx="3092053" cy="1770975"/>
+          </a:xfrm>
+          <a:prstGeom prst="rect">
+            <a:avLst/>
+          </a:prstGeom>
+          <a:noFill/>
+          <a:ln w="9525" cap="flat" cmpd="sng">
+            <a:solidFill>
+              <a:srgbClr val="FF0000"/>
+            </a:solidFill>
+            <a:prstDash val="solid"/>
+            <a:round/>
+            <a:headEnd type="none" w="sm" len="sm"/>
+            <a:tailEnd type="none" w="sm" len="sm"/>
+          </a:ln>
+        </p:spPr>
+      </p:pic>
+      <p:pic>
+        <p:nvPicPr>
+          <p:cNvPr id="260" name="Google Shape;260;p30"/>
+          <p:cNvPicPr preferRelativeResize="0"/>
+          <p:nvPr/>
+        </p:nvPicPr>
+        <p:blipFill>
+          <a:blip r:embed="rId5" cstate="email">
+            <a:alphaModFix/>
+            <a:extLst>
+              <a:ext uri="{28A0092B-C50C-407E-A947-70E740481C1C}">
+                <a14:useLocalDpi xmlns:a14="http://schemas.microsoft.com/office/drawing/2010/main"/>
+              </a:ext>
+            </a:extLst>
+          </a:blip>
+          <a:stretch>
+            <a:fillRect/>
+          </a:stretch>
+        </p:blipFill>
+        <p:spPr>
+          <a:xfrm>
+            <a:off x="4946875" y="2182375"/>
+            <a:ext cx="3690351" cy="1803425"/>
+          </a:xfrm>
+          <a:prstGeom prst="rect">
+            <a:avLst/>
+          </a:prstGeom>
+          <a:noFill/>
+          <a:ln w="9525" cap="flat" cmpd="sng">
+            <a:solidFill>
+              <a:srgbClr val="FF0000"/>
+            </a:solidFill>
+            <a:prstDash val="solid"/>
+            <a:round/>
+            <a:headEnd type="none" w="sm" len="sm"/>
+            <a:tailEnd type="none" w="sm" len="sm"/>
+          </a:ln>
+        </p:spPr>
+      </p:pic>
+    </p:spTree>
+  </p:cSld>
+  <p:clrMapOvr>
+    <a:masterClrMapping/>
+  </p:clrMapOvr>
+</p:sld>
+</file>
+
+<file path=ppt/slides/slide17.xml><?xml version="1.0" encoding="utf-8"?>
+<p:sld xmlns:a="http://schemas.openxmlformats.org/drawingml/2006/main" xmlns:r="http://schemas.openxmlformats.org/officeDocument/2006/relationships" xmlns:p="http://schemas.openxmlformats.org/presentationml/2006/main">
+  <p:cSld>
+    <p:spTree>
+      <p:nvGrpSpPr>
+        <p:cNvPr id="1" name="Shape 264"/>
+        <p:cNvGrpSpPr/>
+        <p:nvPr/>
+      </p:nvGrpSpPr>
+      <p:grpSpPr>
+        <a:xfrm>
+          <a:off x="0" y="0"/>
+          <a:ext cx="0" cy="0"/>
+          <a:chOff x="0" y="0"/>
+          <a:chExt cx="0" cy="0"/>
+        </a:xfrm>
+      </p:grpSpPr>
+      <p:sp>
+        <p:nvSpPr>
+          <p:cNvPr id="265" name="Google Shape;265;p31"/>
+          <p:cNvSpPr txBox="1"/>
+          <p:nvPr/>
+        </p:nvSpPr>
+        <p:spPr>
+          <a:xfrm>
+            <a:off x="55075" y="43025"/>
+            <a:ext cx="4465200" cy="326400"/>
+          </a:xfrm>
+          <a:prstGeom prst="rect">
+            <a:avLst/>
+          </a:prstGeom>
+          <a:noFill/>
+          <a:ln>
+            <a:noFill/>
+          </a:ln>
+        </p:spPr>
+        <p:txBody>
+          <a:bodyPr spcFirstLastPara="1" wrap="square" lIns="9125" tIns="9125" rIns="9125" bIns="9125" anchor="t" anchorCtr="0">
+            <a:spAutoFit/>
+          </a:bodyPr>
+          <a:lstStyle/>
+          <a:p>
+            <a:pPr marL="0" marR="0" lvl="0" indent="0" algn="l" rtl="0">
+              <a:lnSpc>
+                <a:spcPct val="100000"/>
+              </a:lnSpc>
+              <a:spcBef>
+                <a:spcPts val="0"/>
+              </a:spcBef>
+              <a:spcAft>
+                <a:spcPts val="0"/>
+              </a:spcAft>
+              <a:buClr>
+                <a:schemeClr val="dk1"/>
+              </a:buClr>
+              <a:buSzPts val="1100"/>
+              <a:buFont typeface="Arial"/>
+              <a:buNone/>
+            </a:pPr>
+            <a:r>
+              <a:rPr lang="en" sz="2000" b="1">
+                <a:solidFill>
+                  <a:schemeClr val="dk1"/>
+                </a:solidFill>
+                <a:latin typeface="Calibri"/>
+                <a:ea typeface="Calibri"/>
+                <a:cs typeface="Calibri"/>
+                <a:sym typeface="Calibri"/>
+              </a:rPr>
+              <a:t>Google Updates</a:t>
+            </a:r>
+            <a:endParaRPr sz="2000" b="1">
+              <a:solidFill>
+                <a:schemeClr val="dk1"/>
+              </a:solidFill>
+              <a:latin typeface="Calibri"/>
+              <a:ea typeface="Calibri"/>
+              <a:cs typeface="Calibri"/>
+              <a:sym typeface="Calibri"/>
+            </a:endParaRPr>
+          </a:p>
+        </p:txBody>
+      </p:sp>
+      <p:sp>
+        <p:nvSpPr>
+          <p:cNvPr id="266" name="Google Shape;266;p31"/>
           <p:cNvSpPr txBox="1"/>
           <p:nvPr/>
         </p:nvSpPr>
@@ -20515,7 +22085,7 @@
       </p:sp>
       <p:pic>
         <p:nvPicPr>
-          <p:cNvPr id="258" name="Google Shape;258;p30"/>
+          <p:cNvPr id="267" name="Google Shape;267;p31"/>
           <p:cNvPicPr preferRelativeResize="0"/>
           <p:nvPr/>
         </p:nvPicPr>
@@ -20555,12 +22125,12 @@
 </p:sld>
 </file>
 
-<file path=ppt/slides/slide17.xml><?xml version="1.0" encoding="utf-8"?>
+<file path=ppt/slides/slide18.xml><?xml version="1.0" encoding="utf-8"?>
 <p:sld xmlns:a="http://schemas.openxmlformats.org/drawingml/2006/main" xmlns:r="http://schemas.openxmlformats.org/officeDocument/2006/relationships" xmlns:p="http://schemas.openxmlformats.org/presentationml/2006/main">
   <p:cSld>
     <p:spTree>
       <p:nvGrpSpPr>
-        <p:cNvPr id="1" name="Shape 262"/>
+        <p:cNvPr id="1" name="Shape 271"/>
         <p:cNvGrpSpPr/>
         <p:nvPr/>
       </p:nvGrpSpPr>
@@ -20574,7 +22144,7 @@
       </p:grpSpPr>
       <p:sp>
         <p:nvSpPr>
-          <p:cNvPr id="263" name="Google Shape;263;p31"/>
+          <p:cNvPr id="272" name="Google Shape;272;p32"/>
           <p:cNvSpPr txBox="1"/>
           <p:nvPr/>
         </p:nvSpPr>
@@ -20640,7 +22210,7 @@
       </p:sp>
       <p:sp>
         <p:nvSpPr>
-          <p:cNvPr id="264" name="Google Shape;264;p31"/>
+          <p:cNvPr id="273" name="Google Shape;273;p32"/>
           <p:cNvSpPr txBox="1"/>
           <p:nvPr/>
         </p:nvSpPr>
@@ -20955,7 +22525,7 @@
       </p:sp>
       <p:sp>
         <p:nvSpPr>
-          <p:cNvPr id="265" name="Google Shape;265;p31"/>
+          <p:cNvPr id="274" name="Google Shape;274;p32"/>
           <p:cNvSpPr txBox="1"/>
           <p:nvPr/>
         </p:nvSpPr>
@@ -21009,7 +22579,7 @@
       </p:sp>
       <p:pic>
         <p:nvPicPr>
-          <p:cNvPr id="266" name="Google Shape;266;p31"/>
+          <p:cNvPr id="275" name="Google Shape;275;p32"/>
           <p:cNvPicPr preferRelativeResize="0"/>
           <p:nvPr/>
         </p:nvPicPr>
@@ -21054,12 +22624,12 @@
 </p:sld>
 </file>
 
-<file path=ppt/slides/slide18.xml><?xml version="1.0" encoding="utf-8"?>
+<file path=ppt/slides/slide19.xml><?xml version="1.0" encoding="utf-8"?>
 <p:sld xmlns:a="http://schemas.openxmlformats.org/drawingml/2006/main" xmlns:r="http://schemas.openxmlformats.org/officeDocument/2006/relationships" xmlns:p="http://schemas.openxmlformats.org/presentationml/2006/main">
   <p:cSld>
     <p:spTree>
       <p:nvGrpSpPr>
-        <p:cNvPr id="1" name="Shape 270"/>
+        <p:cNvPr id="1" name="Shape 279"/>
         <p:cNvGrpSpPr/>
         <p:nvPr/>
       </p:nvGrpSpPr>
@@ -21073,7 +22643,7 @@
       </p:grpSpPr>
       <p:sp>
         <p:nvSpPr>
-          <p:cNvPr id="271" name="Google Shape;271;p32"/>
+          <p:cNvPr id="280" name="Google Shape;280;p33"/>
           <p:cNvSpPr txBox="1"/>
           <p:nvPr/>
         </p:nvSpPr>
@@ -21139,7 +22709,7 @@
       </p:sp>
       <p:sp>
         <p:nvSpPr>
-          <p:cNvPr id="272" name="Google Shape;272;p32"/>
+          <p:cNvPr id="281" name="Google Shape;281;p33"/>
           <p:cNvSpPr txBox="1"/>
           <p:nvPr/>
         </p:nvSpPr>
@@ -21583,7 +23153,7 @@
       </p:sp>
       <p:pic>
         <p:nvPicPr>
-          <p:cNvPr id="273" name="Google Shape;273;p32"/>
+          <p:cNvPr id="282" name="Google Shape;282;p33"/>
           <p:cNvPicPr preferRelativeResize="0"/>
           <p:nvPr/>
         </p:nvPicPr>
@@ -21622,7 +23192,7 @@
       </p:pic>
       <p:sp>
         <p:nvSpPr>
-          <p:cNvPr id="274" name="Google Shape;274;p32"/>
+          <p:cNvPr id="283" name="Google Shape;283;p33"/>
           <p:cNvSpPr txBox="1"/>
           <p:nvPr/>
         </p:nvSpPr>
@@ -22061,7 +23631,7 @@
       </p:sp>
       <p:pic>
         <p:nvPicPr>
-          <p:cNvPr id="275" name="Google Shape;275;p32"/>
+          <p:cNvPr id="284" name="Google Shape;284;p33"/>
           <p:cNvPicPr preferRelativeResize="0"/>
           <p:nvPr/>
         </p:nvPicPr>
@@ -22099,7 +23669,7 @@
       </p:pic>
       <p:sp>
         <p:nvSpPr>
-          <p:cNvPr id="276" name="Google Shape;276;p32"/>
+          <p:cNvPr id="285" name="Google Shape;285;p33"/>
           <p:cNvSpPr txBox="1"/>
           <p:nvPr/>
         </p:nvSpPr>
@@ -22166,594 +23736,6 @@
           </a:p>
         </p:txBody>
       </p:sp>
-    </p:spTree>
-  </p:cSld>
-  <p:clrMapOvr>
-    <a:masterClrMapping/>
-  </p:clrMapOvr>
-</p:sld>
-</file>
-
-<file path=ppt/slides/slide19.xml><?xml version="1.0" encoding="utf-8"?>
-<p:sld xmlns:a="http://schemas.openxmlformats.org/drawingml/2006/main" xmlns:r="http://schemas.openxmlformats.org/officeDocument/2006/relationships" xmlns:p="http://schemas.openxmlformats.org/presentationml/2006/main">
-  <p:cSld>
-    <p:spTree>
-      <p:nvGrpSpPr>
-        <p:cNvPr id="1" name="Shape 280"/>
-        <p:cNvGrpSpPr/>
-        <p:nvPr/>
-      </p:nvGrpSpPr>
-      <p:grpSpPr>
-        <a:xfrm>
-          <a:off x="0" y="0"/>
-          <a:ext cx="0" cy="0"/>
-          <a:chOff x="0" y="0"/>
-          <a:chExt cx="0" cy="0"/>
-        </a:xfrm>
-      </p:grpSpPr>
-      <p:sp>
-        <p:nvSpPr>
-          <p:cNvPr id="281" name="Google Shape;281;p33"/>
-          <p:cNvSpPr txBox="1"/>
-          <p:nvPr/>
-        </p:nvSpPr>
-        <p:spPr>
-          <a:xfrm>
-            <a:off x="55075" y="43025"/>
-            <a:ext cx="4465200" cy="326400"/>
-          </a:xfrm>
-          <a:prstGeom prst="rect">
-            <a:avLst/>
-          </a:prstGeom>
-          <a:noFill/>
-          <a:ln>
-            <a:noFill/>
-          </a:ln>
-        </p:spPr>
-        <p:txBody>
-          <a:bodyPr spcFirstLastPara="1" wrap="square" lIns="9125" tIns="9125" rIns="9125" bIns="9125" anchor="t" anchorCtr="0">
-            <a:spAutoFit/>
-          </a:bodyPr>
-          <a:lstStyle/>
-          <a:p>
-            <a:pPr marL="0" marR="0" lvl="0" indent="0" algn="l" rtl="0">
-              <a:lnSpc>
-                <a:spcPct val="100000"/>
-              </a:lnSpc>
-              <a:spcBef>
-                <a:spcPts val="0"/>
-              </a:spcBef>
-              <a:spcAft>
-                <a:spcPts val="0"/>
-              </a:spcAft>
-              <a:buClr>
-                <a:schemeClr val="dk1"/>
-              </a:buClr>
-              <a:buSzPts val="1100"/>
-              <a:buFont typeface="Arial"/>
-              <a:buNone/>
-            </a:pPr>
-            <a:r>
-              <a:rPr lang="en" sz="2000" b="1">
-                <a:solidFill>
-                  <a:schemeClr val="dk1"/>
-                </a:solidFill>
-                <a:latin typeface="Calibri"/>
-                <a:ea typeface="Calibri"/>
-                <a:cs typeface="Calibri"/>
-                <a:sym typeface="Calibri"/>
-              </a:rPr>
-              <a:t>Automated Quality Assurance (QA)</a:t>
-            </a:r>
-            <a:endParaRPr sz="2000" b="1">
-              <a:solidFill>
-                <a:schemeClr val="dk1"/>
-              </a:solidFill>
-              <a:latin typeface="Calibri"/>
-              <a:ea typeface="Calibri"/>
-              <a:cs typeface="Calibri"/>
-              <a:sym typeface="Calibri"/>
-            </a:endParaRPr>
-          </a:p>
-        </p:txBody>
-      </p:sp>
-      <p:sp>
-        <p:nvSpPr>
-          <p:cNvPr id="282" name="Google Shape;282;p33"/>
-          <p:cNvSpPr txBox="1"/>
-          <p:nvPr/>
-        </p:nvSpPr>
-        <p:spPr>
-          <a:xfrm>
-            <a:off x="55075" y="471550"/>
-            <a:ext cx="4465200" cy="4082100"/>
-          </a:xfrm>
-          <a:prstGeom prst="rect">
-            <a:avLst/>
-          </a:prstGeom>
-          <a:solidFill>
-            <a:srgbClr val="FFF2CC"/>
-          </a:solidFill>
-          <a:ln w="9525" cap="flat" cmpd="sng">
-            <a:solidFill>
-              <a:srgbClr val="FF0000"/>
-            </a:solidFill>
-            <a:prstDash val="solid"/>
-            <a:round/>
-            <a:headEnd type="none" w="sm" len="sm"/>
-            <a:tailEnd type="none" w="sm" len="sm"/>
-          </a:ln>
-        </p:spPr>
-        <p:txBody>
-          <a:bodyPr spcFirstLastPara="1" wrap="square" lIns="9125" tIns="9125" rIns="9125" bIns="9125" anchor="t" anchorCtr="0">
-            <a:spAutoFit/>
-          </a:bodyPr>
-          <a:lstStyle/>
-          <a:p>
-            <a:pPr marL="171450" marR="0" lvl="0" indent="-133350" algn="l" rtl="0">
-              <a:lnSpc>
-                <a:spcPct val="100000"/>
-              </a:lnSpc>
-              <a:spcBef>
-                <a:spcPts val="0"/>
-              </a:spcBef>
-              <a:spcAft>
-                <a:spcPts val="0"/>
-              </a:spcAft>
-              <a:buClr>
-                <a:schemeClr val="dk1"/>
-              </a:buClr>
-              <a:buSzPts val="1200"/>
-              <a:buFont typeface="Calibri"/>
-              <a:buChar char="●"/>
-            </a:pPr>
-            <a:r>
-              <a:rPr lang="en" sz="1200">
-                <a:solidFill>
-                  <a:schemeClr val="dk1"/>
-                </a:solidFill>
-                <a:latin typeface="Calibri"/>
-                <a:ea typeface="Calibri"/>
-                <a:cs typeface="Calibri"/>
-                <a:sym typeface="Calibri"/>
-              </a:rPr>
-              <a:t>The challenge has shifted from writing code to trusting the code.</a:t>
-            </a:r>
-            <a:endParaRPr sz="1200">
-              <a:solidFill>
-                <a:schemeClr val="dk1"/>
-              </a:solidFill>
-              <a:latin typeface="Calibri"/>
-              <a:ea typeface="Calibri"/>
-              <a:cs typeface="Calibri"/>
-              <a:sym typeface="Calibri"/>
-            </a:endParaRPr>
-          </a:p>
-          <a:p>
-            <a:pPr marL="171450" marR="0" lvl="0" indent="-133350" algn="l" rtl="0">
-              <a:lnSpc>
-                <a:spcPct val="100000"/>
-              </a:lnSpc>
-              <a:spcBef>
-                <a:spcPts val="0"/>
-              </a:spcBef>
-              <a:spcAft>
-                <a:spcPts val="0"/>
-              </a:spcAft>
-              <a:buClr>
-                <a:schemeClr val="dk1"/>
-              </a:buClr>
-              <a:buSzPts val="1200"/>
-              <a:buFont typeface="Calibri"/>
-              <a:buChar char="●"/>
-            </a:pPr>
-            <a:r>
-              <a:rPr lang="en" sz="1200">
-                <a:solidFill>
-                  <a:schemeClr val="dk1"/>
-                </a:solidFill>
-                <a:latin typeface="Calibri"/>
-                <a:ea typeface="Calibri"/>
-                <a:cs typeface="Calibri"/>
-                <a:sym typeface="Calibri"/>
-              </a:rPr>
-              <a:t>The Trust Gap - development velocity has exploded, but validation processes are still stuck in slow, manual cycles </a:t>
-            </a:r>
-            <a:endParaRPr sz="1200">
-              <a:solidFill>
-                <a:schemeClr val="dk1"/>
-              </a:solidFill>
-              <a:latin typeface="Calibri"/>
-              <a:ea typeface="Calibri"/>
-              <a:cs typeface="Calibri"/>
-              <a:sym typeface="Calibri"/>
-            </a:endParaRPr>
-          </a:p>
-          <a:p>
-            <a:pPr marL="171450" marR="0" lvl="0" indent="-133350" algn="l" rtl="0">
-              <a:lnSpc>
-                <a:spcPct val="100000"/>
-              </a:lnSpc>
-              <a:spcBef>
-                <a:spcPts val="0"/>
-              </a:spcBef>
-              <a:spcAft>
-                <a:spcPts val="0"/>
-              </a:spcAft>
-              <a:buClr>
-                <a:schemeClr val="dk1"/>
-              </a:buClr>
-              <a:buSzPts val="1200"/>
-              <a:buFont typeface="Calibri"/>
-              <a:buChar char="●"/>
-            </a:pPr>
-            <a:r>
-              <a:rPr lang="en" sz="1200">
-                <a:solidFill>
-                  <a:schemeClr val="dk1"/>
-                </a:solidFill>
-                <a:latin typeface="Calibri"/>
-                <a:ea typeface="Calibri"/>
-                <a:cs typeface="Calibri"/>
-                <a:sym typeface="Calibri"/>
-              </a:rPr>
-              <a:t>Competitive advantage shifts to reliability. How to ship software instantly while maintaining total trust in the product's stability - </a:t>
-            </a:r>
-            <a:r>
-              <a:rPr lang="en" sz="1200" u="sng">
-                <a:solidFill>
-                  <a:schemeClr val="hlink"/>
-                </a:solidFill>
-                <a:latin typeface="Calibri"/>
-                <a:ea typeface="Calibri"/>
-                <a:cs typeface="Calibri"/>
-                <a:sym typeface="Calibri"/>
-                <a:hlinkClick r:id="rId3"/>
-              </a:rPr>
-              <a:t>http://www.youtube.com/watch?v=MEtDwwi7bEU</a:t>
-            </a:r>
-            <a:r>
-              <a:rPr lang="en" sz="1200">
-                <a:solidFill>
-                  <a:schemeClr val="dk1"/>
-                </a:solidFill>
-                <a:latin typeface="Calibri"/>
-                <a:ea typeface="Calibri"/>
-                <a:cs typeface="Calibri"/>
-                <a:sym typeface="Calibri"/>
-              </a:rPr>
-              <a:t> </a:t>
-            </a:r>
-            <a:endParaRPr sz="1200">
-              <a:solidFill>
-                <a:schemeClr val="dk1"/>
-              </a:solidFill>
-              <a:latin typeface="Calibri"/>
-              <a:ea typeface="Calibri"/>
-              <a:cs typeface="Calibri"/>
-              <a:sym typeface="Calibri"/>
-            </a:endParaRPr>
-          </a:p>
-          <a:p>
-            <a:pPr marL="171450" marR="0" lvl="0" indent="-133350" algn="l" rtl="0">
-              <a:lnSpc>
-                <a:spcPct val="100000"/>
-              </a:lnSpc>
-              <a:spcBef>
-                <a:spcPts val="0"/>
-              </a:spcBef>
-              <a:spcAft>
-                <a:spcPts val="0"/>
-              </a:spcAft>
-              <a:buClr>
-                <a:schemeClr val="dk1"/>
-              </a:buClr>
-              <a:buSzPts val="1200"/>
-              <a:buFont typeface="Calibri"/>
-              <a:buChar char="●"/>
-            </a:pPr>
-            <a:r>
-              <a:rPr lang="en" sz="1200">
-                <a:solidFill>
-                  <a:schemeClr val="dk1"/>
-                </a:solidFill>
-                <a:latin typeface="Calibri"/>
-                <a:ea typeface="Calibri"/>
-                <a:cs typeface="Calibri"/>
-                <a:sym typeface="Calibri"/>
-              </a:rPr>
-              <a:t>Abacus AI’s "Deep Agent" - a "mindset-driven" automated QA designed to "think" like a QA engineer, proactively pressure-testing products to find breakpoints</a:t>
-            </a:r>
-            <a:endParaRPr sz="1200">
-              <a:solidFill>
-                <a:schemeClr val="dk1"/>
-              </a:solidFill>
-              <a:latin typeface="Calibri"/>
-              <a:ea typeface="Calibri"/>
-              <a:cs typeface="Calibri"/>
-              <a:sym typeface="Calibri"/>
-            </a:endParaRPr>
-          </a:p>
-          <a:p>
-            <a:pPr marL="171450" marR="0" lvl="0" indent="-133350" algn="l" rtl="0">
-              <a:lnSpc>
-                <a:spcPct val="100000"/>
-              </a:lnSpc>
-              <a:spcBef>
-                <a:spcPts val="0"/>
-              </a:spcBef>
-              <a:spcAft>
-                <a:spcPts val="0"/>
-              </a:spcAft>
-              <a:buClr>
-                <a:schemeClr val="dk1"/>
-              </a:buClr>
-              <a:buSzPts val="1200"/>
-              <a:buFont typeface="Calibri"/>
-              <a:buChar char="●"/>
-            </a:pPr>
-            <a:r>
-              <a:rPr lang="en" sz="1200">
-                <a:solidFill>
-                  <a:schemeClr val="dk1"/>
-                </a:solidFill>
-                <a:latin typeface="Calibri"/>
-                <a:ea typeface="Calibri"/>
-                <a:cs typeface="Calibri"/>
-                <a:sym typeface="Calibri"/>
-              </a:rPr>
-              <a:t>Autonomous Workflow - building apps, debugging, monitoring, and scaling</a:t>
-            </a:r>
-            <a:endParaRPr sz="1200">
-              <a:solidFill>
-                <a:schemeClr val="dk1"/>
-              </a:solidFill>
-              <a:latin typeface="Calibri"/>
-              <a:ea typeface="Calibri"/>
-              <a:cs typeface="Calibri"/>
-              <a:sym typeface="Calibri"/>
-            </a:endParaRPr>
-          </a:p>
-          <a:p>
-            <a:pPr marL="171450" marR="0" lvl="0" indent="-133350" algn="l" rtl="0">
-              <a:lnSpc>
-                <a:spcPct val="100000"/>
-              </a:lnSpc>
-              <a:spcBef>
-                <a:spcPts val="0"/>
-              </a:spcBef>
-              <a:spcAft>
-                <a:spcPts val="0"/>
-              </a:spcAft>
-              <a:buClr>
-                <a:schemeClr val="dk1"/>
-              </a:buClr>
-              <a:buSzPts val="1200"/>
-              <a:buFont typeface="Calibri"/>
-              <a:buChar char="●"/>
-            </a:pPr>
-            <a:r>
-              <a:rPr lang="en" sz="1200">
-                <a:solidFill>
-                  <a:schemeClr val="dk1"/>
-                </a:solidFill>
-                <a:latin typeface="Calibri"/>
-                <a:ea typeface="Calibri"/>
-                <a:cs typeface="Calibri"/>
-                <a:sym typeface="Calibri"/>
-              </a:rPr>
-              <a:t>Safety Nets - weekly automated testing for "vibe-coded" apps; automatic infrastructure scaling - based on real-time traffic</a:t>
-            </a:r>
-            <a:endParaRPr sz="1200">
-              <a:solidFill>
-                <a:schemeClr val="dk1"/>
-              </a:solidFill>
-              <a:latin typeface="Calibri"/>
-              <a:ea typeface="Calibri"/>
-              <a:cs typeface="Calibri"/>
-              <a:sym typeface="Calibri"/>
-            </a:endParaRPr>
-          </a:p>
-          <a:p>
-            <a:pPr marL="171450" marR="0" lvl="0" indent="-133350" algn="l" rtl="0">
-              <a:lnSpc>
-                <a:spcPct val="100000"/>
-              </a:lnSpc>
-              <a:spcBef>
-                <a:spcPts val="0"/>
-              </a:spcBef>
-              <a:spcAft>
-                <a:spcPts val="0"/>
-              </a:spcAft>
-              <a:buClr>
-                <a:schemeClr val="dk1"/>
-              </a:buClr>
-              <a:buSzPts val="1200"/>
-              <a:buFont typeface="Calibri"/>
-              <a:buChar char="●"/>
-            </a:pPr>
-            <a:r>
-              <a:rPr lang="en" sz="1200">
-                <a:solidFill>
-                  <a:schemeClr val="dk1"/>
-                </a:solidFill>
-                <a:latin typeface="Calibri"/>
-                <a:ea typeface="Calibri"/>
-                <a:cs typeface="Calibri"/>
-                <a:sym typeface="Calibri"/>
-              </a:rPr>
-              <a:t>Effective QA requires switching between different user personas. Deep Agent can simulate various perspectives - such as confused users, or those in different global regions</a:t>
-            </a:r>
-            <a:endParaRPr sz="1200">
-              <a:solidFill>
-                <a:schemeClr val="dk1"/>
-              </a:solidFill>
-              <a:latin typeface="Calibri"/>
-              <a:ea typeface="Calibri"/>
-              <a:cs typeface="Calibri"/>
-              <a:sym typeface="Calibri"/>
-            </a:endParaRPr>
-          </a:p>
-          <a:p>
-            <a:pPr marL="171450" marR="0" lvl="0" indent="-133350" algn="l" rtl="0">
-              <a:lnSpc>
-                <a:spcPct val="100000"/>
-              </a:lnSpc>
-              <a:spcBef>
-                <a:spcPts val="0"/>
-              </a:spcBef>
-              <a:spcAft>
-                <a:spcPts val="0"/>
-              </a:spcAft>
-              <a:buClr>
-                <a:schemeClr val="dk1"/>
-              </a:buClr>
-              <a:buSzPts val="1200"/>
-              <a:buFont typeface="Calibri"/>
-              <a:buChar char="●"/>
-            </a:pPr>
-            <a:r>
-              <a:rPr lang="en" sz="1200">
-                <a:solidFill>
-                  <a:schemeClr val="dk1"/>
-                </a:solidFill>
-                <a:latin typeface="Calibri"/>
-                <a:ea typeface="Calibri"/>
-                <a:cs typeface="Calibri"/>
-                <a:sym typeface="Calibri"/>
-              </a:rPr>
-              <a:t>Deep Agent checks also for "simple" errors like broken links and UI glitches that cause "quiet" revenue loss (landing pages, order forms)</a:t>
-            </a:r>
-            <a:endParaRPr sz="1200">
-              <a:solidFill>
-                <a:schemeClr val="dk1"/>
-              </a:solidFill>
-              <a:latin typeface="Calibri"/>
-              <a:ea typeface="Calibri"/>
-              <a:cs typeface="Calibri"/>
-              <a:sym typeface="Calibri"/>
-            </a:endParaRPr>
-          </a:p>
-          <a:p>
-            <a:pPr marL="171450" marR="0" lvl="0" indent="-133350" algn="l" rtl="0">
-              <a:lnSpc>
-                <a:spcPct val="100000"/>
-              </a:lnSpc>
-              <a:spcBef>
-                <a:spcPts val="0"/>
-              </a:spcBef>
-              <a:spcAft>
-                <a:spcPts val="0"/>
-              </a:spcAft>
-              <a:buClr>
-                <a:schemeClr val="dk1"/>
-              </a:buClr>
-              <a:buSzPts val="1200"/>
-              <a:buFont typeface="Calibri"/>
-              <a:buChar char="●"/>
-            </a:pPr>
-            <a:r>
-              <a:rPr lang="en" sz="1200">
-                <a:solidFill>
-                  <a:schemeClr val="dk1"/>
-                </a:solidFill>
-                <a:latin typeface="Calibri"/>
-                <a:ea typeface="Calibri"/>
-                <a:cs typeface="Calibri"/>
-                <a:sym typeface="Calibri"/>
-              </a:rPr>
-              <a:t>It catches regional UI issues and language variations that might be invisible to the local development team but disruptive</a:t>
-            </a:r>
-            <a:endParaRPr sz="1200">
-              <a:solidFill>
-                <a:schemeClr val="dk1"/>
-              </a:solidFill>
-              <a:latin typeface="Calibri"/>
-              <a:ea typeface="Calibri"/>
-              <a:cs typeface="Calibri"/>
-              <a:sym typeface="Calibri"/>
-            </a:endParaRPr>
-          </a:p>
-          <a:p>
-            <a:pPr marL="171450" marR="0" lvl="0" indent="-133350" algn="l" rtl="0">
-              <a:lnSpc>
-                <a:spcPct val="100000"/>
-              </a:lnSpc>
-              <a:spcBef>
-                <a:spcPts val="0"/>
-              </a:spcBef>
-              <a:spcAft>
-                <a:spcPts val="0"/>
-              </a:spcAft>
-              <a:buClr>
-                <a:schemeClr val="dk1"/>
-              </a:buClr>
-              <a:buSzPts val="1200"/>
-              <a:buFont typeface="Calibri"/>
-              <a:buChar char="●"/>
-            </a:pPr>
-            <a:r>
-              <a:rPr lang="en" sz="1200">
-                <a:solidFill>
-                  <a:schemeClr val="dk1"/>
-                </a:solidFill>
-                <a:latin typeface="Calibri"/>
-                <a:ea typeface="Calibri"/>
-                <a:cs typeface="Calibri"/>
-                <a:sym typeface="Calibri"/>
-              </a:rPr>
-              <a:t>2026 - year of hybrid teams. AI agents handle execution and humans focus on strategy and judgment</a:t>
-            </a:r>
-            <a:endParaRPr sz="1200">
-              <a:solidFill>
-                <a:schemeClr val="dk1"/>
-              </a:solidFill>
-              <a:latin typeface="Calibri"/>
-              <a:ea typeface="Calibri"/>
-              <a:cs typeface="Calibri"/>
-              <a:sym typeface="Calibri"/>
-            </a:endParaRPr>
-          </a:p>
-        </p:txBody>
-      </p:sp>
-      <p:pic>
-        <p:nvPicPr>
-          <p:cNvPr id="283" name="Google Shape;283;p33"/>
-          <p:cNvPicPr preferRelativeResize="0"/>
-          <p:nvPr/>
-        </p:nvPicPr>
-        <p:blipFill rotWithShape="1">
-          <a:blip r:embed="rId4" cstate="email">
-            <a:alphaModFix/>
-            <a:extLst>
-              <a:ext uri="{28A0092B-C50C-407E-A947-70E740481C1C}">
-                <a14:useLocalDpi xmlns:a14="http://schemas.microsoft.com/office/drawing/2010/main"/>
-              </a:ext>
-            </a:extLst>
-          </a:blip>
-          <a:srcRect/>
-          <a:stretch/>
-        </p:blipFill>
-        <p:spPr>
-          <a:xfrm>
-            <a:off x="4760450" y="471550"/>
-            <a:ext cx="2764150" cy="1270375"/>
-          </a:xfrm>
-          <a:prstGeom prst="rect">
-            <a:avLst/>
-          </a:prstGeom>
-          <a:noFill/>
-          <a:ln w="9525" cap="flat" cmpd="sng">
-            <a:solidFill>
-              <a:srgbClr val="FF0000"/>
-            </a:solidFill>
-            <a:prstDash val="solid"/>
-            <a:round/>
-            <a:headEnd type="none" w="sm" len="sm"/>
-            <a:tailEnd type="none" w="sm" len="sm"/>
-          </a:ln>
-        </p:spPr>
-      </p:pic>
     </p:spTree>
   </p:cSld>
   <p:clrMapOvr>
@@ -28287,31 +29269,31 @@
           <p:nvPr>
             <p:extLst>
               <p:ext uri="{D42A27DB-BD31-4B8C-83A1-F6EECF244321}">
-                <p14:modId xmlns:p14="http://schemas.microsoft.com/office/powerpoint/2010/main" val="1883972602"/>
+                <p14:modId xmlns:p14="http://schemas.microsoft.com/office/powerpoint/2010/main" val="890476244"/>
               </p:ext>
             </p:extLst>
           </p:nvPr>
         </p:nvGraphicFramePr>
         <p:xfrm>
-          <a:off x="525780" y="558674"/>
-          <a:ext cx="2404578" cy="4496675"/>
+          <a:off x="525779" y="558674"/>
+          <a:ext cx="2326467" cy="4496675"/>
         </p:xfrm>
         <a:graphic>
           <a:graphicData uri="http://schemas.openxmlformats.org/drawingml/2006/table">
             <a:tbl>
               <a:tblPr>
                 <a:noFill/>
-                <a:tableStyleId>{3A738468-D0A4-4B11-BD84-A7D1E64FB921}</a:tableStyleId>
+                <a:tableStyleId>{8DA30E15-AD03-423A-8092-3DA893BB64BA}</a:tableStyleId>
               </a:tblPr>
               <a:tblGrid>
-                <a:gridCol w="2065751">
+                <a:gridCol w="1998647">
                   <a:extLst>
                     <a:ext uri="{9D8B030D-6E8A-4147-A177-3AD203B41FA5}">
                       <a16:colId xmlns:a16="http://schemas.microsoft.com/office/drawing/2014/main" val="20000"/>
                     </a:ext>
                   </a:extLst>
                 </a:gridCol>
-                <a:gridCol w="338827">
+                <a:gridCol w="327820">
                   <a:extLst>
                     <a:ext uri="{9D8B030D-6E8A-4147-A177-3AD203B41FA5}">
                       <a16:colId xmlns:a16="http://schemas.microsoft.com/office/drawing/2014/main" val="20001"/>
@@ -32761,31 +33743,31 @@
           <p:nvPr>
             <p:extLst>
               <p:ext uri="{D42A27DB-BD31-4B8C-83A1-F6EECF244321}">
-                <p14:modId xmlns:p14="http://schemas.microsoft.com/office/powerpoint/2010/main" val="2633424032"/>
+                <p14:modId xmlns:p14="http://schemas.microsoft.com/office/powerpoint/2010/main" val="327184362"/>
               </p:ext>
             </p:extLst>
           </p:nvPr>
         </p:nvGraphicFramePr>
         <p:xfrm>
-          <a:off x="3477229" y="558863"/>
-          <a:ext cx="2404578" cy="4496675"/>
+          <a:off x="3477228" y="558863"/>
+          <a:ext cx="2326467" cy="4496675"/>
         </p:xfrm>
         <a:graphic>
           <a:graphicData uri="http://schemas.openxmlformats.org/drawingml/2006/table">
             <a:tbl>
               <a:tblPr>
                 <a:noFill/>
-                <a:tableStyleId>{3A738468-D0A4-4B11-BD84-A7D1E64FB921}</a:tableStyleId>
+                <a:tableStyleId>{8DA30E15-AD03-423A-8092-3DA893BB64BA}</a:tableStyleId>
               </a:tblPr>
               <a:tblGrid>
-                <a:gridCol w="2065751">
+                <a:gridCol w="1998647">
                   <a:extLst>
                     <a:ext uri="{9D8B030D-6E8A-4147-A177-3AD203B41FA5}">
                       <a16:colId xmlns:a16="http://schemas.microsoft.com/office/drawing/2014/main" val="20000"/>
                     </a:ext>
                   </a:extLst>
                 </a:gridCol>
-                <a:gridCol w="338827">
+                <a:gridCol w="327820">
                   <a:extLst>
                     <a:ext uri="{9D8B030D-6E8A-4147-A177-3AD203B41FA5}">
                       <a16:colId xmlns:a16="http://schemas.microsoft.com/office/drawing/2014/main" val="20001"/>
@@ -37583,7 +38565,7 @@
   <p:cSld>
     <p:spTree>
       <p:nvGrpSpPr>
-        <p:cNvPr id="1" name="Shape 287"/>
+        <p:cNvPr id="1" name="Shape 289"/>
         <p:cNvGrpSpPr/>
         <p:nvPr/>
       </p:nvGrpSpPr>
@@ -37597,7 +38579,631 @@
       </p:grpSpPr>
       <p:sp>
         <p:nvSpPr>
-          <p:cNvPr id="288" name="Google Shape;288;p34"/>
+          <p:cNvPr id="290" name="Google Shape;290;p34"/>
+          <p:cNvSpPr txBox="1"/>
+          <p:nvPr/>
+        </p:nvSpPr>
+        <p:spPr>
+          <a:xfrm>
+            <a:off x="55075" y="43025"/>
+            <a:ext cx="4465200" cy="326400"/>
+          </a:xfrm>
+          <a:prstGeom prst="rect">
+            <a:avLst/>
+          </a:prstGeom>
+          <a:noFill/>
+          <a:ln>
+            <a:noFill/>
+          </a:ln>
+        </p:spPr>
+        <p:txBody>
+          <a:bodyPr spcFirstLastPara="1" wrap="square" lIns="9125" tIns="9125" rIns="9125" bIns="9125" anchor="t" anchorCtr="0">
+            <a:spAutoFit/>
+          </a:bodyPr>
+          <a:lstStyle/>
+          <a:p>
+            <a:pPr marL="0" marR="0" lvl="0" indent="0" algn="l" rtl="0">
+              <a:lnSpc>
+                <a:spcPct val="100000"/>
+              </a:lnSpc>
+              <a:spcBef>
+                <a:spcPts val="0"/>
+              </a:spcBef>
+              <a:spcAft>
+                <a:spcPts val="0"/>
+              </a:spcAft>
+              <a:buClr>
+                <a:schemeClr val="dk1"/>
+              </a:buClr>
+              <a:buSzPts val="1100"/>
+              <a:buFont typeface="Arial"/>
+              <a:buNone/>
+            </a:pPr>
+            <a:r>
+              <a:rPr lang="en" sz="2000" b="1">
+                <a:solidFill>
+                  <a:schemeClr val="dk1"/>
+                </a:solidFill>
+                <a:latin typeface="Calibri"/>
+                <a:ea typeface="Calibri"/>
+                <a:cs typeface="Calibri"/>
+                <a:sym typeface="Calibri"/>
+              </a:rPr>
+              <a:t>Automated Quality Assurance (QA)</a:t>
+            </a:r>
+            <a:endParaRPr sz="2000" b="1">
+              <a:solidFill>
+                <a:schemeClr val="dk1"/>
+              </a:solidFill>
+              <a:latin typeface="Calibri"/>
+              <a:ea typeface="Calibri"/>
+              <a:cs typeface="Calibri"/>
+              <a:sym typeface="Calibri"/>
+            </a:endParaRPr>
+          </a:p>
+        </p:txBody>
+      </p:sp>
+      <p:sp>
+        <p:nvSpPr>
+          <p:cNvPr id="291" name="Google Shape;291;p34"/>
+          <p:cNvSpPr txBox="1"/>
+          <p:nvPr/>
+        </p:nvSpPr>
+        <p:spPr>
+          <a:xfrm>
+            <a:off x="55075" y="471550"/>
+            <a:ext cx="4465200" cy="4082100"/>
+          </a:xfrm>
+          <a:prstGeom prst="rect">
+            <a:avLst/>
+          </a:prstGeom>
+          <a:solidFill>
+            <a:srgbClr val="FFF2CC"/>
+          </a:solidFill>
+          <a:ln w="9525" cap="flat" cmpd="sng">
+            <a:solidFill>
+              <a:srgbClr val="FF0000"/>
+            </a:solidFill>
+            <a:prstDash val="solid"/>
+            <a:round/>
+            <a:headEnd type="none" w="sm" len="sm"/>
+            <a:tailEnd type="none" w="sm" len="sm"/>
+          </a:ln>
+        </p:spPr>
+        <p:txBody>
+          <a:bodyPr spcFirstLastPara="1" wrap="square" lIns="9125" tIns="9125" rIns="9125" bIns="9125" anchor="t" anchorCtr="0">
+            <a:spAutoFit/>
+          </a:bodyPr>
+          <a:lstStyle/>
+          <a:p>
+            <a:pPr marL="171450" marR="0" lvl="0" indent="-133350" algn="l" rtl="0">
+              <a:lnSpc>
+                <a:spcPct val="100000"/>
+              </a:lnSpc>
+              <a:spcBef>
+                <a:spcPts val="0"/>
+              </a:spcBef>
+              <a:spcAft>
+                <a:spcPts val="0"/>
+              </a:spcAft>
+              <a:buClr>
+                <a:srgbClr val="FF0000"/>
+              </a:buClr>
+              <a:buSzPts val="1200"/>
+              <a:buFont typeface="Calibri"/>
+              <a:buChar char="●"/>
+            </a:pPr>
+            <a:r>
+              <a:rPr lang="en" sz="1200" b="1">
+                <a:solidFill>
+                  <a:srgbClr val="FF0000"/>
+                </a:solidFill>
+                <a:latin typeface="Calibri"/>
+                <a:ea typeface="Calibri"/>
+                <a:cs typeface="Calibri"/>
+                <a:sym typeface="Calibri"/>
+              </a:rPr>
+              <a:t>The challenge has shifted from writing code to trusting the code.</a:t>
+            </a:r>
+            <a:endParaRPr sz="1200" b="1">
+              <a:solidFill>
+                <a:srgbClr val="FF0000"/>
+              </a:solidFill>
+              <a:latin typeface="Calibri"/>
+              <a:ea typeface="Calibri"/>
+              <a:cs typeface="Calibri"/>
+              <a:sym typeface="Calibri"/>
+            </a:endParaRPr>
+          </a:p>
+          <a:p>
+            <a:pPr marL="171450" marR="0" lvl="0" indent="-133350" algn="l" rtl="0">
+              <a:lnSpc>
+                <a:spcPct val="100000"/>
+              </a:lnSpc>
+              <a:spcBef>
+                <a:spcPts val="0"/>
+              </a:spcBef>
+              <a:spcAft>
+                <a:spcPts val="0"/>
+              </a:spcAft>
+              <a:buClr>
+                <a:schemeClr val="dk1"/>
+              </a:buClr>
+              <a:buSzPts val="1200"/>
+              <a:buFont typeface="Calibri"/>
+              <a:buChar char="●"/>
+            </a:pPr>
+            <a:r>
+              <a:rPr lang="en" sz="1200">
+                <a:solidFill>
+                  <a:schemeClr val="dk1"/>
+                </a:solidFill>
+                <a:latin typeface="Calibri"/>
+                <a:ea typeface="Calibri"/>
+                <a:cs typeface="Calibri"/>
+                <a:sym typeface="Calibri"/>
+              </a:rPr>
+              <a:t>The Trust Gap - </a:t>
+            </a:r>
+            <a:r>
+              <a:rPr lang="en" sz="1200" b="1">
+                <a:solidFill>
+                  <a:srgbClr val="3C78D8"/>
+                </a:solidFill>
+                <a:latin typeface="Calibri"/>
+                <a:ea typeface="Calibri"/>
+                <a:cs typeface="Calibri"/>
+                <a:sym typeface="Calibri"/>
+              </a:rPr>
+              <a:t>development velocity has exploded, but validation processes are still stuck in slow, manual cycles</a:t>
+            </a:r>
+            <a:r>
+              <a:rPr lang="en" sz="1200">
+                <a:solidFill>
+                  <a:schemeClr val="dk1"/>
+                </a:solidFill>
+                <a:latin typeface="Calibri"/>
+                <a:ea typeface="Calibri"/>
+                <a:cs typeface="Calibri"/>
+                <a:sym typeface="Calibri"/>
+              </a:rPr>
+              <a:t> </a:t>
+            </a:r>
+            <a:endParaRPr sz="1200">
+              <a:solidFill>
+                <a:schemeClr val="dk1"/>
+              </a:solidFill>
+              <a:latin typeface="Calibri"/>
+              <a:ea typeface="Calibri"/>
+              <a:cs typeface="Calibri"/>
+              <a:sym typeface="Calibri"/>
+            </a:endParaRPr>
+          </a:p>
+          <a:p>
+            <a:pPr marL="171450" marR="0" lvl="0" indent="-133350" algn="l" rtl="0">
+              <a:lnSpc>
+                <a:spcPct val="100000"/>
+              </a:lnSpc>
+              <a:spcBef>
+                <a:spcPts val="0"/>
+              </a:spcBef>
+              <a:spcAft>
+                <a:spcPts val="0"/>
+              </a:spcAft>
+              <a:buClr>
+                <a:schemeClr val="dk1"/>
+              </a:buClr>
+              <a:buSzPts val="1200"/>
+              <a:buFont typeface="Calibri"/>
+              <a:buChar char="●"/>
+            </a:pPr>
+            <a:r>
+              <a:rPr lang="en" sz="1200">
+                <a:solidFill>
+                  <a:schemeClr val="dk1"/>
+                </a:solidFill>
+                <a:latin typeface="Calibri"/>
+                <a:ea typeface="Calibri"/>
+                <a:cs typeface="Calibri"/>
+                <a:sym typeface="Calibri"/>
+              </a:rPr>
+              <a:t>Competitive advantage shifts to reliability. How to ship software instantly while maintaining total trust in the product's stability - </a:t>
+            </a:r>
+            <a:r>
+              <a:rPr lang="en" sz="1200" u="sng">
+                <a:solidFill>
+                  <a:schemeClr val="hlink"/>
+                </a:solidFill>
+                <a:latin typeface="Calibri"/>
+                <a:ea typeface="Calibri"/>
+                <a:cs typeface="Calibri"/>
+                <a:sym typeface="Calibri"/>
+                <a:hlinkClick r:id="rId3"/>
+              </a:rPr>
+              <a:t>http://www.youtube.com/watch?v=MEtDwwi7bEU</a:t>
+            </a:r>
+            <a:r>
+              <a:rPr lang="en" sz="1200">
+                <a:solidFill>
+                  <a:schemeClr val="dk1"/>
+                </a:solidFill>
+                <a:latin typeface="Calibri"/>
+                <a:ea typeface="Calibri"/>
+                <a:cs typeface="Calibri"/>
+                <a:sym typeface="Calibri"/>
+              </a:rPr>
+              <a:t> </a:t>
+            </a:r>
+            <a:endParaRPr sz="1200">
+              <a:solidFill>
+                <a:schemeClr val="dk1"/>
+              </a:solidFill>
+              <a:latin typeface="Calibri"/>
+              <a:ea typeface="Calibri"/>
+              <a:cs typeface="Calibri"/>
+              <a:sym typeface="Calibri"/>
+            </a:endParaRPr>
+          </a:p>
+          <a:p>
+            <a:pPr marL="171450" marR="0" lvl="0" indent="-133350" algn="l" rtl="0">
+              <a:lnSpc>
+                <a:spcPct val="100000"/>
+              </a:lnSpc>
+              <a:spcBef>
+                <a:spcPts val="0"/>
+              </a:spcBef>
+              <a:spcAft>
+                <a:spcPts val="0"/>
+              </a:spcAft>
+              <a:buClr>
+                <a:schemeClr val="dk1"/>
+              </a:buClr>
+              <a:buSzPts val="1200"/>
+              <a:buFont typeface="Calibri"/>
+              <a:buChar char="●"/>
+            </a:pPr>
+            <a:r>
+              <a:rPr lang="en" sz="1200" b="1">
+                <a:solidFill>
+                  <a:srgbClr val="FF0000"/>
+                </a:solidFill>
+                <a:latin typeface="Calibri"/>
+                <a:ea typeface="Calibri"/>
+                <a:cs typeface="Calibri"/>
+                <a:sym typeface="Calibri"/>
+              </a:rPr>
+              <a:t>Abacus AI’s "Deep Agent" - a "mindset-driven" automated QA </a:t>
+            </a:r>
+            <a:r>
+              <a:rPr lang="en" sz="1200">
+                <a:solidFill>
+                  <a:schemeClr val="dk1"/>
+                </a:solidFill>
+                <a:latin typeface="Calibri"/>
+                <a:ea typeface="Calibri"/>
+                <a:cs typeface="Calibri"/>
+                <a:sym typeface="Calibri"/>
+              </a:rPr>
+              <a:t>designed to "think" like a QA engineer, proactively pressure-testing products to find breakpoints</a:t>
+            </a:r>
+            <a:endParaRPr sz="1200">
+              <a:solidFill>
+                <a:schemeClr val="dk1"/>
+              </a:solidFill>
+              <a:latin typeface="Calibri"/>
+              <a:ea typeface="Calibri"/>
+              <a:cs typeface="Calibri"/>
+              <a:sym typeface="Calibri"/>
+            </a:endParaRPr>
+          </a:p>
+          <a:p>
+            <a:pPr marL="171450" marR="0" lvl="0" indent="-133350" algn="l" rtl="0">
+              <a:lnSpc>
+                <a:spcPct val="100000"/>
+              </a:lnSpc>
+              <a:spcBef>
+                <a:spcPts val="0"/>
+              </a:spcBef>
+              <a:spcAft>
+                <a:spcPts val="0"/>
+              </a:spcAft>
+              <a:buClr>
+                <a:srgbClr val="3C78D8"/>
+              </a:buClr>
+              <a:buSzPts val="1200"/>
+              <a:buFont typeface="Calibri"/>
+              <a:buChar char="●"/>
+            </a:pPr>
+            <a:r>
+              <a:rPr lang="en" sz="1200" b="1">
+                <a:solidFill>
+                  <a:srgbClr val="3C78D8"/>
+                </a:solidFill>
+                <a:latin typeface="Calibri"/>
+                <a:ea typeface="Calibri"/>
+                <a:cs typeface="Calibri"/>
+                <a:sym typeface="Calibri"/>
+              </a:rPr>
+              <a:t>Autonomous Workflow - building apps, debugging, monitoring, and scaling</a:t>
+            </a:r>
+            <a:endParaRPr sz="1200" b="1">
+              <a:solidFill>
+                <a:srgbClr val="3C78D8"/>
+              </a:solidFill>
+              <a:latin typeface="Calibri"/>
+              <a:ea typeface="Calibri"/>
+              <a:cs typeface="Calibri"/>
+              <a:sym typeface="Calibri"/>
+            </a:endParaRPr>
+          </a:p>
+          <a:p>
+            <a:pPr marL="171450" marR="0" lvl="0" indent="-133350" algn="l" rtl="0">
+              <a:lnSpc>
+                <a:spcPct val="100000"/>
+              </a:lnSpc>
+              <a:spcBef>
+                <a:spcPts val="0"/>
+              </a:spcBef>
+              <a:spcAft>
+                <a:spcPts val="0"/>
+              </a:spcAft>
+              <a:buClr>
+                <a:schemeClr val="dk1"/>
+              </a:buClr>
+              <a:buSzPts val="1200"/>
+              <a:buFont typeface="Calibri"/>
+              <a:buChar char="●"/>
+            </a:pPr>
+            <a:r>
+              <a:rPr lang="en" sz="1200">
+                <a:solidFill>
+                  <a:schemeClr val="dk1"/>
+                </a:solidFill>
+                <a:latin typeface="Calibri"/>
+                <a:ea typeface="Calibri"/>
+                <a:cs typeface="Calibri"/>
+                <a:sym typeface="Calibri"/>
+              </a:rPr>
+              <a:t>Safety Nets - weekly automated testing for "vibe-coded" apps; automatic infrastructure scaling - based on real-time traffic</a:t>
+            </a:r>
+            <a:endParaRPr sz="1200">
+              <a:solidFill>
+                <a:schemeClr val="dk1"/>
+              </a:solidFill>
+              <a:latin typeface="Calibri"/>
+              <a:ea typeface="Calibri"/>
+              <a:cs typeface="Calibri"/>
+              <a:sym typeface="Calibri"/>
+            </a:endParaRPr>
+          </a:p>
+          <a:p>
+            <a:pPr marL="171450" marR="0" lvl="0" indent="-133350" algn="l" rtl="0">
+              <a:lnSpc>
+                <a:spcPct val="100000"/>
+              </a:lnSpc>
+              <a:spcBef>
+                <a:spcPts val="0"/>
+              </a:spcBef>
+              <a:spcAft>
+                <a:spcPts val="0"/>
+              </a:spcAft>
+              <a:buClr>
+                <a:schemeClr val="dk1"/>
+              </a:buClr>
+              <a:buSzPts val="1200"/>
+              <a:buFont typeface="Calibri"/>
+              <a:buChar char="●"/>
+            </a:pPr>
+            <a:r>
+              <a:rPr lang="en" sz="1200">
+                <a:solidFill>
+                  <a:schemeClr val="dk1"/>
+                </a:solidFill>
+                <a:latin typeface="Calibri"/>
+                <a:ea typeface="Calibri"/>
+                <a:cs typeface="Calibri"/>
+                <a:sym typeface="Calibri"/>
+              </a:rPr>
+              <a:t>Effective QA requires switching between different user personas. Deep Agent can simulate various perspectives - such as confused users, or those in different global regions</a:t>
+            </a:r>
+            <a:endParaRPr sz="1200">
+              <a:solidFill>
+                <a:schemeClr val="dk1"/>
+              </a:solidFill>
+              <a:latin typeface="Calibri"/>
+              <a:ea typeface="Calibri"/>
+              <a:cs typeface="Calibri"/>
+              <a:sym typeface="Calibri"/>
+            </a:endParaRPr>
+          </a:p>
+          <a:p>
+            <a:pPr marL="171450" marR="0" lvl="0" indent="-133350" algn="l" rtl="0">
+              <a:lnSpc>
+                <a:spcPct val="100000"/>
+              </a:lnSpc>
+              <a:spcBef>
+                <a:spcPts val="0"/>
+              </a:spcBef>
+              <a:spcAft>
+                <a:spcPts val="0"/>
+              </a:spcAft>
+              <a:buClr>
+                <a:schemeClr val="dk1"/>
+              </a:buClr>
+              <a:buSzPts val="1200"/>
+              <a:buFont typeface="Calibri"/>
+              <a:buChar char="●"/>
+            </a:pPr>
+            <a:r>
+              <a:rPr lang="en" sz="1200">
+                <a:solidFill>
+                  <a:schemeClr val="dk1"/>
+                </a:solidFill>
+                <a:latin typeface="Calibri"/>
+                <a:ea typeface="Calibri"/>
+                <a:cs typeface="Calibri"/>
+                <a:sym typeface="Calibri"/>
+              </a:rPr>
+              <a:t>Deep Agent checks also for "simple" errors like broken links and UI glitches that cause "quiet" revenue loss (landing pages, order forms)</a:t>
+            </a:r>
+            <a:endParaRPr sz="1200">
+              <a:solidFill>
+                <a:schemeClr val="dk1"/>
+              </a:solidFill>
+              <a:latin typeface="Calibri"/>
+              <a:ea typeface="Calibri"/>
+              <a:cs typeface="Calibri"/>
+              <a:sym typeface="Calibri"/>
+            </a:endParaRPr>
+          </a:p>
+          <a:p>
+            <a:pPr marL="171450" marR="0" lvl="0" indent="-133350" algn="l" rtl="0">
+              <a:lnSpc>
+                <a:spcPct val="100000"/>
+              </a:lnSpc>
+              <a:spcBef>
+                <a:spcPts val="0"/>
+              </a:spcBef>
+              <a:spcAft>
+                <a:spcPts val="0"/>
+              </a:spcAft>
+              <a:buClr>
+                <a:schemeClr val="dk1"/>
+              </a:buClr>
+              <a:buSzPts val="1200"/>
+              <a:buFont typeface="Calibri"/>
+              <a:buChar char="●"/>
+            </a:pPr>
+            <a:r>
+              <a:rPr lang="en" sz="1200">
+                <a:solidFill>
+                  <a:schemeClr val="dk1"/>
+                </a:solidFill>
+                <a:latin typeface="Calibri"/>
+                <a:ea typeface="Calibri"/>
+                <a:cs typeface="Calibri"/>
+                <a:sym typeface="Calibri"/>
+              </a:rPr>
+              <a:t>It catches regional UI issues and language variations that might be invisible to the local development team but disruptive</a:t>
+            </a:r>
+            <a:endParaRPr sz="1200">
+              <a:solidFill>
+                <a:schemeClr val="dk1"/>
+              </a:solidFill>
+              <a:latin typeface="Calibri"/>
+              <a:ea typeface="Calibri"/>
+              <a:cs typeface="Calibri"/>
+              <a:sym typeface="Calibri"/>
+            </a:endParaRPr>
+          </a:p>
+          <a:p>
+            <a:pPr marL="171450" marR="0" lvl="0" indent="-133350" algn="l" rtl="0">
+              <a:lnSpc>
+                <a:spcPct val="100000"/>
+              </a:lnSpc>
+              <a:spcBef>
+                <a:spcPts val="0"/>
+              </a:spcBef>
+              <a:spcAft>
+                <a:spcPts val="0"/>
+              </a:spcAft>
+              <a:buClr>
+                <a:schemeClr val="dk1"/>
+              </a:buClr>
+              <a:buSzPts val="1200"/>
+              <a:buFont typeface="Calibri"/>
+              <a:buChar char="●"/>
+            </a:pPr>
+            <a:r>
+              <a:rPr lang="en" sz="1200">
+                <a:solidFill>
+                  <a:schemeClr val="dk1"/>
+                </a:solidFill>
+                <a:latin typeface="Calibri"/>
+                <a:ea typeface="Calibri"/>
+                <a:cs typeface="Calibri"/>
+                <a:sym typeface="Calibri"/>
+              </a:rPr>
+              <a:t>2026 - year of hybrid teams. AI agents handle execution and humans focus on strategy and judgment</a:t>
+            </a:r>
+            <a:endParaRPr sz="1200">
+              <a:solidFill>
+                <a:schemeClr val="dk1"/>
+              </a:solidFill>
+              <a:latin typeface="Calibri"/>
+              <a:ea typeface="Calibri"/>
+              <a:cs typeface="Calibri"/>
+              <a:sym typeface="Calibri"/>
+            </a:endParaRPr>
+          </a:p>
+        </p:txBody>
+      </p:sp>
+      <p:pic>
+        <p:nvPicPr>
+          <p:cNvPr id="292" name="Google Shape;292;p34"/>
+          <p:cNvPicPr preferRelativeResize="0"/>
+          <p:nvPr/>
+        </p:nvPicPr>
+        <p:blipFill rotWithShape="1">
+          <a:blip r:embed="rId4" cstate="email">
+            <a:alphaModFix/>
+            <a:extLst>
+              <a:ext uri="{28A0092B-C50C-407E-A947-70E740481C1C}">
+                <a14:useLocalDpi xmlns:a14="http://schemas.microsoft.com/office/drawing/2010/main"/>
+              </a:ext>
+            </a:extLst>
+          </a:blip>
+          <a:srcRect/>
+          <a:stretch/>
+        </p:blipFill>
+        <p:spPr>
+          <a:xfrm>
+            <a:off x="5250925" y="1936550"/>
+            <a:ext cx="2764150" cy="1270375"/>
+          </a:xfrm>
+          <a:prstGeom prst="rect">
+            <a:avLst/>
+          </a:prstGeom>
+          <a:noFill/>
+          <a:ln w="9525" cap="flat" cmpd="sng">
+            <a:solidFill>
+              <a:srgbClr val="FF0000"/>
+            </a:solidFill>
+            <a:prstDash val="solid"/>
+            <a:round/>
+            <a:headEnd type="none" w="sm" len="sm"/>
+            <a:tailEnd type="none" w="sm" len="sm"/>
+          </a:ln>
+        </p:spPr>
+      </p:pic>
+    </p:spTree>
+  </p:cSld>
+  <p:clrMapOvr>
+    <a:masterClrMapping/>
+  </p:clrMapOvr>
+</p:sld>
+</file>
+
+<file path=ppt/slides/slide21.xml><?xml version="1.0" encoding="utf-8"?>
+<p:sld xmlns:a="http://schemas.openxmlformats.org/drawingml/2006/main" xmlns:r="http://schemas.openxmlformats.org/officeDocument/2006/relationships" xmlns:p="http://schemas.openxmlformats.org/presentationml/2006/main">
+  <p:cSld>
+    <p:spTree>
+      <p:nvGrpSpPr>
+        <p:cNvPr id="1" name="Shape 296"/>
+        <p:cNvGrpSpPr/>
+        <p:nvPr/>
+      </p:nvGrpSpPr>
+      <p:grpSpPr>
+        <a:xfrm>
+          <a:off x="0" y="0"/>
+          <a:ext cx="0" cy="0"/>
+          <a:chOff x="0" y="0"/>
+          <a:chExt cx="0" cy="0"/>
+        </a:xfrm>
+      </p:grpSpPr>
+      <p:sp>
+        <p:nvSpPr>
+          <p:cNvPr id="297" name="Google Shape;297;p35"/>
           <p:cNvSpPr txBox="1"/>
           <p:nvPr/>
         </p:nvSpPr>
@@ -37663,7 +39269,7 @@
       </p:sp>
       <p:sp>
         <p:nvSpPr>
-          <p:cNvPr id="289" name="Google Shape;289;p34"/>
+          <p:cNvPr id="298" name="Google Shape;298;p35"/>
           <p:cNvSpPr txBox="1"/>
           <p:nvPr/>
         </p:nvSpPr>
@@ -37857,7 +39463,7 @@
       </p:sp>
       <p:sp>
         <p:nvSpPr>
-          <p:cNvPr id="290" name="Google Shape;290;p34"/>
+          <p:cNvPr id="299" name="Google Shape;299;p35"/>
           <p:cNvSpPr txBox="1"/>
           <p:nvPr/>
         </p:nvSpPr>
@@ -38174,7 +39780,7 @@
       </p:sp>
       <p:sp>
         <p:nvSpPr>
-          <p:cNvPr id="291" name="Google Shape;291;p34"/>
+          <p:cNvPr id="300" name="Google Shape;300;p35"/>
           <p:cNvSpPr txBox="1"/>
           <p:nvPr/>
         </p:nvSpPr>
@@ -38260,7 +39866,7 @@
       </p:sp>
       <p:sp>
         <p:nvSpPr>
-          <p:cNvPr id="292" name="Google Shape;292;p34"/>
+          <p:cNvPr id="301" name="Google Shape;301;p35"/>
           <p:cNvSpPr txBox="1"/>
           <p:nvPr/>
         </p:nvSpPr>
@@ -38462,7 +40068,7 @@
       </p:sp>
       <p:sp>
         <p:nvSpPr>
-          <p:cNvPr id="293" name="Google Shape;293;p34"/>
+          <p:cNvPr id="302" name="Google Shape;302;p35"/>
           <p:cNvSpPr txBox="1"/>
           <p:nvPr/>
         </p:nvSpPr>
@@ -38639,7 +40245,7 @@
       </p:sp>
       <p:pic>
         <p:nvPicPr>
-          <p:cNvPr id="294" name="Google Shape;294;p34"/>
+          <p:cNvPr id="303" name="Google Shape;303;p35"/>
           <p:cNvPicPr preferRelativeResize="0"/>
           <p:nvPr/>
         </p:nvPicPr>
@@ -38678,7 +40284,7 @@
       </p:pic>
       <p:pic>
         <p:nvPicPr>
-          <p:cNvPr id="295" name="Google Shape;295;p34"/>
+          <p:cNvPr id="304" name="Google Shape;304;p35"/>
           <p:cNvPicPr preferRelativeResize="0"/>
           <p:nvPr/>
         </p:nvPicPr>
@@ -38717,7 +40323,7 @@
       </p:pic>
       <p:pic>
         <p:nvPicPr>
-          <p:cNvPr id="296" name="Google Shape;296;p34"/>
+          <p:cNvPr id="305" name="Google Shape;305;p35"/>
           <p:cNvPicPr preferRelativeResize="0"/>
           <p:nvPr/>
         </p:nvPicPr>
@@ -38756,7 +40362,7 @@
       </p:pic>
       <p:pic>
         <p:nvPicPr>
-          <p:cNvPr id="297" name="Google Shape;297;p34"/>
+          <p:cNvPr id="306" name="Google Shape;306;p35"/>
           <p:cNvPicPr preferRelativeResize="0"/>
           <p:nvPr/>
         </p:nvPicPr>
@@ -38795,7 +40401,7 @@
       </p:pic>
       <p:pic>
         <p:nvPicPr>
-          <p:cNvPr id="298" name="Google Shape;298;p34"/>
+          <p:cNvPr id="307" name="Google Shape;307;p35"/>
           <p:cNvPicPr preferRelativeResize="0"/>
           <p:nvPr/>
         </p:nvPicPr>
@@ -38840,12 +40446,12 @@
 </p:sld>
 </file>
 
-<file path=ppt/slides/slide21.xml><?xml version="1.0" encoding="utf-8"?>
+<file path=ppt/slides/slide22.xml><?xml version="1.0" encoding="utf-8"?>
 <p:sld xmlns:a="http://schemas.openxmlformats.org/drawingml/2006/main" xmlns:r="http://schemas.openxmlformats.org/officeDocument/2006/relationships" xmlns:p="http://schemas.openxmlformats.org/presentationml/2006/main">
   <p:cSld>
     <p:spTree>
       <p:nvGrpSpPr>
-        <p:cNvPr id="1" name="Shape 302"/>
+        <p:cNvPr id="1" name="Shape 311"/>
         <p:cNvGrpSpPr/>
         <p:nvPr/>
       </p:nvGrpSpPr>
@@ -38859,7 +40465,7 @@
       </p:grpSpPr>
       <p:sp>
         <p:nvSpPr>
-          <p:cNvPr id="303" name="Google Shape;303;p35"/>
+          <p:cNvPr id="312" name="Google Shape;312;p36"/>
           <p:cNvSpPr txBox="1"/>
           <p:nvPr/>
         </p:nvSpPr>
@@ -38925,7 +40531,7 @@
       </p:sp>
       <p:sp>
         <p:nvSpPr>
-          <p:cNvPr id="304" name="Google Shape;304;p35"/>
+          <p:cNvPr id="313" name="Google Shape;313;p36"/>
           <p:cNvSpPr txBox="1"/>
           <p:nvPr/>
         </p:nvSpPr>
@@ -39332,7 +40938,7 @@
       </p:sp>
       <p:sp>
         <p:nvSpPr>
-          <p:cNvPr id="305" name="Google Shape;305;p35"/>
+          <p:cNvPr id="314" name="Google Shape;314;p36"/>
           <p:cNvSpPr txBox="1"/>
           <p:nvPr/>
         </p:nvSpPr>
@@ -39526,7 +41132,7 @@
       </p:sp>
       <p:pic>
         <p:nvPicPr>
-          <p:cNvPr id="306" name="Google Shape;306;p35"/>
+          <p:cNvPr id="315" name="Google Shape;315;p36"/>
           <p:cNvPicPr preferRelativeResize="0"/>
           <p:nvPr/>
         </p:nvPicPr>
@@ -39571,12 +41177,12 @@
 </p:sld>
 </file>
 
-<file path=ppt/slides/slide22.xml><?xml version="1.0" encoding="utf-8"?>
+<file path=ppt/slides/slide23.xml><?xml version="1.0" encoding="utf-8"?>
 <p:sld xmlns:a="http://schemas.openxmlformats.org/drawingml/2006/main" xmlns:r="http://schemas.openxmlformats.org/officeDocument/2006/relationships" xmlns:p="http://schemas.openxmlformats.org/presentationml/2006/main">
   <p:cSld>
     <p:spTree>
       <p:nvGrpSpPr>
-        <p:cNvPr id="1" name="Shape 310"/>
+        <p:cNvPr id="1" name="Shape 319"/>
         <p:cNvGrpSpPr/>
         <p:nvPr/>
       </p:nvGrpSpPr>
@@ -39590,7 +41196,7 @@
       </p:grpSpPr>
       <p:sp>
         <p:nvSpPr>
-          <p:cNvPr id="311" name="Google Shape;311;p36"/>
+          <p:cNvPr id="320" name="Google Shape;320;p37"/>
           <p:cNvSpPr txBox="1"/>
           <p:nvPr/>
         </p:nvSpPr>
@@ -39656,7 +41262,7 @@
       </p:sp>
       <p:sp>
         <p:nvSpPr>
-          <p:cNvPr id="312" name="Google Shape;312;p36"/>
+          <p:cNvPr id="321" name="Google Shape;321;p37"/>
           <p:cNvSpPr txBox="1"/>
           <p:nvPr/>
         </p:nvSpPr>
@@ -40062,7 +41668,7 @@
       </p:sp>
       <p:pic>
         <p:nvPicPr>
-          <p:cNvPr id="313" name="Google Shape;313;p36"/>
+          <p:cNvPr id="322" name="Google Shape;322;p37"/>
           <p:cNvPicPr preferRelativeResize="0"/>
           <p:nvPr/>
         </p:nvPicPr>
@@ -40095,7 +41701,7 @@
       </p:pic>
       <p:pic>
         <p:nvPicPr>
-          <p:cNvPr id="314" name="Google Shape;314;p36"/>
+          <p:cNvPr id="323" name="Google Shape;323;p37"/>
           <p:cNvPicPr preferRelativeResize="0"/>
           <p:nvPr/>
         </p:nvPicPr>
@@ -40127,7 +41733,7 @@
       </p:pic>
       <p:pic>
         <p:nvPicPr>
-          <p:cNvPr id="315" name="Google Shape;315;p36"/>
+          <p:cNvPr id="324" name="Google Shape;324;p37"/>
           <p:cNvPicPr preferRelativeResize="0"/>
           <p:nvPr/>
         </p:nvPicPr>
@@ -40165,12 +41771,12 @@
 </p:sld>
 </file>
 
-<file path=ppt/slides/slide23.xml><?xml version="1.0" encoding="utf-8"?>
+<file path=ppt/slides/slide24.xml><?xml version="1.0" encoding="utf-8"?>
 <p:sld xmlns:a="http://schemas.openxmlformats.org/drawingml/2006/main" xmlns:r="http://schemas.openxmlformats.org/officeDocument/2006/relationships" xmlns:p="http://schemas.openxmlformats.org/presentationml/2006/main">
   <p:cSld>
     <p:spTree>
       <p:nvGrpSpPr>
-        <p:cNvPr id="1" name="Shape 319"/>
+        <p:cNvPr id="1" name="Shape 328"/>
         <p:cNvGrpSpPr/>
         <p:nvPr/>
       </p:nvGrpSpPr>
@@ -40184,7 +41790,7 @@
       </p:grpSpPr>
       <p:sp>
         <p:nvSpPr>
-          <p:cNvPr id="320" name="Google Shape;320;p37"/>
+          <p:cNvPr id="329" name="Google Shape;329;p38"/>
           <p:cNvSpPr txBox="1"/>
           <p:nvPr/>
         </p:nvSpPr>
@@ -40250,7 +41856,7 @@
       </p:sp>
       <p:sp>
         <p:nvSpPr>
-          <p:cNvPr id="321" name="Google Shape;321;p37"/>
+          <p:cNvPr id="330" name="Google Shape;330;p38"/>
           <p:cNvSpPr txBox="1"/>
           <p:nvPr/>
         </p:nvSpPr>
@@ -41104,7 +42710,7 @@
       </p:sp>
       <p:sp>
         <p:nvSpPr>
-          <p:cNvPr id="322" name="Google Shape;322;p37"/>
+          <p:cNvPr id="331" name="Google Shape;331;p38"/>
           <p:cNvSpPr txBox="1"/>
           <p:nvPr/>
         </p:nvSpPr>
@@ -41513,7 +43119,7 @@
       </p:sp>
       <p:pic>
         <p:nvPicPr>
-          <p:cNvPr id="323" name="Google Shape;323;p37"/>
+          <p:cNvPr id="332" name="Google Shape;332;p38"/>
           <p:cNvPicPr preferRelativeResize="0"/>
           <p:nvPr/>
         </p:nvPicPr>
@@ -41547,7 +43153,7 @@
       </p:pic>
       <p:sp>
         <p:nvSpPr>
-          <p:cNvPr id="324" name="Google Shape;324;p37"/>
+          <p:cNvPr id="333" name="Google Shape;333;p38"/>
           <p:cNvSpPr txBox="1"/>
           <p:nvPr/>
         </p:nvSpPr>
@@ -41679,12 +43285,12 @@
 </p:sld>
 </file>
 
-<file path=ppt/slides/slide24.xml><?xml version="1.0" encoding="utf-8"?>
+<file path=ppt/slides/slide25.xml><?xml version="1.0" encoding="utf-8"?>
 <p:sld xmlns:a="http://schemas.openxmlformats.org/drawingml/2006/main" xmlns:r="http://schemas.openxmlformats.org/officeDocument/2006/relationships" xmlns:p="http://schemas.openxmlformats.org/presentationml/2006/main">
   <p:cSld>
     <p:spTree>
       <p:nvGrpSpPr>
-        <p:cNvPr id="1" name="Shape 328"/>
+        <p:cNvPr id="1" name="Shape 337"/>
         <p:cNvGrpSpPr/>
         <p:nvPr/>
       </p:nvGrpSpPr>
@@ -41698,7 +43304,7 @@
       </p:grpSpPr>
       <p:sp>
         <p:nvSpPr>
-          <p:cNvPr id="329" name="Google Shape;329;p38"/>
+          <p:cNvPr id="338" name="Google Shape;338;p39"/>
           <p:cNvSpPr txBox="1"/>
           <p:nvPr/>
         </p:nvSpPr>
@@ -41764,7 +43370,7 @@
       </p:sp>
       <p:sp>
         <p:nvSpPr>
-          <p:cNvPr id="330" name="Google Shape;330;p38"/>
+          <p:cNvPr id="339" name="Google Shape;339;p39"/>
           <p:cNvSpPr txBox="1"/>
           <p:nvPr/>
         </p:nvSpPr>
@@ -41892,7 +43498,7 @@
       </p:sp>
       <p:sp>
         <p:nvSpPr>
-          <p:cNvPr id="331" name="Google Shape;331;p38"/>
+          <p:cNvPr id="340" name="Google Shape;340;p39"/>
           <p:cNvSpPr txBox="1"/>
           <p:nvPr/>
         </p:nvSpPr>
@@ -42162,7 +43768,7 @@
       </p:sp>
       <p:pic>
         <p:nvPicPr>
-          <p:cNvPr id="332" name="Google Shape;332;p38"/>
+          <p:cNvPr id="341" name="Google Shape;341;p39"/>
           <p:cNvPicPr preferRelativeResize="0"/>
           <p:nvPr/>
         </p:nvPicPr>
@@ -42201,7 +43807,7 @@
       </p:pic>
       <p:pic>
         <p:nvPicPr>
-          <p:cNvPr id="333" name="Google Shape;333;p38"/>
+          <p:cNvPr id="342" name="Google Shape;342;p39"/>
           <p:cNvPicPr preferRelativeResize="0"/>
           <p:nvPr/>
         </p:nvPicPr>
@@ -42240,7 +43846,7 @@
       </p:pic>
       <p:sp>
         <p:nvSpPr>
-          <p:cNvPr id="334" name="Google Shape;334;p38"/>
+          <p:cNvPr id="343" name="Google Shape;343;p39"/>
           <p:cNvSpPr txBox="1"/>
           <p:nvPr/>
         </p:nvSpPr>
@@ -42465,7 +44071,7 @@
       </p:sp>
       <p:sp>
         <p:nvSpPr>
-          <p:cNvPr id="335" name="Google Shape;335;p38"/>
+          <p:cNvPr id="344" name="Google Shape;344;p39"/>
           <p:cNvSpPr txBox="1"/>
           <p:nvPr/>
         </p:nvSpPr>
@@ -42534,12 +44140,12 @@
 </p:sld>
 </file>
 
-<file path=ppt/slides/slide25.xml><?xml version="1.0" encoding="utf-8"?>
+<file path=ppt/slides/slide26.xml><?xml version="1.0" encoding="utf-8"?>
 <p:sld xmlns:a="http://schemas.openxmlformats.org/drawingml/2006/main" xmlns:r="http://schemas.openxmlformats.org/officeDocument/2006/relationships" xmlns:p="http://schemas.openxmlformats.org/presentationml/2006/main">
   <p:cSld>
     <p:spTree>
       <p:nvGrpSpPr>
-        <p:cNvPr id="1" name="Shape 339"/>
+        <p:cNvPr id="1" name="Shape 348"/>
         <p:cNvGrpSpPr/>
         <p:nvPr/>
       </p:nvGrpSpPr>
@@ -42553,7 +44159,7 @@
       </p:grpSpPr>
       <p:pic>
         <p:nvPicPr>
-          <p:cNvPr id="340" name="Google Shape;340;p39"/>
+          <p:cNvPr id="349" name="Google Shape;349;p40"/>
           <p:cNvPicPr preferRelativeResize="0"/>
           <p:nvPr/>
         </p:nvPicPr>
@@ -42585,7 +44191,7 @@
       </p:pic>
       <p:sp>
         <p:nvSpPr>
-          <p:cNvPr id="341" name="Google Shape;341;p39"/>
+          <p:cNvPr id="350" name="Google Shape;350;p40"/>
           <p:cNvSpPr txBox="1"/>
           <p:nvPr/>
         </p:nvSpPr>
@@ -42651,7 +44257,7 @@
       </p:sp>
       <p:sp>
         <p:nvSpPr>
-          <p:cNvPr id="342" name="Google Shape;342;p39"/>
+          <p:cNvPr id="351" name="Google Shape;351;p40"/>
           <p:cNvSpPr txBox="1"/>
           <p:nvPr/>
         </p:nvSpPr>
@@ -43081,7 +44687,7 @@
       </p:sp>
       <p:pic>
         <p:nvPicPr>
-          <p:cNvPr id="343" name="Google Shape;343;p39"/>
+          <p:cNvPr id="352" name="Google Shape;352;p40"/>
           <p:cNvPicPr preferRelativeResize="0"/>
           <p:nvPr/>
         </p:nvPicPr>
@@ -43113,7 +44719,7 @@
       </p:pic>
       <p:sp>
         <p:nvSpPr>
-          <p:cNvPr id="344" name="Google Shape;344;p39"/>
+          <p:cNvPr id="353" name="Google Shape;353;p40"/>
           <p:cNvSpPr txBox="1"/>
           <p:nvPr/>
         </p:nvSpPr>
@@ -43192,7 +44798,7 @@
       </p:sp>
       <p:sp>
         <p:nvSpPr>
-          <p:cNvPr id="345" name="Google Shape;345;p39"/>
+          <p:cNvPr id="354" name="Google Shape;354;p40"/>
           <p:cNvSpPr txBox="1"/>
           <p:nvPr/>
         </p:nvSpPr>
@@ -43264,12 +44870,12 @@
 </p:sld>
 </file>
 
-<file path=ppt/slides/slide26.xml><?xml version="1.0" encoding="utf-8"?>
+<file path=ppt/slides/slide27.xml><?xml version="1.0" encoding="utf-8"?>
 <p:sld xmlns:a="http://schemas.openxmlformats.org/drawingml/2006/main" xmlns:r="http://schemas.openxmlformats.org/officeDocument/2006/relationships" xmlns:p="http://schemas.openxmlformats.org/presentationml/2006/main">
   <p:cSld>
     <p:spTree>
       <p:nvGrpSpPr>
-        <p:cNvPr id="1" name="Shape 349"/>
+        <p:cNvPr id="1" name="Shape 358"/>
         <p:cNvGrpSpPr/>
         <p:nvPr/>
       </p:nvGrpSpPr>
@@ -43283,7 +44889,7 @@
       </p:grpSpPr>
       <p:sp>
         <p:nvSpPr>
-          <p:cNvPr id="350" name="Google Shape;350;p40"/>
+          <p:cNvPr id="359" name="Google Shape;359;p41"/>
           <p:cNvSpPr txBox="1"/>
           <p:nvPr/>
         </p:nvSpPr>
@@ -46022,8 +47628,8 @@
         </p:blipFill>
         <p:spPr>
           <a:xfrm>
-            <a:off x="5543850" y="61375"/>
-            <a:ext cx="3517525" cy="4970901"/>
+            <a:off x="5740700" y="119306"/>
+            <a:ext cx="3302049" cy="4918151"/>
           </a:xfrm>
           <a:prstGeom prst="rect">
             <a:avLst/>
@@ -46117,7 +47723,7 @@
                 <a:cs typeface="Calibri"/>
                 <a:sym typeface="Calibri"/>
               </a:rPr>
-              <a:t>Claude Code Updates</a:t>
+              <a:t>Apps in Claude &amp; in ChatGPT</a:t>
             </a:r>
             <a:endParaRPr sz="2000" b="1">
               <a:solidFill>
@@ -46139,8 +47745,8 @@
         </p:nvSpPr>
         <p:spPr>
           <a:xfrm>
-            <a:off x="55075" y="542350"/>
-            <a:ext cx="4465200" cy="4266600"/>
+            <a:off x="55075" y="465018"/>
+            <a:ext cx="4465200" cy="2235000"/>
           </a:xfrm>
           <a:prstGeom prst="rect">
             <a:avLst/>
@@ -46191,7 +47797,7 @@
                 <a:cs typeface="Calibri"/>
                 <a:sym typeface="Calibri"/>
               </a:rPr>
-              <a:t>Key Claude Code Updates and tweaks by Yaron Been</a:t>
+              <a:t>Anthropic Claude recently launched interactive third-party apps directly within its chat interface for paid subscriptions</a:t>
             </a:r>
             <a:endParaRPr sz="1200">
               <a:solidFill>
@@ -46204,38 +47810,50 @@
             </a:endParaRPr>
           </a:p>
           <a:p>
-            <a:pPr marL="171450" marR="0" lvl="0" indent="-133350" algn="l" rtl="0">
-              <a:lnSpc>
-                <a:spcPct val="100000"/>
-              </a:lnSpc>
-              <a:spcBef>
-                <a:spcPts val="0"/>
-              </a:spcBef>
-              <a:spcAft>
-                <a:spcPts val="0"/>
-              </a:spcAft>
-              <a:buClr>
-                <a:schemeClr val="dk1"/>
+            <a:pPr marL="342900" marR="0" lvl="0" indent="-133350" algn="l" rtl="0">
+              <a:lnSpc>
+                <a:spcPct val="100000"/>
+              </a:lnSpc>
+              <a:spcBef>
+                <a:spcPts val="0"/>
+              </a:spcBef>
+              <a:spcAft>
+                <a:spcPts val="0"/>
+              </a:spcAft>
+              <a:buClr>
+                <a:srgbClr val="3C78D8"/>
               </a:buClr>
               <a:buSzPts val="1200"/>
               <a:buFont typeface="Calibri"/>
               <a:buChar char="●"/>
             </a:pPr>
             <a:r>
+              <a:rPr lang="en" sz="1200" b="1">
+                <a:solidFill>
+                  <a:srgbClr val="FF0000"/>
+                </a:solidFill>
+                <a:latin typeface="Calibri"/>
+                <a:ea typeface="Calibri"/>
+                <a:cs typeface="Calibri"/>
+                <a:sym typeface="Calibri"/>
+              </a:rPr>
+              <a:t>Amplitude</a:t>
+            </a:r>
+            <a:r>
               <a:rPr lang="en" sz="1200">
                 <a:solidFill>
-                  <a:schemeClr val="dk1"/>
-                </a:solidFill>
-                <a:latin typeface="Calibri"/>
-                <a:ea typeface="Calibri"/>
-                <a:cs typeface="Calibri"/>
-                <a:sym typeface="Calibri"/>
-              </a:rPr>
-              <a:t>Main update - Native Persistent Memory</a:t>
+                  <a:srgbClr val="3C78D8"/>
+                </a:solidFill>
+                <a:latin typeface="Calibri"/>
+                <a:ea typeface="Calibri"/>
+                <a:cs typeface="Calibri"/>
+                <a:sym typeface="Calibri"/>
+              </a:rPr>
+              <a:t> - Analytics platform</a:t>
             </a:r>
             <a:endParaRPr sz="1200">
               <a:solidFill>
-                <a:schemeClr val="dk1"/>
+                <a:srgbClr val="3C78D8"/>
               </a:solidFill>
               <a:latin typeface="Calibri"/>
               <a:ea typeface="Calibri"/>
@@ -46244,51 +47862,50 @@
             </a:endParaRPr>
           </a:p>
           <a:p>
-            <a:pPr marL="171450" marR="0" lvl="0" indent="-133350" algn="l" rtl="0">
-              <a:lnSpc>
-                <a:spcPct val="100000"/>
-              </a:lnSpc>
-              <a:spcBef>
-                <a:spcPts val="0"/>
-              </a:spcBef>
-              <a:spcAft>
-                <a:spcPts val="0"/>
-              </a:spcAft>
-              <a:buClr>
-                <a:schemeClr val="dk1"/>
+            <a:pPr marL="342900" marR="0" lvl="0" indent="-133350" algn="l" rtl="0">
+              <a:lnSpc>
+                <a:spcPct val="100000"/>
+              </a:lnSpc>
+              <a:spcBef>
+                <a:spcPts val="0"/>
+              </a:spcBef>
+              <a:spcAft>
+                <a:spcPts val="0"/>
+              </a:spcAft>
+              <a:buClr>
+                <a:srgbClr val="3C78D8"/>
               </a:buClr>
               <a:buSzPts val="1200"/>
               <a:buFont typeface="Calibri"/>
               <a:buChar char="●"/>
             </a:pPr>
             <a:r>
-              <a:rPr lang="en" sz="1200" u="sng">
-                <a:solidFill>
-                  <a:schemeClr val="hlink"/>
-                </a:solidFill>
-                <a:latin typeface="Calibri"/>
-                <a:ea typeface="Calibri"/>
-                <a:cs typeface="Calibri"/>
-                <a:sym typeface="Calibri"/>
-                <a:hlinkClick r:id="rId3"/>
-              </a:rPr>
-              <a:t>http://www.youtube.com/watch?v=AbGBM-aGDJw</a:t>
+              <a:rPr lang="en" sz="1200" b="1">
+                <a:solidFill>
+                  <a:srgbClr val="FF0000"/>
+                </a:solidFill>
+                <a:latin typeface="Calibri"/>
+                <a:ea typeface="Calibri"/>
+                <a:cs typeface="Calibri"/>
+                <a:sym typeface="Calibri"/>
+              </a:rPr>
+              <a:t>Asana</a:t>
             </a:r>
             <a:r>
               <a:rPr lang="en" sz="1200">
                 <a:solidFill>
-                  <a:schemeClr val="dk1"/>
-                </a:solidFill>
-                <a:latin typeface="Calibri"/>
-                <a:ea typeface="Calibri"/>
-                <a:cs typeface="Calibri"/>
-                <a:sym typeface="Calibri"/>
-              </a:rPr>
-              <a:t> </a:t>
+                  <a:srgbClr val="3C78D8"/>
+                </a:solidFill>
+                <a:latin typeface="Calibri"/>
+                <a:ea typeface="Calibri"/>
+                <a:cs typeface="Calibri"/>
+                <a:sym typeface="Calibri"/>
+              </a:rPr>
+              <a:t> - Project management (can turn chats into projects)</a:t>
             </a:r>
             <a:endParaRPr sz="1200">
               <a:solidFill>
-                <a:schemeClr val="dk1"/>
+                <a:srgbClr val="3C78D8"/>
               </a:solidFill>
               <a:latin typeface="Calibri"/>
               <a:ea typeface="Calibri"/>
@@ -46297,38 +47914,50 @@
             </a:endParaRPr>
           </a:p>
           <a:p>
-            <a:pPr marL="171450" marR="0" lvl="0" indent="-133350" algn="l" rtl="0">
-              <a:lnSpc>
-                <a:spcPct val="100000"/>
-              </a:lnSpc>
-              <a:spcBef>
-                <a:spcPts val="0"/>
-              </a:spcBef>
-              <a:spcAft>
-                <a:spcPts val="0"/>
-              </a:spcAft>
-              <a:buClr>
-                <a:schemeClr val="dk1"/>
+            <a:pPr marL="342900" marR="0" lvl="0" indent="-133350" algn="l" rtl="0">
+              <a:lnSpc>
+                <a:spcPct val="100000"/>
+              </a:lnSpc>
+              <a:spcBef>
+                <a:spcPts val="0"/>
+              </a:spcBef>
+              <a:spcAft>
+                <a:spcPts val="0"/>
+              </a:spcAft>
+              <a:buClr>
+                <a:srgbClr val="3C78D8"/>
               </a:buClr>
               <a:buSzPts val="1200"/>
               <a:buFont typeface="Calibri"/>
               <a:buChar char="●"/>
             </a:pPr>
             <a:r>
+              <a:rPr lang="en" sz="1200" b="1">
+                <a:solidFill>
+                  <a:srgbClr val="FF0000"/>
+                </a:solidFill>
+                <a:latin typeface="Calibri"/>
+                <a:ea typeface="Calibri"/>
+                <a:cs typeface="Calibri"/>
+                <a:sym typeface="Calibri"/>
+              </a:rPr>
+              <a:t>Box</a:t>
+            </a:r>
+            <a:r>
               <a:rPr lang="en" sz="1200">
                 <a:solidFill>
-                  <a:schemeClr val="dk1"/>
-                </a:solidFill>
-                <a:latin typeface="Calibri"/>
-                <a:ea typeface="Calibri"/>
-                <a:cs typeface="Calibri"/>
-                <a:sym typeface="Calibri"/>
-              </a:rPr>
-              <a:t>Tasks &amp; Dependencies - Claude can now create tasks with dependencies that are stored in metadata and the file system</a:t>
+                  <a:srgbClr val="3C78D8"/>
+                </a:solidFill>
+                <a:latin typeface="Calibri"/>
+                <a:ea typeface="Calibri"/>
+                <a:cs typeface="Calibri"/>
+                <a:sym typeface="Calibri"/>
+              </a:rPr>
+              <a:t> - File storage (search files, preview documents)</a:t>
             </a:r>
             <a:endParaRPr sz="1200">
               <a:solidFill>
-                <a:schemeClr val="dk1"/>
+                <a:srgbClr val="3C78D8"/>
               </a:solidFill>
               <a:latin typeface="Calibri"/>
               <a:ea typeface="Calibri"/>
@@ -46337,38 +47966,50 @@
             </a:endParaRPr>
           </a:p>
           <a:p>
-            <a:pPr marL="171450" marR="0" lvl="0" indent="-133350" algn="l" rtl="0">
-              <a:lnSpc>
-                <a:spcPct val="100000"/>
-              </a:lnSpc>
-              <a:spcBef>
-                <a:spcPts val="0"/>
-              </a:spcBef>
-              <a:spcAft>
-                <a:spcPts val="0"/>
-              </a:spcAft>
-              <a:buClr>
-                <a:schemeClr val="dk1"/>
+            <a:pPr marL="342900" marR="0" lvl="0" indent="-133350" algn="l" rtl="0">
+              <a:lnSpc>
+                <a:spcPct val="100000"/>
+              </a:lnSpc>
+              <a:spcBef>
+                <a:spcPts val="0"/>
+              </a:spcBef>
+              <a:spcAft>
+                <a:spcPts val="0"/>
+              </a:spcAft>
+              <a:buClr>
+                <a:srgbClr val="3C78D8"/>
               </a:buClr>
               <a:buSzPts val="1200"/>
               <a:buFont typeface="Calibri"/>
               <a:buChar char="●"/>
             </a:pPr>
             <a:r>
+              <a:rPr lang="en" sz="1200" b="1">
+                <a:solidFill>
+                  <a:srgbClr val="FF0000"/>
+                </a:solidFill>
+                <a:latin typeface="Calibri"/>
+                <a:ea typeface="Calibri"/>
+                <a:cs typeface="Calibri"/>
+                <a:sym typeface="Calibri"/>
+              </a:rPr>
+              <a:t>Canva</a:t>
+            </a:r>
+            <a:r>
               <a:rPr lang="en" sz="1200">
                 <a:solidFill>
-                  <a:schemeClr val="dk1"/>
-                </a:solidFill>
-                <a:latin typeface="Calibri"/>
-                <a:ea typeface="Calibri"/>
-                <a:cs typeface="Calibri"/>
-                <a:sym typeface="Calibri"/>
-              </a:rPr>
-              <a:t>Collaboration - Multiple sessions or sub-agents can collaborate on the same task list, and updates are broadcasted across all active sessions </a:t>
+                  <a:srgbClr val="3C78D8"/>
+                </a:solidFill>
+                <a:latin typeface="Calibri"/>
+                <a:ea typeface="Calibri"/>
+                <a:cs typeface="Calibri"/>
+                <a:sym typeface="Calibri"/>
+              </a:rPr>
+              <a:t> - Design tool</a:t>
             </a:r>
             <a:endParaRPr sz="1200">
               <a:solidFill>
-                <a:schemeClr val="dk1"/>
+                <a:srgbClr val="3C78D8"/>
               </a:solidFill>
               <a:latin typeface="Calibri"/>
               <a:ea typeface="Calibri"/>
@@ -46377,38 +48018,50 @@
             </a:endParaRPr>
           </a:p>
           <a:p>
-            <a:pPr marL="171450" marR="0" lvl="0" indent="-133350" algn="l" rtl="0">
-              <a:lnSpc>
-                <a:spcPct val="100000"/>
-              </a:lnSpc>
-              <a:spcBef>
-                <a:spcPts val="0"/>
-              </a:spcBef>
-              <a:spcAft>
-                <a:spcPts val="0"/>
-              </a:spcAft>
-              <a:buClr>
-                <a:schemeClr val="dk1"/>
+            <a:pPr marL="342900" marR="0" lvl="0" indent="-133350" algn="l" rtl="0">
+              <a:lnSpc>
+                <a:spcPct val="100000"/>
+              </a:lnSpc>
+              <a:spcBef>
+                <a:spcPts val="0"/>
+              </a:spcBef>
+              <a:spcAft>
+                <a:spcPts val="0"/>
+              </a:spcAft>
+              <a:buClr>
+                <a:srgbClr val="3C78D8"/>
               </a:buClr>
               <a:buSzPts val="1200"/>
               <a:buFont typeface="Calibri"/>
               <a:buChar char="●"/>
             </a:pPr>
             <a:r>
+              <a:rPr lang="en" sz="1200" b="1">
+                <a:solidFill>
+                  <a:srgbClr val="FF0000"/>
+                </a:solidFill>
+                <a:latin typeface="Calibri"/>
+                <a:ea typeface="Calibri"/>
+                <a:cs typeface="Calibri"/>
+                <a:sym typeface="Calibri"/>
+              </a:rPr>
+              <a:t>Clay</a:t>
+            </a:r>
+            <a:r>
               <a:rPr lang="en" sz="1200">
                 <a:solidFill>
-                  <a:schemeClr val="dk1"/>
-                </a:solidFill>
-                <a:latin typeface="Calibri"/>
-                <a:ea typeface="Calibri"/>
-                <a:cs typeface="Calibri"/>
-                <a:sym typeface="Calibri"/>
-              </a:rPr>
-              <a:t>Replacement for "Beads" the native solution replaces the need for third-party repositories like "Beads," which previously handled persistent to-do lists for AI agents</a:t>
+                  <a:srgbClr val="3C78D8"/>
+                </a:solidFill>
+                <a:latin typeface="Calibri"/>
+                <a:ea typeface="Calibri"/>
+                <a:cs typeface="Calibri"/>
+                <a:sym typeface="Calibri"/>
+              </a:rPr>
+              <a:t> - CRM and data enrichment</a:t>
             </a:r>
             <a:endParaRPr sz="1200">
               <a:solidFill>
-                <a:schemeClr val="dk1"/>
+                <a:srgbClr val="3C78D8"/>
               </a:solidFill>
               <a:latin typeface="Calibri"/>
               <a:ea typeface="Calibri"/>
@@ -46417,38 +48070,50 @@
             </a:endParaRPr>
           </a:p>
           <a:p>
-            <a:pPr marL="171450" marR="0" lvl="0" indent="-133350" algn="l" rtl="0">
-              <a:lnSpc>
-                <a:spcPct val="100000"/>
-              </a:lnSpc>
-              <a:spcBef>
-                <a:spcPts val="0"/>
-              </a:spcBef>
-              <a:spcAft>
-                <a:spcPts val="0"/>
-              </a:spcAft>
-              <a:buClr>
-                <a:schemeClr val="dk1"/>
+            <a:pPr marL="342900" marR="0" lvl="0" indent="-133350" algn="l" rtl="0">
+              <a:lnSpc>
+                <a:spcPct val="100000"/>
+              </a:lnSpc>
+              <a:spcBef>
+                <a:spcPts val="0"/>
+              </a:spcBef>
+              <a:spcAft>
+                <a:spcPts val="0"/>
+              </a:spcAft>
+              <a:buClr>
+                <a:srgbClr val="3C78D8"/>
               </a:buClr>
               <a:buSzPts val="1200"/>
               <a:buFont typeface="Calibri"/>
               <a:buChar char="●"/>
             </a:pPr>
             <a:r>
+              <a:rPr lang="en" sz="1200" b="1">
+                <a:solidFill>
+                  <a:srgbClr val="FF0000"/>
+                </a:solidFill>
+                <a:latin typeface="Calibri"/>
+                <a:ea typeface="Calibri"/>
+                <a:cs typeface="Calibri"/>
+                <a:sym typeface="Calibri"/>
+              </a:rPr>
+              <a:t>Figma</a:t>
+            </a:r>
+            <a:r>
               <a:rPr lang="en" sz="1200">
                 <a:solidFill>
-                  <a:schemeClr val="dk1"/>
-                </a:solidFill>
-                <a:latin typeface="Calibri"/>
-                <a:ea typeface="Calibri"/>
-                <a:cs typeface="Calibri"/>
-                <a:sym typeface="Calibri"/>
-              </a:rPr>
-              <a:t>New Workflow Enhancements &amp; Skills</a:t>
+                  <a:srgbClr val="3C78D8"/>
+                </a:solidFill>
+                <a:latin typeface="Calibri"/>
+                <a:ea typeface="Calibri"/>
+                <a:cs typeface="Calibri"/>
+                <a:sym typeface="Calibri"/>
+              </a:rPr>
+              <a:t> - Design collaboration</a:t>
             </a:r>
             <a:endParaRPr sz="1200">
               <a:solidFill>
-                <a:schemeClr val="dk1"/>
+                <a:srgbClr val="3C78D8"/>
               </a:solidFill>
               <a:latin typeface="Calibri"/>
               <a:ea typeface="Calibri"/>
@@ -46457,38 +48122,50 @@
             </a:endParaRPr>
           </a:p>
           <a:p>
-            <a:pPr marL="171450" marR="0" lvl="0" indent="-133350" algn="l" rtl="0">
-              <a:lnSpc>
-                <a:spcPct val="100000"/>
-              </a:lnSpc>
-              <a:spcBef>
-                <a:spcPts val="0"/>
-              </a:spcBef>
-              <a:spcAft>
-                <a:spcPts val="0"/>
-              </a:spcAft>
-              <a:buClr>
-                <a:schemeClr val="dk1"/>
+            <a:pPr marL="342900" marR="0" lvl="0" indent="-133350" algn="l" rtl="0">
+              <a:lnSpc>
+                <a:spcPct val="100000"/>
+              </a:lnSpc>
+              <a:spcBef>
+                <a:spcPts val="0"/>
+              </a:spcBef>
+              <a:spcAft>
+                <a:spcPts val="0"/>
+              </a:spcAft>
+              <a:buClr>
+                <a:srgbClr val="3C78D8"/>
               </a:buClr>
               <a:buSzPts val="1200"/>
               <a:buFont typeface="Calibri"/>
               <a:buChar char="●"/>
             </a:pPr>
             <a:r>
+              <a:rPr lang="en" sz="1200" b="1">
+                <a:solidFill>
+                  <a:srgbClr val="FF0000"/>
+                </a:solidFill>
+                <a:latin typeface="Calibri"/>
+                <a:ea typeface="Calibri"/>
+                <a:cs typeface="Calibri"/>
+                <a:sym typeface="Calibri"/>
+              </a:rPr>
+              <a:t>Hex</a:t>
+            </a:r>
+            <a:r>
               <a:rPr lang="en" sz="1200">
                 <a:solidFill>
-                  <a:schemeClr val="dk1"/>
-                </a:solidFill>
-                <a:latin typeface="Calibri"/>
-                <a:ea typeface="Calibri"/>
-                <a:cs typeface="Calibri"/>
-                <a:sym typeface="Calibri"/>
-              </a:rPr>
-              <a:t>1. Test-Driven Development (TDD) in Plan Mode - write tests first in Claude's "plan mode" </a:t>
+                  <a:srgbClr val="3C78D8"/>
+                </a:solidFill>
+                <a:latin typeface="Calibri"/>
+                <a:ea typeface="Calibri"/>
+                <a:cs typeface="Calibri"/>
+                <a:sym typeface="Calibri"/>
+              </a:rPr>
+              <a:t> - Data analytics</a:t>
             </a:r>
             <a:endParaRPr sz="1200">
               <a:solidFill>
-                <a:schemeClr val="dk1"/>
+                <a:srgbClr val="3C78D8"/>
               </a:solidFill>
               <a:latin typeface="Calibri"/>
               <a:ea typeface="Calibri"/>
@@ -46497,38 +48174,50 @@
             </a:endParaRPr>
           </a:p>
           <a:p>
-            <a:pPr marL="171450" marR="0" lvl="0" indent="-133350" algn="l" rtl="0">
-              <a:lnSpc>
-                <a:spcPct val="100000"/>
-              </a:lnSpc>
-              <a:spcBef>
-                <a:spcPts val="0"/>
-              </a:spcBef>
-              <a:spcAft>
-                <a:spcPts val="0"/>
-              </a:spcAft>
-              <a:buClr>
-                <a:schemeClr val="dk1"/>
+            <a:pPr marL="342900" marR="0" lvl="0" indent="-133350" algn="l" rtl="0">
+              <a:lnSpc>
+                <a:spcPct val="100000"/>
+              </a:lnSpc>
+              <a:spcBef>
+                <a:spcPts val="0"/>
+              </a:spcBef>
+              <a:spcAft>
+                <a:spcPts val="0"/>
+              </a:spcAft>
+              <a:buClr>
+                <a:srgbClr val="3C78D8"/>
               </a:buClr>
               <a:buSzPts val="1200"/>
               <a:buFont typeface="Calibri"/>
               <a:buChar char="●"/>
             </a:pPr>
             <a:r>
+              <a:rPr lang="en" sz="1200" b="1">
+                <a:solidFill>
+                  <a:srgbClr val="FF0000"/>
+                </a:solidFill>
+                <a:latin typeface="Calibri"/>
+                <a:ea typeface="Calibri"/>
+                <a:cs typeface="Calibri"/>
+                <a:sym typeface="Calibri"/>
+              </a:rPr>
+              <a:t>monday.com</a:t>
+            </a:r>
+            <a:r>
               <a:rPr lang="en" sz="1200">
                 <a:solidFill>
-                  <a:schemeClr val="dk1"/>
-                </a:solidFill>
-                <a:latin typeface="Calibri"/>
-                <a:ea typeface="Calibri"/>
-                <a:cs typeface="Calibri"/>
-                <a:sym typeface="Calibri"/>
-              </a:rPr>
-              <a:t>2. Use Codex MCP  to write the tests and Claude to write the code to pass them, leveraging the different "perspectives" of the two models</a:t>
+                  <a:srgbClr val="3C78D8"/>
+                </a:solidFill>
+                <a:latin typeface="Calibri"/>
+                <a:ea typeface="Calibri"/>
+                <a:cs typeface="Calibri"/>
+                <a:sym typeface="Calibri"/>
+              </a:rPr>
+              <a:t> - Work management</a:t>
             </a:r>
             <a:endParaRPr sz="1200">
               <a:solidFill>
-                <a:schemeClr val="dk1"/>
+                <a:srgbClr val="3C78D8"/>
               </a:solidFill>
               <a:latin typeface="Calibri"/>
               <a:ea typeface="Calibri"/>
@@ -46537,38 +48226,50 @@
             </a:endParaRPr>
           </a:p>
           <a:p>
-            <a:pPr marL="171450" marR="0" lvl="0" indent="-133350" algn="l" rtl="0">
-              <a:lnSpc>
-                <a:spcPct val="100000"/>
-              </a:lnSpc>
-              <a:spcBef>
-                <a:spcPts val="0"/>
-              </a:spcBef>
-              <a:spcAft>
-                <a:spcPts val="0"/>
-              </a:spcAft>
-              <a:buClr>
-                <a:schemeClr val="dk1"/>
+            <a:pPr marL="342900" marR="0" lvl="0" indent="-133350" algn="l" rtl="0">
+              <a:lnSpc>
+                <a:spcPct val="100000"/>
+              </a:lnSpc>
+              <a:spcBef>
+                <a:spcPts val="0"/>
+              </a:spcBef>
+              <a:spcAft>
+                <a:spcPts val="0"/>
+              </a:spcAft>
+              <a:buClr>
+                <a:srgbClr val="3C78D8"/>
               </a:buClr>
               <a:buSzPts val="1200"/>
               <a:buFont typeface="Calibri"/>
               <a:buChar char="●"/>
             </a:pPr>
             <a:r>
+              <a:rPr lang="en" sz="1200" b="1">
+                <a:solidFill>
+                  <a:srgbClr val="FF0000"/>
+                </a:solidFill>
+                <a:latin typeface="Calibri"/>
+                <a:ea typeface="Calibri"/>
+                <a:cs typeface="Calibri"/>
+                <a:sym typeface="Calibri"/>
+              </a:rPr>
+              <a:t>Slack</a:t>
+            </a:r>
+            <a:r>
               <a:rPr lang="en" sz="1200">
                 <a:solidFill>
-                  <a:schemeClr val="dk1"/>
-                </a:solidFill>
-                <a:latin typeface="Calibri"/>
-                <a:ea typeface="Calibri"/>
-                <a:cs typeface="Calibri"/>
-                <a:sym typeface="Calibri"/>
-              </a:rPr>
-              <a:t>3. Use "Reinforce" command that spins up six concurrent agents (three Codex, three Opus 4.5). They analyze code for bugs, security breaches, UX/UI improvements, and performance.</a:t>
+                  <a:srgbClr val="3C78D8"/>
+                </a:solidFill>
+                <a:latin typeface="Calibri"/>
+                <a:ea typeface="Calibri"/>
+                <a:cs typeface="Calibri"/>
+                <a:sym typeface="Calibri"/>
+              </a:rPr>
+              <a:t> - Team communication</a:t>
             </a:r>
             <a:endParaRPr sz="1200">
               <a:solidFill>
-                <a:schemeClr val="dk1"/>
+                <a:srgbClr val="3C78D8"/>
               </a:solidFill>
               <a:latin typeface="Calibri"/>
               <a:ea typeface="Calibri"/>
@@ -46577,38 +48278,50 @@
             </a:endParaRPr>
           </a:p>
           <a:p>
-            <a:pPr marL="171450" marR="0" lvl="0" indent="-133350" algn="l" rtl="0">
-              <a:lnSpc>
-                <a:spcPct val="100000"/>
-              </a:lnSpc>
-              <a:spcBef>
-                <a:spcPts val="0"/>
-              </a:spcBef>
-              <a:spcAft>
-                <a:spcPts val="0"/>
-              </a:spcAft>
-              <a:buClr>
-                <a:schemeClr val="dk1"/>
+            <a:pPr marL="342900" marR="0" lvl="0" indent="-133350" algn="l" rtl="0">
+              <a:lnSpc>
+                <a:spcPct val="100000"/>
+              </a:lnSpc>
+              <a:spcBef>
+                <a:spcPts val="0"/>
+              </a:spcBef>
+              <a:spcAft>
+                <a:spcPts val="0"/>
+              </a:spcAft>
+              <a:buClr>
+                <a:srgbClr val="3C78D8"/>
               </a:buClr>
               <a:buSzPts val="1200"/>
               <a:buFont typeface="Calibri"/>
               <a:buChar char="●"/>
             </a:pPr>
             <a:r>
+              <a:rPr lang="en" sz="1200" b="1">
+                <a:solidFill>
+                  <a:srgbClr val="FF0000"/>
+                </a:solidFill>
+                <a:latin typeface="Calibri"/>
+                <a:ea typeface="Calibri"/>
+                <a:cs typeface="Calibri"/>
+                <a:sym typeface="Calibri"/>
+              </a:rPr>
+              <a:t>Salesforce Agentforce 360</a:t>
+            </a:r>
+            <a:r>
               <a:rPr lang="en" sz="1200">
                 <a:solidFill>
-                  <a:schemeClr val="dk1"/>
-                </a:solidFill>
-                <a:latin typeface="Calibri"/>
-                <a:ea typeface="Calibri"/>
-                <a:cs typeface="Calibri"/>
-                <a:sym typeface="Calibri"/>
-              </a:rPr>
-              <a:t>4. CLI status line to show context window usage (e.g., % of 200k tokens) and an error counter tracking number of errors</a:t>
+                  <a:srgbClr val="3C78D8"/>
+                </a:solidFill>
+                <a:latin typeface="Calibri"/>
+                <a:ea typeface="Calibri"/>
+                <a:cs typeface="Calibri"/>
+                <a:sym typeface="Calibri"/>
+              </a:rPr>
+              <a:t> is coming soon</a:t>
             </a:r>
             <a:endParaRPr sz="1200">
               <a:solidFill>
-                <a:schemeClr val="dk1"/>
+                <a:srgbClr val="3C78D8"/>
               </a:solidFill>
               <a:latin typeface="Calibri"/>
               <a:ea typeface="Calibri"/>
@@ -46616,91 +48329,18 @@
               <a:sym typeface="Calibri"/>
             </a:endParaRPr>
           </a:p>
-          <a:p>
-            <a:pPr marL="171450" marR="0" lvl="0" indent="-133350" algn="l" rtl="0">
-              <a:lnSpc>
-                <a:spcPct val="100000"/>
-              </a:lnSpc>
-              <a:spcBef>
-                <a:spcPts val="0"/>
-              </a:spcBef>
-              <a:spcAft>
-                <a:spcPts val="0"/>
-              </a:spcAft>
-              <a:buClr>
-                <a:schemeClr val="dk1"/>
-              </a:buClr>
-              <a:buSzPts val="1200"/>
-              <a:buFont typeface="Calibri"/>
-              <a:buChar char="●"/>
-            </a:pPr>
-            <a:r>
-              <a:rPr lang="en" sz="1200">
-                <a:solidFill>
-                  <a:schemeClr val="dk1"/>
-                </a:solidFill>
-                <a:latin typeface="Calibri"/>
-                <a:ea typeface="Calibri"/>
-                <a:cs typeface="Calibri"/>
-                <a:sym typeface="Calibri"/>
-              </a:rPr>
-              <a:t>5. A script to skim local conversation logs to identify recurring errors, helping to spot patterns in where the AI is struggling </a:t>
-            </a:r>
-            <a:endParaRPr sz="1200">
-              <a:solidFill>
-                <a:schemeClr val="dk1"/>
-              </a:solidFill>
-              <a:latin typeface="Calibri"/>
-              <a:ea typeface="Calibri"/>
-              <a:cs typeface="Calibri"/>
-              <a:sym typeface="Calibri"/>
-            </a:endParaRPr>
-          </a:p>
         </p:txBody>
       </p:sp>
-      <p:pic>
-        <p:nvPicPr>
-          <p:cNvPr id="184" name="Google Shape;184;p21"/>
-          <p:cNvPicPr preferRelativeResize="0"/>
-          <p:nvPr/>
-        </p:nvPicPr>
-        <p:blipFill>
-          <a:blip r:embed="rId4" cstate="email">
-            <a:alphaModFix/>
-            <a:extLst>
-              <a:ext uri="{28A0092B-C50C-407E-A947-70E740481C1C}">
-                <a14:useLocalDpi xmlns:a14="http://schemas.microsoft.com/office/drawing/2010/main"/>
-              </a:ext>
-            </a:extLst>
-          </a:blip>
-          <a:stretch>
-            <a:fillRect/>
-          </a:stretch>
-        </p:blipFill>
-        <p:spPr>
-          <a:xfrm>
-            <a:off x="4758275" y="179500"/>
-            <a:ext cx="1568025" cy="1568025"/>
-          </a:xfrm>
-          <a:prstGeom prst="rect">
-            <a:avLst/>
-          </a:prstGeom>
-          <a:noFill/>
-          <a:ln>
-            <a:noFill/>
-          </a:ln>
-        </p:spPr>
-      </p:pic>
       <p:sp>
         <p:nvSpPr>
-          <p:cNvPr id="185" name="Google Shape;185;p21"/>
+          <p:cNvPr id="184" name="Google Shape;184;p21"/>
           <p:cNvSpPr txBox="1"/>
           <p:nvPr/>
         </p:nvSpPr>
         <p:spPr>
           <a:xfrm>
-            <a:off x="4593225" y="2389450"/>
-            <a:ext cx="4465200" cy="2419500"/>
+            <a:off x="55075" y="2978375"/>
+            <a:ext cx="4465200" cy="2050200"/>
           </a:xfrm>
           <a:prstGeom prst="rect">
             <a:avLst/>
@@ -46742,6 +48382,18 @@
               <a:buChar char="●"/>
             </a:pPr>
             <a:r>
+              <a:rPr lang="en" sz="1200" b="1">
+                <a:solidFill>
+                  <a:srgbClr val="FF0000"/>
+                </a:solidFill>
+                <a:latin typeface="Calibri"/>
+                <a:ea typeface="Calibri"/>
+                <a:cs typeface="Calibri"/>
+                <a:sym typeface="Calibri"/>
+              </a:rPr>
+              <a:t>ChatGPT</a:t>
+            </a:r>
+            <a:r>
               <a:rPr lang="en" sz="1200">
                 <a:solidFill>
                   <a:schemeClr val="dk1"/>
@@ -46751,7 +48403,31 @@
                 <a:cs typeface="Calibri"/>
                 <a:sym typeface="Calibri"/>
               </a:rPr>
-              <a:t>6. Docker "YOLO" Mode - for research or tasks that don't require manual approval, run Claude Code in an isolated Docker container  using YOLO mode. This prevents the AI from cluttering local environment while avoiding constant permission prompts</a:t>
+              <a:t> offers a broader range of third-party app integrations through its </a:t>
+            </a:r>
+            <a:r>
+              <a:rPr lang="en" sz="1200" b="1">
+                <a:solidFill>
+                  <a:srgbClr val="FF0000"/>
+                </a:solidFill>
+                <a:latin typeface="Calibri"/>
+                <a:ea typeface="Calibri"/>
+                <a:cs typeface="Calibri"/>
+                <a:sym typeface="Calibri"/>
+              </a:rPr>
+              <a:t>App Store</a:t>
+            </a:r>
+            <a:r>
+              <a:rPr lang="en" sz="1200">
+                <a:solidFill>
+                  <a:schemeClr val="dk1"/>
+                </a:solidFill>
+                <a:latin typeface="Calibri"/>
+                <a:ea typeface="Calibri"/>
+                <a:cs typeface="Calibri"/>
+                <a:sym typeface="Calibri"/>
+              </a:rPr>
+              <a:t>, including: </a:t>
             </a:r>
             <a:endParaRPr sz="1200">
               <a:solidFill>
@@ -46764,38 +48440,50 @@
             </a:endParaRPr>
           </a:p>
           <a:p>
-            <a:pPr marL="171450" marR="0" lvl="0" indent="-133350" algn="l" rtl="0">
-              <a:lnSpc>
-                <a:spcPct val="100000"/>
-              </a:lnSpc>
-              <a:spcBef>
-                <a:spcPts val="0"/>
-              </a:spcBef>
-              <a:spcAft>
-                <a:spcPts val="0"/>
-              </a:spcAft>
-              <a:buClr>
-                <a:schemeClr val="dk1"/>
+            <a:pPr marL="342900" marR="0" lvl="0" indent="-133350" algn="l" rtl="0">
+              <a:lnSpc>
+                <a:spcPct val="100000"/>
+              </a:lnSpc>
+              <a:spcBef>
+                <a:spcPts val="0"/>
+              </a:spcBef>
+              <a:spcAft>
+                <a:spcPts val="0"/>
+              </a:spcAft>
+              <a:buClr>
+                <a:srgbClr val="3C78D8"/>
               </a:buClr>
               <a:buSzPts val="1200"/>
               <a:buFont typeface="Calibri"/>
               <a:buChar char="●"/>
             </a:pPr>
             <a:r>
+              <a:rPr lang="en" sz="1200" b="1">
+                <a:solidFill>
+                  <a:srgbClr val="FF0000"/>
+                </a:solidFill>
+                <a:latin typeface="Calibri"/>
+                <a:ea typeface="Calibri"/>
+                <a:cs typeface="Calibri"/>
+                <a:sym typeface="Calibri"/>
+              </a:rPr>
+              <a:t>Spotify</a:t>
+            </a:r>
+            <a:r>
               <a:rPr lang="en" sz="1200">
                 <a:solidFill>
-                  <a:schemeClr val="dk1"/>
-                </a:solidFill>
-                <a:latin typeface="Calibri"/>
-                <a:ea typeface="Calibri"/>
-                <a:cs typeface="Calibri"/>
-                <a:sym typeface="Calibri"/>
-              </a:rPr>
-              <a:t>7. "Thinking Critically" Skill - a custom command that forces Claude to challenge the user's assumptions, identify implicit constraints, perform trade-off analysis, and conduct a "failure-first" analysis before writing code </a:t>
+                  <a:srgbClr val="3C78D8"/>
+                </a:solidFill>
+                <a:latin typeface="Calibri"/>
+                <a:ea typeface="Calibri"/>
+                <a:cs typeface="Calibri"/>
+                <a:sym typeface="Calibri"/>
+              </a:rPr>
+              <a:t> - Music streaming and playlist creation</a:t>
             </a:r>
             <a:endParaRPr sz="1200">
               <a:solidFill>
-                <a:schemeClr val="dk1"/>
+                <a:srgbClr val="3C78D8"/>
               </a:solidFill>
               <a:latin typeface="Calibri"/>
               <a:ea typeface="Calibri"/>
@@ -46804,38 +48492,50 @@
             </a:endParaRPr>
           </a:p>
           <a:p>
-            <a:pPr marL="171450" marR="0" lvl="0" indent="-133350" algn="l" rtl="0">
-              <a:lnSpc>
-                <a:spcPct val="100000"/>
-              </a:lnSpc>
-              <a:spcBef>
-                <a:spcPts val="0"/>
-              </a:spcBef>
-              <a:spcAft>
-                <a:spcPts val="0"/>
-              </a:spcAft>
-              <a:buClr>
-                <a:schemeClr val="dk1"/>
+            <a:pPr marL="342900" marR="0" lvl="0" indent="-133350" algn="l" rtl="0">
+              <a:lnSpc>
+                <a:spcPct val="100000"/>
+              </a:lnSpc>
+              <a:spcBef>
+                <a:spcPts val="0"/>
+              </a:spcBef>
+              <a:spcAft>
+                <a:spcPts val="0"/>
+              </a:spcAft>
+              <a:buClr>
+                <a:srgbClr val="3C78D8"/>
               </a:buClr>
               <a:buSzPts val="1200"/>
               <a:buFont typeface="Calibri"/>
               <a:buChar char="●"/>
             </a:pPr>
             <a:r>
+              <a:rPr lang="en" sz="1200" b="1">
+                <a:solidFill>
+                  <a:srgbClr val="FF0000"/>
+                </a:solidFill>
+                <a:latin typeface="Calibri"/>
+                <a:ea typeface="Calibri"/>
+                <a:cs typeface="Calibri"/>
+                <a:sym typeface="Calibri"/>
+              </a:rPr>
+              <a:t>Canva</a:t>
+            </a:r>
+            <a:r>
               <a:rPr lang="en" sz="1200">
                 <a:solidFill>
-                  <a:schemeClr val="dk1"/>
-                </a:solidFill>
-                <a:latin typeface="Calibri"/>
-                <a:ea typeface="Calibri"/>
-                <a:cs typeface="Calibri"/>
-                <a:sym typeface="Calibri"/>
-              </a:rPr>
-              <a:t>Yaron mentions that he is becoming more selective about testing new AI repositories. He believes that if a third-party solution (like "Beads") is truly valuable, it will eventually be natively integrated into major tools like Claude Code or OpenCode, so he prefers to "double down" on what is already working</a:t>
+                  <a:srgbClr val="3C78D8"/>
+                </a:solidFill>
+                <a:latin typeface="Calibri"/>
+                <a:ea typeface="Calibri"/>
+                <a:cs typeface="Calibri"/>
+                <a:sym typeface="Calibri"/>
+              </a:rPr>
+              <a:t> - Design and graphics</a:t>
             </a:r>
             <a:endParaRPr sz="1200">
               <a:solidFill>
-                <a:schemeClr val="dk1"/>
+                <a:srgbClr val="3C78D8"/>
               </a:solidFill>
               <a:latin typeface="Calibri"/>
               <a:ea typeface="Calibri"/>
@@ -46843,25 +48543,391 @@
               <a:sym typeface="Calibri"/>
             </a:endParaRPr>
           </a:p>
+          <a:p>
+            <a:pPr marL="342900" marR="0" lvl="0" indent="-133350" algn="l" rtl="0">
+              <a:lnSpc>
+                <a:spcPct val="100000"/>
+              </a:lnSpc>
+              <a:spcBef>
+                <a:spcPts val="0"/>
+              </a:spcBef>
+              <a:spcAft>
+                <a:spcPts val="0"/>
+              </a:spcAft>
+              <a:buClr>
+                <a:srgbClr val="3C78D8"/>
+              </a:buClr>
+              <a:buSzPts val="1200"/>
+              <a:buFont typeface="Calibri"/>
+              <a:buChar char="●"/>
+            </a:pPr>
+            <a:r>
+              <a:rPr lang="en" sz="1200" b="1">
+                <a:solidFill>
+                  <a:srgbClr val="FF0000"/>
+                </a:solidFill>
+                <a:latin typeface="Calibri"/>
+                <a:ea typeface="Calibri"/>
+                <a:cs typeface="Calibri"/>
+                <a:sym typeface="Calibri"/>
+              </a:rPr>
+              <a:t>Figma</a:t>
+            </a:r>
+            <a:r>
+              <a:rPr lang="en" sz="1200">
+                <a:solidFill>
+                  <a:srgbClr val="3C78D8"/>
+                </a:solidFill>
+                <a:latin typeface="Calibri"/>
+                <a:ea typeface="Calibri"/>
+                <a:cs typeface="Calibri"/>
+                <a:sym typeface="Calibri"/>
+              </a:rPr>
+              <a:t> - Design collaboration</a:t>
+            </a:r>
+            <a:endParaRPr sz="1200">
+              <a:solidFill>
+                <a:srgbClr val="3C78D8"/>
+              </a:solidFill>
+              <a:latin typeface="Calibri"/>
+              <a:ea typeface="Calibri"/>
+              <a:cs typeface="Calibri"/>
+              <a:sym typeface="Calibri"/>
+            </a:endParaRPr>
+          </a:p>
+          <a:p>
+            <a:pPr marL="342900" marR="0" lvl="0" indent="-133350" algn="l" rtl="0">
+              <a:lnSpc>
+                <a:spcPct val="100000"/>
+              </a:lnSpc>
+              <a:spcBef>
+                <a:spcPts val="0"/>
+              </a:spcBef>
+              <a:spcAft>
+                <a:spcPts val="0"/>
+              </a:spcAft>
+              <a:buClr>
+                <a:srgbClr val="3C78D8"/>
+              </a:buClr>
+              <a:buSzPts val="1200"/>
+              <a:buFont typeface="Calibri"/>
+              <a:buChar char="●"/>
+            </a:pPr>
+            <a:r>
+              <a:rPr lang="en" sz="1200" b="1">
+                <a:solidFill>
+                  <a:srgbClr val="FF0000"/>
+                </a:solidFill>
+                <a:latin typeface="Calibri"/>
+                <a:ea typeface="Calibri"/>
+                <a:cs typeface="Calibri"/>
+                <a:sym typeface="Calibri"/>
+              </a:rPr>
+              <a:t>Booking.com</a:t>
+            </a:r>
+            <a:r>
+              <a:rPr lang="en" sz="1200">
+                <a:solidFill>
+                  <a:srgbClr val="3C78D8"/>
+                </a:solidFill>
+                <a:latin typeface="Calibri"/>
+                <a:ea typeface="Calibri"/>
+                <a:cs typeface="Calibri"/>
+                <a:sym typeface="Calibri"/>
+              </a:rPr>
+              <a:t> and</a:t>
+            </a:r>
+            <a:r>
+              <a:rPr lang="en" sz="1200" b="1">
+                <a:solidFill>
+                  <a:srgbClr val="FF0000"/>
+                </a:solidFill>
+                <a:latin typeface="Calibri"/>
+                <a:ea typeface="Calibri"/>
+                <a:cs typeface="Calibri"/>
+                <a:sym typeface="Calibri"/>
+              </a:rPr>
+              <a:t> Expedia</a:t>
+            </a:r>
+            <a:r>
+              <a:rPr lang="en" sz="1200">
+                <a:solidFill>
+                  <a:srgbClr val="3C78D8"/>
+                </a:solidFill>
+                <a:latin typeface="Calibri"/>
+                <a:ea typeface="Calibri"/>
+                <a:cs typeface="Calibri"/>
+                <a:sym typeface="Calibri"/>
+              </a:rPr>
+              <a:t> - Travel booking</a:t>
+            </a:r>
+            <a:endParaRPr sz="1200">
+              <a:solidFill>
+                <a:srgbClr val="3C78D8"/>
+              </a:solidFill>
+              <a:latin typeface="Calibri"/>
+              <a:ea typeface="Calibri"/>
+              <a:cs typeface="Calibri"/>
+              <a:sym typeface="Calibri"/>
+            </a:endParaRPr>
+          </a:p>
+          <a:p>
+            <a:pPr marL="342900" marR="0" lvl="0" indent="-133350" algn="l" rtl="0">
+              <a:lnSpc>
+                <a:spcPct val="100000"/>
+              </a:lnSpc>
+              <a:spcBef>
+                <a:spcPts val="0"/>
+              </a:spcBef>
+              <a:spcAft>
+                <a:spcPts val="0"/>
+              </a:spcAft>
+              <a:buClr>
+                <a:srgbClr val="3C78D8"/>
+              </a:buClr>
+              <a:buSzPts val="1200"/>
+              <a:buFont typeface="Calibri"/>
+              <a:buChar char="●"/>
+            </a:pPr>
+            <a:r>
+              <a:rPr lang="en" sz="1200" b="1">
+                <a:solidFill>
+                  <a:srgbClr val="FF0000"/>
+                </a:solidFill>
+                <a:latin typeface="Calibri"/>
+                <a:ea typeface="Calibri"/>
+                <a:cs typeface="Calibri"/>
+                <a:sym typeface="Calibri"/>
+              </a:rPr>
+              <a:t>Zillow</a:t>
+            </a:r>
+            <a:r>
+              <a:rPr lang="en" sz="1200">
+                <a:solidFill>
+                  <a:srgbClr val="3C78D8"/>
+                </a:solidFill>
+                <a:latin typeface="Calibri"/>
+                <a:ea typeface="Calibri"/>
+                <a:cs typeface="Calibri"/>
+                <a:sym typeface="Calibri"/>
+              </a:rPr>
+              <a:t> - Real estate search</a:t>
+            </a:r>
+            <a:endParaRPr sz="1200">
+              <a:solidFill>
+                <a:srgbClr val="3C78D8"/>
+              </a:solidFill>
+              <a:latin typeface="Calibri"/>
+              <a:ea typeface="Calibri"/>
+              <a:cs typeface="Calibri"/>
+              <a:sym typeface="Calibri"/>
+            </a:endParaRPr>
+          </a:p>
+          <a:p>
+            <a:pPr marL="342900" marR="0" lvl="0" indent="-133350" algn="l" rtl="0">
+              <a:lnSpc>
+                <a:spcPct val="100000"/>
+              </a:lnSpc>
+              <a:spcBef>
+                <a:spcPts val="0"/>
+              </a:spcBef>
+              <a:spcAft>
+                <a:spcPts val="0"/>
+              </a:spcAft>
+              <a:buClr>
+                <a:srgbClr val="3C78D8"/>
+              </a:buClr>
+              <a:buSzPts val="1200"/>
+              <a:buFont typeface="Calibri"/>
+              <a:buChar char="●"/>
+            </a:pPr>
+            <a:r>
+              <a:rPr lang="en" sz="1200" b="1">
+                <a:solidFill>
+                  <a:srgbClr val="FF0000"/>
+                </a:solidFill>
+                <a:latin typeface="Calibri"/>
+                <a:ea typeface="Calibri"/>
+                <a:cs typeface="Calibri"/>
+                <a:sym typeface="Calibri"/>
+              </a:rPr>
+              <a:t>Coursera</a:t>
+            </a:r>
+            <a:r>
+              <a:rPr lang="en" sz="1200">
+                <a:solidFill>
+                  <a:srgbClr val="3C78D8"/>
+                </a:solidFill>
+                <a:latin typeface="Calibri"/>
+                <a:ea typeface="Calibri"/>
+                <a:cs typeface="Calibri"/>
+                <a:sym typeface="Calibri"/>
+              </a:rPr>
+              <a:t> - Educational content</a:t>
+            </a:r>
+            <a:endParaRPr sz="1200">
+              <a:solidFill>
+                <a:srgbClr val="3C78D8"/>
+              </a:solidFill>
+              <a:latin typeface="Calibri"/>
+              <a:ea typeface="Calibri"/>
+              <a:cs typeface="Calibri"/>
+              <a:sym typeface="Calibri"/>
+            </a:endParaRPr>
+          </a:p>
+          <a:p>
+            <a:pPr marL="342900" marR="0" lvl="0" indent="-133350" algn="l" rtl="0">
+              <a:lnSpc>
+                <a:spcPct val="100000"/>
+              </a:lnSpc>
+              <a:spcBef>
+                <a:spcPts val="0"/>
+              </a:spcBef>
+              <a:spcAft>
+                <a:spcPts val="0"/>
+              </a:spcAft>
+              <a:buClr>
+                <a:srgbClr val="3C78D8"/>
+              </a:buClr>
+              <a:buSzPts val="1200"/>
+              <a:buFont typeface="Calibri"/>
+              <a:buChar char="●"/>
+            </a:pPr>
+            <a:r>
+              <a:rPr lang="en" sz="1200" b="1">
+                <a:solidFill>
+                  <a:srgbClr val="FF0000"/>
+                </a:solidFill>
+                <a:latin typeface="Calibri"/>
+                <a:ea typeface="Calibri"/>
+                <a:cs typeface="Calibri"/>
+                <a:sym typeface="Calibri"/>
+              </a:rPr>
+              <a:t>DoorDash</a:t>
+            </a:r>
+            <a:r>
+              <a:rPr lang="en" sz="1200">
+                <a:solidFill>
+                  <a:srgbClr val="3C78D8"/>
+                </a:solidFill>
+                <a:latin typeface="Calibri"/>
+                <a:ea typeface="Calibri"/>
+                <a:cs typeface="Calibri"/>
+                <a:sym typeface="Calibri"/>
+              </a:rPr>
+              <a:t> and</a:t>
+            </a:r>
+            <a:r>
+              <a:rPr lang="en" sz="1200" b="1">
+                <a:solidFill>
+                  <a:srgbClr val="FF0000"/>
+                </a:solidFill>
+                <a:latin typeface="Calibri"/>
+                <a:ea typeface="Calibri"/>
+                <a:cs typeface="Calibri"/>
+                <a:sym typeface="Calibri"/>
+              </a:rPr>
+              <a:t> Uber</a:t>
+            </a:r>
+            <a:r>
+              <a:rPr lang="en" sz="1200">
+                <a:solidFill>
+                  <a:srgbClr val="3C78D8"/>
+                </a:solidFill>
+                <a:latin typeface="Calibri"/>
+                <a:ea typeface="Calibri"/>
+                <a:cs typeface="Calibri"/>
+                <a:sym typeface="Calibri"/>
+              </a:rPr>
+              <a:t> - Food delivery and transportation</a:t>
+            </a:r>
+            <a:endParaRPr sz="1200">
+              <a:solidFill>
+                <a:srgbClr val="3C78D8"/>
+              </a:solidFill>
+              <a:latin typeface="Calibri"/>
+              <a:ea typeface="Calibri"/>
+              <a:cs typeface="Calibri"/>
+              <a:sym typeface="Calibri"/>
+            </a:endParaRPr>
+          </a:p>
+          <a:p>
+            <a:pPr marL="342900" marR="0" lvl="0" indent="-133350" algn="l" rtl="0">
+              <a:lnSpc>
+                <a:spcPct val="100000"/>
+              </a:lnSpc>
+              <a:spcBef>
+                <a:spcPts val="0"/>
+              </a:spcBef>
+              <a:spcAft>
+                <a:spcPts val="0"/>
+              </a:spcAft>
+              <a:buClr>
+                <a:srgbClr val="3C78D8"/>
+              </a:buClr>
+              <a:buSzPts val="1200"/>
+              <a:buFont typeface="Calibri"/>
+              <a:buChar char="●"/>
+            </a:pPr>
+            <a:r>
+              <a:rPr lang="en" sz="1200" b="1">
+                <a:solidFill>
+                  <a:srgbClr val="FF0000"/>
+                </a:solidFill>
+                <a:latin typeface="Calibri"/>
+                <a:ea typeface="Calibri"/>
+                <a:cs typeface="Calibri"/>
+                <a:sym typeface="Calibri"/>
+              </a:rPr>
+              <a:t>Zapier</a:t>
+            </a:r>
+            <a:r>
+              <a:rPr lang="en" sz="1200">
+                <a:solidFill>
+                  <a:srgbClr val="3C78D8"/>
+                </a:solidFill>
+                <a:latin typeface="Calibri"/>
+                <a:ea typeface="Calibri"/>
+                <a:cs typeface="Calibri"/>
+                <a:sym typeface="Calibri"/>
+              </a:rPr>
+              <a:t> - Automation with 5,000+ apps (Gmail, Slack, Google Sheets, HubSpot, etc.)</a:t>
+            </a:r>
+            <a:endParaRPr sz="1200">
+              <a:solidFill>
+                <a:srgbClr val="3C78D8"/>
+              </a:solidFill>
+              <a:latin typeface="Calibri"/>
+              <a:ea typeface="Calibri"/>
+              <a:cs typeface="Calibri"/>
+              <a:sym typeface="Calibri"/>
+            </a:endParaRPr>
+          </a:p>
         </p:txBody>
       </p:sp>
-      <p:sp>
-        <p:nvSpPr>
-          <p:cNvPr id="186" name="Google Shape;186;p21"/>
-          <p:cNvSpPr txBox="1"/>
+      <p:pic>
+        <p:nvPicPr>
+          <p:cNvPr id="185" name="Google Shape;185;p21"/>
+          <p:cNvPicPr preferRelativeResize="0"/>
           <p:nvPr/>
-        </p:nvSpPr>
+        </p:nvPicPr>
+        <p:blipFill>
+          <a:blip r:embed="rId3">
+            <a:alphaModFix/>
+          </a:blip>
+          <a:stretch>
+            <a:fillRect/>
+          </a:stretch>
+        </p:blipFill>
         <p:spPr>
           <a:xfrm>
-            <a:off x="4914075" y="1747525"/>
-            <a:ext cx="1256400" cy="234000"/>
+            <a:off x="5012075" y="782425"/>
+            <a:ext cx="2867025" cy="1600200"/>
           </a:xfrm>
           <a:prstGeom prst="rect">
             <a:avLst/>
           </a:prstGeom>
-          <a:solidFill>
-            <a:srgbClr val="FFF2CC"/>
-          </a:solidFill>
+          <a:noFill/>
           <a:ln w="9525" cap="flat" cmpd="sng">
             <a:solidFill>
               <a:srgbClr val="FF0000"/>
@@ -46872,48 +48938,41 @@
             <a:tailEnd type="none" w="sm" len="sm"/>
           </a:ln>
         </p:spPr>
-        <p:txBody>
-          <a:bodyPr spcFirstLastPara="1" wrap="square" lIns="9125" tIns="9125" rIns="9125" bIns="9125" anchor="t" anchorCtr="0">
-            <a:spAutoFit/>
-          </a:bodyPr>
-          <a:lstStyle/>
-          <a:p>
-            <a:pPr marL="0" marR="0" lvl="0" indent="0" algn="ctr" rtl="0">
-              <a:lnSpc>
-                <a:spcPct val="100000"/>
-              </a:lnSpc>
-              <a:spcBef>
-                <a:spcPts val="0"/>
-              </a:spcBef>
-              <a:spcAft>
-                <a:spcPts val="0"/>
-              </a:spcAft>
-              <a:buNone/>
-            </a:pPr>
-            <a:r>
-              <a:rPr lang="en" b="1">
-                <a:solidFill>
-                  <a:schemeClr val="dk1"/>
-                </a:solidFill>
-                <a:latin typeface="Calibri"/>
-                <a:ea typeface="Calibri"/>
-                <a:cs typeface="Calibri"/>
-                <a:sym typeface="Calibri"/>
-              </a:rPr>
-              <a:t>Yaron Been</a:t>
-            </a:r>
-            <a:endParaRPr b="1">
-              <a:solidFill>
-                <a:schemeClr val="dk1"/>
-              </a:solidFill>
-              <a:latin typeface="Calibri"/>
-              <a:ea typeface="Calibri"/>
-              <a:cs typeface="Calibri"/>
-              <a:sym typeface="Calibri"/>
-            </a:endParaRPr>
-          </a:p>
-        </p:txBody>
-      </p:sp>
+      </p:pic>
+      <p:pic>
+        <p:nvPicPr>
+          <p:cNvPr id="186" name="Google Shape;186;p21"/>
+          <p:cNvPicPr preferRelativeResize="0"/>
+          <p:nvPr/>
+        </p:nvPicPr>
+        <p:blipFill>
+          <a:blip r:embed="rId4">
+            <a:alphaModFix/>
+          </a:blip>
+          <a:stretch>
+            <a:fillRect/>
+          </a:stretch>
+        </p:blipFill>
+        <p:spPr>
+          <a:xfrm>
+            <a:off x="5212100" y="3079550"/>
+            <a:ext cx="2466975" cy="1847850"/>
+          </a:xfrm>
+          <a:prstGeom prst="rect">
+            <a:avLst/>
+          </a:prstGeom>
+          <a:noFill/>
+          <a:ln w="9525" cap="flat" cmpd="sng">
+            <a:solidFill>
+              <a:srgbClr val="FF0000"/>
+            </a:solidFill>
+            <a:prstDash val="solid"/>
+            <a:round/>
+            <a:headEnd type="none" w="sm" len="sm"/>
+            <a:tailEnd type="none" w="sm" len="sm"/>
+          </a:ln>
+        </p:spPr>
+      </p:pic>
     </p:spTree>
   </p:cSld>
   <p:clrMapOvr>
@@ -46991,7 +49050,7 @@
                 <a:cs typeface="Calibri"/>
                 <a:sym typeface="Calibri"/>
               </a:rPr>
-              <a:t>Jensen Huang: "Stop Coding"</a:t>
+              <a:t>Claude Code Updates</a:t>
             </a:r>
             <a:endParaRPr sz="2000" b="1">
               <a:solidFill>
@@ -47065,6 +49124,880 @@
                 <a:cs typeface="Calibri"/>
                 <a:sym typeface="Calibri"/>
               </a:rPr>
+              <a:t>Key Claude Code Updates and tweaks by Yaron Been</a:t>
+            </a:r>
+            <a:endParaRPr sz="1200">
+              <a:solidFill>
+                <a:schemeClr val="dk1"/>
+              </a:solidFill>
+              <a:latin typeface="Calibri"/>
+              <a:ea typeface="Calibri"/>
+              <a:cs typeface="Calibri"/>
+              <a:sym typeface="Calibri"/>
+            </a:endParaRPr>
+          </a:p>
+          <a:p>
+            <a:pPr marL="171450" marR="0" lvl="0" indent="-133350" algn="l" rtl="0">
+              <a:lnSpc>
+                <a:spcPct val="100000"/>
+              </a:lnSpc>
+              <a:spcBef>
+                <a:spcPts val="0"/>
+              </a:spcBef>
+              <a:spcAft>
+                <a:spcPts val="0"/>
+              </a:spcAft>
+              <a:buClr>
+                <a:schemeClr val="dk1"/>
+              </a:buClr>
+              <a:buSzPts val="1200"/>
+              <a:buFont typeface="Calibri"/>
+              <a:buChar char="●"/>
+            </a:pPr>
+            <a:r>
+              <a:rPr lang="en" sz="1200">
+                <a:solidFill>
+                  <a:schemeClr val="dk1"/>
+                </a:solidFill>
+                <a:latin typeface="Calibri"/>
+                <a:ea typeface="Calibri"/>
+                <a:cs typeface="Calibri"/>
+                <a:sym typeface="Calibri"/>
+              </a:rPr>
+              <a:t>Main update - Native Persistent Memory</a:t>
+            </a:r>
+            <a:endParaRPr sz="1200">
+              <a:solidFill>
+                <a:schemeClr val="dk1"/>
+              </a:solidFill>
+              <a:latin typeface="Calibri"/>
+              <a:ea typeface="Calibri"/>
+              <a:cs typeface="Calibri"/>
+              <a:sym typeface="Calibri"/>
+            </a:endParaRPr>
+          </a:p>
+          <a:p>
+            <a:pPr marL="171450" marR="0" lvl="0" indent="-133350" algn="l" rtl="0">
+              <a:lnSpc>
+                <a:spcPct val="100000"/>
+              </a:lnSpc>
+              <a:spcBef>
+                <a:spcPts val="0"/>
+              </a:spcBef>
+              <a:spcAft>
+                <a:spcPts val="0"/>
+              </a:spcAft>
+              <a:buClr>
+                <a:schemeClr val="dk1"/>
+              </a:buClr>
+              <a:buSzPts val="1200"/>
+              <a:buFont typeface="Calibri"/>
+              <a:buChar char="●"/>
+            </a:pPr>
+            <a:r>
+              <a:rPr lang="en" sz="1200" u="sng">
+                <a:solidFill>
+                  <a:schemeClr val="hlink"/>
+                </a:solidFill>
+                <a:latin typeface="Calibri"/>
+                <a:ea typeface="Calibri"/>
+                <a:cs typeface="Calibri"/>
+                <a:sym typeface="Calibri"/>
+                <a:hlinkClick r:id="rId3"/>
+              </a:rPr>
+              <a:t>http://www.youtube.com/watch?v=AbGBM-aGDJw</a:t>
+            </a:r>
+            <a:r>
+              <a:rPr lang="en" sz="1200">
+                <a:solidFill>
+                  <a:schemeClr val="dk1"/>
+                </a:solidFill>
+                <a:latin typeface="Calibri"/>
+                <a:ea typeface="Calibri"/>
+                <a:cs typeface="Calibri"/>
+                <a:sym typeface="Calibri"/>
+              </a:rPr>
+              <a:t> </a:t>
+            </a:r>
+            <a:endParaRPr sz="1200">
+              <a:solidFill>
+                <a:schemeClr val="dk1"/>
+              </a:solidFill>
+              <a:latin typeface="Calibri"/>
+              <a:ea typeface="Calibri"/>
+              <a:cs typeface="Calibri"/>
+              <a:sym typeface="Calibri"/>
+            </a:endParaRPr>
+          </a:p>
+          <a:p>
+            <a:pPr marL="171450" marR="0" lvl="0" indent="-133350" algn="l" rtl="0">
+              <a:lnSpc>
+                <a:spcPct val="100000"/>
+              </a:lnSpc>
+              <a:spcBef>
+                <a:spcPts val="0"/>
+              </a:spcBef>
+              <a:spcAft>
+                <a:spcPts val="0"/>
+              </a:spcAft>
+              <a:buClr>
+                <a:schemeClr val="dk1"/>
+              </a:buClr>
+              <a:buSzPts val="1200"/>
+              <a:buFont typeface="Calibri"/>
+              <a:buChar char="●"/>
+            </a:pPr>
+            <a:r>
+              <a:rPr lang="en" sz="1200">
+                <a:solidFill>
+                  <a:schemeClr val="dk1"/>
+                </a:solidFill>
+                <a:latin typeface="Calibri"/>
+                <a:ea typeface="Calibri"/>
+                <a:cs typeface="Calibri"/>
+                <a:sym typeface="Calibri"/>
+              </a:rPr>
+              <a:t>Tasks &amp; Dependencies - Claude can now create tasks with dependencies that are stored in metadata and the file system</a:t>
+            </a:r>
+            <a:endParaRPr sz="1200">
+              <a:solidFill>
+                <a:schemeClr val="dk1"/>
+              </a:solidFill>
+              <a:latin typeface="Calibri"/>
+              <a:ea typeface="Calibri"/>
+              <a:cs typeface="Calibri"/>
+              <a:sym typeface="Calibri"/>
+            </a:endParaRPr>
+          </a:p>
+          <a:p>
+            <a:pPr marL="171450" marR="0" lvl="0" indent="-133350" algn="l" rtl="0">
+              <a:lnSpc>
+                <a:spcPct val="100000"/>
+              </a:lnSpc>
+              <a:spcBef>
+                <a:spcPts val="0"/>
+              </a:spcBef>
+              <a:spcAft>
+                <a:spcPts val="0"/>
+              </a:spcAft>
+              <a:buClr>
+                <a:schemeClr val="dk1"/>
+              </a:buClr>
+              <a:buSzPts val="1200"/>
+              <a:buFont typeface="Calibri"/>
+              <a:buChar char="●"/>
+            </a:pPr>
+            <a:r>
+              <a:rPr lang="en" sz="1200">
+                <a:solidFill>
+                  <a:schemeClr val="dk1"/>
+                </a:solidFill>
+                <a:latin typeface="Calibri"/>
+                <a:ea typeface="Calibri"/>
+                <a:cs typeface="Calibri"/>
+                <a:sym typeface="Calibri"/>
+              </a:rPr>
+              <a:t>Collaboration - Multiple sessions or sub-agents can collaborate on the same task list, and updates are broadcasted across all active sessions </a:t>
+            </a:r>
+            <a:endParaRPr sz="1200">
+              <a:solidFill>
+                <a:schemeClr val="dk1"/>
+              </a:solidFill>
+              <a:latin typeface="Calibri"/>
+              <a:ea typeface="Calibri"/>
+              <a:cs typeface="Calibri"/>
+              <a:sym typeface="Calibri"/>
+            </a:endParaRPr>
+          </a:p>
+          <a:p>
+            <a:pPr marL="171450" marR="0" lvl="0" indent="-133350" algn="l" rtl="0">
+              <a:lnSpc>
+                <a:spcPct val="100000"/>
+              </a:lnSpc>
+              <a:spcBef>
+                <a:spcPts val="0"/>
+              </a:spcBef>
+              <a:spcAft>
+                <a:spcPts val="0"/>
+              </a:spcAft>
+              <a:buClr>
+                <a:schemeClr val="dk1"/>
+              </a:buClr>
+              <a:buSzPts val="1200"/>
+              <a:buFont typeface="Calibri"/>
+              <a:buChar char="●"/>
+            </a:pPr>
+            <a:r>
+              <a:rPr lang="en" sz="1200">
+                <a:solidFill>
+                  <a:schemeClr val="dk1"/>
+                </a:solidFill>
+                <a:latin typeface="Calibri"/>
+                <a:ea typeface="Calibri"/>
+                <a:cs typeface="Calibri"/>
+                <a:sym typeface="Calibri"/>
+              </a:rPr>
+              <a:t>Replacement for "Beads" the native solution replaces the need for third-party repositories like "Beads," which previously handled persistent to-do lists for AI agents</a:t>
+            </a:r>
+            <a:endParaRPr sz="1200">
+              <a:solidFill>
+                <a:schemeClr val="dk1"/>
+              </a:solidFill>
+              <a:latin typeface="Calibri"/>
+              <a:ea typeface="Calibri"/>
+              <a:cs typeface="Calibri"/>
+              <a:sym typeface="Calibri"/>
+            </a:endParaRPr>
+          </a:p>
+          <a:p>
+            <a:pPr marL="171450" marR="0" lvl="0" indent="-133350" algn="l" rtl="0">
+              <a:lnSpc>
+                <a:spcPct val="100000"/>
+              </a:lnSpc>
+              <a:spcBef>
+                <a:spcPts val="0"/>
+              </a:spcBef>
+              <a:spcAft>
+                <a:spcPts val="0"/>
+              </a:spcAft>
+              <a:buClr>
+                <a:schemeClr val="dk1"/>
+              </a:buClr>
+              <a:buSzPts val="1200"/>
+              <a:buFont typeface="Calibri"/>
+              <a:buChar char="●"/>
+            </a:pPr>
+            <a:r>
+              <a:rPr lang="en" sz="1200">
+                <a:solidFill>
+                  <a:schemeClr val="dk1"/>
+                </a:solidFill>
+                <a:latin typeface="Calibri"/>
+                <a:ea typeface="Calibri"/>
+                <a:cs typeface="Calibri"/>
+                <a:sym typeface="Calibri"/>
+              </a:rPr>
+              <a:t>New Workflow Enhancements &amp; Skills</a:t>
+            </a:r>
+            <a:endParaRPr sz="1200">
+              <a:solidFill>
+                <a:schemeClr val="dk1"/>
+              </a:solidFill>
+              <a:latin typeface="Calibri"/>
+              <a:ea typeface="Calibri"/>
+              <a:cs typeface="Calibri"/>
+              <a:sym typeface="Calibri"/>
+            </a:endParaRPr>
+          </a:p>
+          <a:p>
+            <a:pPr marL="171450" marR="0" lvl="0" indent="-133350" algn="l" rtl="0">
+              <a:lnSpc>
+                <a:spcPct val="100000"/>
+              </a:lnSpc>
+              <a:spcBef>
+                <a:spcPts val="0"/>
+              </a:spcBef>
+              <a:spcAft>
+                <a:spcPts val="0"/>
+              </a:spcAft>
+              <a:buClr>
+                <a:schemeClr val="dk1"/>
+              </a:buClr>
+              <a:buSzPts val="1200"/>
+              <a:buFont typeface="Calibri"/>
+              <a:buChar char="●"/>
+            </a:pPr>
+            <a:r>
+              <a:rPr lang="en" sz="1200">
+                <a:solidFill>
+                  <a:schemeClr val="dk1"/>
+                </a:solidFill>
+                <a:latin typeface="Calibri"/>
+                <a:ea typeface="Calibri"/>
+                <a:cs typeface="Calibri"/>
+                <a:sym typeface="Calibri"/>
+              </a:rPr>
+              <a:t>1. Test-Driven Development (TDD) in Plan Mode - write tests first in Claude's "plan mode" </a:t>
+            </a:r>
+            <a:endParaRPr sz="1200">
+              <a:solidFill>
+                <a:schemeClr val="dk1"/>
+              </a:solidFill>
+              <a:latin typeface="Calibri"/>
+              <a:ea typeface="Calibri"/>
+              <a:cs typeface="Calibri"/>
+              <a:sym typeface="Calibri"/>
+            </a:endParaRPr>
+          </a:p>
+          <a:p>
+            <a:pPr marL="171450" marR="0" lvl="0" indent="-133350" algn="l" rtl="0">
+              <a:lnSpc>
+                <a:spcPct val="100000"/>
+              </a:lnSpc>
+              <a:spcBef>
+                <a:spcPts val="0"/>
+              </a:spcBef>
+              <a:spcAft>
+                <a:spcPts val="0"/>
+              </a:spcAft>
+              <a:buClr>
+                <a:schemeClr val="dk1"/>
+              </a:buClr>
+              <a:buSzPts val="1200"/>
+              <a:buFont typeface="Calibri"/>
+              <a:buChar char="●"/>
+            </a:pPr>
+            <a:r>
+              <a:rPr lang="en" sz="1200">
+                <a:solidFill>
+                  <a:schemeClr val="dk1"/>
+                </a:solidFill>
+                <a:latin typeface="Calibri"/>
+                <a:ea typeface="Calibri"/>
+                <a:cs typeface="Calibri"/>
+                <a:sym typeface="Calibri"/>
+              </a:rPr>
+              <a:t>2. Use Codex MCP  to write the tests and Claude to write the code to pass them, leveraging the different "perspectives" of the two models</a:t>
+            </a:r>
+            <a:endParaRPr sz="1200">
+              <a:solidFill>
+                <a:schemeClr val="dk1"/>
+              </a:solidFill>
+              <a:latin typeface="Calibri"/>
+              <a:ea typeface="Calibri"/>
+              <a:cs typeface="Calibri"/>
+              <a:sym typeface="Calibri"/>
+            </a:endParaRPr>
+          </a:p>
+          <a:p>
+            <a:pPr marL="171450" marR="0" lvl="0" indent="-133350" algn="l" rtl="0">
+              <a:lnSpc>
+                <a:spcPct val="100000"/>
+              </a:lnSpc>
+              <a:spcBef>
+                <a:spcPts val="0"/>
+              </a:spcBef>
+              <a:spcAft>
+                <a:spcPts val="0"/>
+              </a:spcAft>
+              <a:buClr>
+                <a:schemeClr val="dk1"/>
+              </a:buClr>
+              <a:buSzPts val="1200"/>
+              <a:buFont typeface="Calibri"/>
+              <a:buChar char="●"/>
+            </a:pPr>
+            <a:r>
+              <a:rPr lang="en" sz="1200">
+                <a:solidFill>
+                  <a:schemeClr val="dk1"/>
+                </a:solidFill>
+                <a:latin typeface="Calibri"/>
+                <a:ea typeface="Calibri"/>
+                <a:cs typeface="Calibri"/>
+                <a:sym typeface="Calibri"/>
+              </a:rPr>
+              <a:t>3. Use "Reinforce" command that spins up six concurrent agents (three Codex, three Opus 4.5). They analyze code for bugs, security breaches, UX/UI improvements, and performance.</a:t>
+            </a:r>
+            <a:endParaRPr sz="1200">
+              <a:solidFill>
+                <a:schemeClr val="dk1"/>
+              </a:solidFill>
+              <a:latin typeface="Calibri"/>
+              <a:ea typeface="Calibri"/>
+              <a:cs typeface="Calibri"/>
+              <a:sym typeface="Calibri"/>
+            </a:endParaRPr>
+          </a:p>
+          <a:p>
+            <a:pPr marL="171450" marR="0" lvl="0" indent="-133350" algn="l" rtl="0">
+              <a:lnSpc>
+                <a:spcPct val="100000"/>
+              </a:lnSpc>
+              <a:spcBef>
+                <a:spcPts val="0"/>
+              </a:spcBef>
+              <a:spcAft>
+                <a:spcPts val="0"/>
+              </a:spcAft>
+              <a:buClr>
+                <a:schemeClr val="dk1"/>
+              </a:buClr>
+              <a:buSzPts val="1200"/>
+              <a:buFont typeface="Calibri"/>
+              <a:buChar char="●"/>
+            </a:pPr>
+            <a:r>
+              <a:rPr lang="en" sz="1200">
+                <a:solidFill>
+                  <a:schemeClr val="dk1"/>
+                </a:solidFill>
+                <a:latin typeface="Calibri"/>
+                <a:ea typeface="Calibri"/>
+                <a:cs typeface="Calibri"/>
+                <a:sym typeface="Calibri"/>
+              </a:rPr>
+              <a:t>4. CLI status line to show context window usage (e.g., % of 200k tokens) and an error counter tracking number of errors</a:t>
+            </a:r>
+            <a:endParaRPr sz="1200">
+              <a:solidFill>
+                <a:schemeClr val="dk1"/>
+              </a:solidFill>
+              <a:latin typeface="Calibri"/>
+              <a:ea typeface="Calibri"/>
+              <a:cs typeface="Calibri"/>
+              <a:sym typeface="Calibri"/>
+            </a:endParaRPr>
+          </a:p>
+          <a:p>
+            <a:pPr marL="171450" marR="0" lvl="0" indent="-133350" algn="l" rtl="0">
+              <a:lnSpc>
+                <a:spcPct val="100000"/>
+              </a:lnSpc>
+              <a:spcBef>
+                <a:spcPts val="0"/>
+              </a:spcBef>
+              <a:spcAft>
+                <a:spcPts val="0"/>
+              </a:spcAft>
+              <a:buClr>
+                <a:schemeClr val="dk1"/>
+              </a:buClr>
+              <a:buSzPts val="1200"/>
+              <a:buFont typeface="Calibri"/>
+              <a:buChar char="●"/>
+            </a:pPr>
+            <a:r>
+              <a:rPr lang="en" sz="1200">
+                <a:solidFill>
+                  <a:schemeClr val="dk1"/>
+                </a:solidFill>
+                <a:latin typeface="Calibri"/>
+                <a:ea typeface="Calibri"/>
+                <a:cs typeface="Calibri"/>
+                <a:sym typeface="Calibri"/>
+              </a:rPr>
+              <a:t>5. A script to skim local conversation logs to identify recurring errors, helping to spot patterns in where the AI is struggling </a:t>
+            </a:r>
+            <a:endParaRPr sz="1200">
+              <a:solidFill>
+                <a:schemeClr val="dk1"/>
+              </a:solidFill>
+              <a:latin typeface="Calibri"/>
+              <a:ea typeface="Calibri"/>
+              <a:cs typeface="Calibri"/>
+              <a:sym typeface="Calibri"/>
+            </a:endParaRPr>
+          </a:p>
+        </p:txBody>
+      </p:sp>
+      <p:pic>
+        <p:nvPicPr>
+          <p:cNvPr id="193" name="Google Shape;193;p22"/>
+          <p:cNvPicPr preferRelativeResize="0"/>
+          <p:nvPr/>
+        </p:nvPicPr>
+        <p:blipFill>
+          <a:blip r:embed="rId4" cstate="email">
+            <a:alphaModFix/>
+            <a:extLst>
+              <a:ext uri="{28A0092B-C50C-407E-A947-70E740481C1C}">
+                <a14:useLocalDpi xmlns:a14="http://schemas.microsoft.com/office/drawing/2010/main"/>
+              </a:ext>
+            </a:extLst>
+          </a:blip>
+          <a:stretch>
+            <a:fillRect/>
+          </a:stretch>
+        </p:blipFill>
+        <p:spPr>
+          <a:xfrm>
+            <a:off x="4758275" y="179500"/>
+            <a:ext cx="1568025" cy="1568025"/>
+          </a:xfrm>
+          <a:prstGeom prst="rect">
+            <a:avLst/>
+          </a:prstGeom>
+          <a:noFill/>
+          <a:ln>
+            <a:noFill/>
+          </a:ln>
+        </p:spPr>
+      </p:pic>
+      <p:sp>
+        <p:nvSpPr>
+          <p:cNvPr id="194" name="Google Shape;194;p22"/>
+          <p:cNvSpPr txBox="1"/>
+          <p:nvPr/>
+        </p:nvSpPr>
+        <p:spPr>
+          <a:xfrm>
+            <a:off x="4593225" y="2389450"/>
+            <a:ext cx="4465200" cy="2419500"/>
+          </a:xfrm>
+          <a:prstGeom prst="rect">
+            <a:avLst/>
+          </a:prstGeom>
+          <a:solidFill>
+            <a:srgbClr val="FFF2CC"/>
+          </a:solidFill>
+          <a:ln w="9525" cap="flat" cmpd="sng">
+            <a:solidFill>
+              <a:srgbClr val="FF0000"/>
+            </a:solidFill>
+            <a:prstDash val="solid"/>
+            <a:round/>
+            <a:headEnd type="none" w="sm" len="sm"/>
+            <a:tailEnd type="none" w="sm" len="sm"/>
+          </a:ln>
+        </p:spPr>
+        <p:txBody>
+          <a:bodyPr spcFirstLastPara="1" wrap="square" lIns="9125" tIns="9125" rIns="9125" bIns="9125" anchor="t" anchorCtr="0">
+            <a:spAutoFit/>
+          </a:bodyPr>
+          <a:lstStyle/>
+          <a:p>
+            <a:pPr marL="171450" marR="0" lvl="0" indent="-133350" algn="l" rtl="0">
+              <a:lnSpc>
+                <a:spcPct val="100000"/>
+              </a:lnSpc>
+              <a:spcBef>
+                <a:spcPts val="0"/>
+              </a:spcBef>
+              <a:spcAft>
+                <a:spcPts val="0"/>
+              </a:spcAft>
+              <a:buClr>
+                <a:schemeClr val="dk1"/>
+              </a:buClr>
+              <a:buSzPts val="1200"/>
+              <a:buFont typeface="Calibri"/>
+              <a:buChar char="●"/>
+            </a:pPr>
+            <a:r>
+              <a:rPr lang="en" sz="1200">
+                <a:solidFill>
+                  <a:schemeClr val="dk1"/>
+                </a:solidFill>
+                <a:latin typeface="Calibri"/>
+                <a:ea typeface="Calibri"/>
+                <a:cs typeface="Calibri"/>
+                <a:sym typeface="Calibri"/>
+              </a:rPr>
+              <a:t>6. Docker "YOLO" Mode - for research or tasks that don't require manual approval, run Claude Code in an isolated Docker container  using YOLO mode. This prevents the AI from cluttering local environment while avoiding constant permission prompts</a:t>
+            </a:r>
+            <a:endParaRPr sz="1200">
+              <a:solidFill>
+                <a:schemeClr val="dk1"/>
+              </a:solidFill>
+              <a:latin typeface="Calibri"/>
+              <a:ea typeface="Calibri"/>
+              <a:cs typeface="Calibri"/>
+              <a:sym typeface="Calibri"/>
+            </a:endParaRPr>
+          </a:p>
+          <a:p>
+            <a:pPr marL="171450" marR="0" lvl="0" indent="-133350" algn="l" rtl="0">
+              <a:lnSpc>
+                <a:spcPct val="100000"/>
+              </a:lnSpc>
+              <a:spcBef>
+                <a:spcPts val="0"/>
+              </a:spcBef>
+              <a:spcAft>
+                <a:spcPts val="0"/>
+              </a:spcAft>
+              <a:buClr>
+                <a:schemeClr val="dk1"/>
+              </a:buClr>
+              <a:buSzPts val="1200"/>
+              <a:buFont typeface="Calibri"/>
+              <a:buChar char="●"/>
+            </a:pPr>
+            <a:r>
+              <a:rPr lang="en" sz="1200">
+                <a:solidFill>
+                  <a:schemeClr val="dk1"/>
+                </a:solidFill>
+                <a:latin typeface="Calibri"/>
+                <a:ea typeface="Calibri"/>
+                <a:cs typeface="Calibri"/>
+                <a:sym typeface="Calibri"/>
+              </a:rPr>
+              <a:t>7. "Thinking Critically" Skill - a custom command that forces Claude to challenge the user's assumptions, identify implicit constraints, perform trade-off analysis, and conduct a "failure-first" analysis before writing code </a:t>
+            </a:r>
+            <a:endParaRPr sz="1200">
+              <a:solidFill>
+                <a:schemeClr val="dk1"/>
+              </a:solidFill>
+              <a:latin typeface="Calibri"/>
+              <a:ea typeface="Calibri"/>
+              <a:cs typeface="Calibri"/>
+              <a:sym typeface="Calibri"/>
+            </a:endParaRPr>
+          </a:p>
+          <a:p>
+            <a:pPr marL="171450" marR="0" lvl="0" indent="-133350" algn="l" rtl="0">
+              <a:lnSpc>
+                <a:spcPct val="100000"/>
+              </a:lnSpc>
+              <a:spcBef>
+                <a:spcPts val="0"/>
+              </a:spcBef>
+              <a:spcAft>
+                <a:spcPts val="0"/>
+              </a:spcAft>
+              <a:buClr>
+                <a:schemeClr val="dk1"/>
+              </a:buClr>
+              <a:buSzPts val="1200"/>
+              <a:buFont typeface="Calibri"/>
+              <a:buChar char="●"/>
+            </a:pPr>
+            <a:r>
+              <a:rPr lang="en" sz="1200">
+                <a:solidFill>
+                  <a:schemeClr val="dk1"/>
+                </a:solidFill>
+                <a:latin typeface="Calibri"/>
+                <a:ea typeface="Calibri"/>
+                <a:cs typeface="Calibri"/>
+                <a:sym typeface="Calibri"/>
+              </a:rPr>
+              <a:t>Yaron mentions that he is becoming more selective about testing new AI repositories. He believes that if a third-party solution (like "Beads") is truly valuable, it will eventually be natively integrated into major tools like Claude Code or OpenCode, so he prefers to "double down" on what is already working</a:t>
+            </a:r>
+            <a:endParaRPr sz="1200">
+              <a:solidFill>
+                <a:schemeClr val="dk1"/>
+              </a:solidFill>
+              <a:latin typeface="Calibri"/>
+              <a:ea typeface="Calibri"/>
+              <a:cs typeface="Calibri"/>
+              <a:sym typeface="Calibri"/>
+            </a:endParaRPr>
+          </a:p>
+        </p:txBody>
+      </p:sp>
+      <p:sp>
+        <p:nvSpPr>
+          <p:cNvPr id="195" name="Google Shape;195;p22"/>
+          <p:cNvSpPr txBox="1"/>
+          <p:nvPr/>
+        </p:nvSpPr>
+        <p:spPr>
+          <a:xfrm>
+            <a:off x="4914075" y="1747525"/>
+            <a:ext cx="1256400" cy="234000"/>
+          </a:xfrm>
+          <a:prstGeom prst="rect">
+            <a:avLst/>
+          </a:prstGeom>
+          <a:solidFill>
+            <a:srgbClr val="FFF2CC"/>
+          </a:solidFill>
+          <a:ln w="9525" cap="flat" cmpd="sng">
+            <a:solidFill>
+              <a:srgbClr val="FF0000"/>
+            </a:solidFill>
+            <a:prstDash val="solid"/>
+            <a:round/>
+            <a:headEnd type="none" w="sm" len="sm"/>
+            <a:tailEnd type="none" w="sm" len="sm"/>
+          </a:ln>
+        </p:spPr>
+        <p:txBody>
+          <a:bodyPr spcFirstLastPara="1" wrap="square" lIns="9125" tIns="9125" rIns="9125" bIns="9125" anchor="t" anchorCtr="0">
+            <a:spAutoFit/>
+          </a:bodyPr>
+          <a:lstStyle/>
+          <a:p>
+            <a:pPr marL="0" marR="0" lvl="0" indent="0" algn="ctr" rtl="0">
+              <a:lnSpc>
+                <a:spcPct val="100000"/>
+              </a:lnSpc>
+              <a:spcBef>
+                <a:spcPts val="0"/>
+              </a:spcBef>
+              <a:spcAft>
+                <a:spcPts val="0"/>
+              </a:spcAft>
+              <a:buNone/>
+            </a:pPr>
+            <a:r>
+              <a:rPr lang="en" b="1">
+                <a:solidFill>
+                  <a:schemeClr val="dk1"/>
+                </a:solidFill>
+                <a:latin typeface="Calibri"/>
+                <a:ea typeface="Calibri"/>
+                <a:cs typeface="Calibri"/>
+                <a:sym typeface="Calibri"/>
+              </a:rPr>
+              <a:t>Yaron Been</a:t>
+            </a:r>
+            <a:endParaRPr b="1">
+              <a:solidFill>
+                <a:schemeClr val="dk1"/>
+              </a:solidFill>
+              <a:latin typeface="Calibri"/>
+              <a:ea typeface="Calibri"/>
+              <a:cs typeface="Calibri"/>
+              <a:sym typeface="Calibri"/>
+            </a:endParaRPr>
+          </a:p>
+        </p:txBody>
+      </p:sp>
+    </p:spTree>
+  </p:cSld>
+  <p:clrMapOvr>
+    <a:masterClrMapping/>
+  </p:clrMapOvr>
+</p:sld>
+</file>
+
+<file path=ppt/slides/slide9.xml><?xml version="1.0" encoding="utf-8"?>
+<p:sld xmlns:a="http://schemas.openxmlformats.org/drawingml/2006/main" xmlns:r="http://schemas.openxmlformats.org/officeDocument/2006/relationships" xmlns:p="http://schemas.openxmlformats.org/presentationml/2006/main">
+  <p:cSld>
+    <p:spTree>
+      <p:nvGrpSpPr>
+        <p:cNvPr id="1" name="Shape 199"/>
+        <p:cNvGrpSpPr/>
+        <p:nvPr/>
+      </p:nvGrpSpPr>
+      <p:grpSpPr>
+        <a:xfrm>
+          <a:off x="0" y="0"/>
+          <a:ext cx="0" cy="0"/>
+          <a:chOff x="0" y="0"/>
+          <a:chExt cx="0" cy="0"/>
+        </a:xfrm>
+      </p:grpSpPr>
+      <p:sp>
+        <p:nvSpPr>
+          <p:cNvPr id="200" name="Google Shape;200;p23"/>
+          <p:cNvSpPr txBox="1"/>
+          <p:nvPr/>
+        </p:nvSpPr>
+        <p:spPr>
+          <a:xfrm>
+            <a:off x="55075" y="43025"/>
+            <a:ext cx="4465200" cy="326400"/>
+          </a:xfrm>
+          <a:prstGeom prst="rect">
+            <a:avLst/>
+          </a:prstGeom>
+          <a:noFill/>
+          <a:ln>
+            <a:noFill/>
+          </a:ln>
+        </p:spPr>
+        <p:txBody>
+          <a:bodyPr spcFirstLastPara="1" wrap="square" lIns="9125" tIns="9125" rIns="9125" bIns="9125" anchor="t" anchorCtr="0">
+            <a:spAutoFit/>
+          </a:bodyPr>
+          <a:lstStyle/>
+          <a:p>
+            <a:pPr marL="0" marR="0" lvl="0" indent="0" algn="l" rtl="0">
+              <a:lnSpc>
+                <a:spcPct val="100000"/>
+              </a:lnSpc>
+              <a:spcBef>
+                <a:spcPts val="0"/>
+              </a:spcBef>
+              <a:spcAft>
+                <a:spcPts val="0"/>
+              </a:spcAft>
+              <a:buClr>
+                <a:schemeClr val="dk1"/>
+              </a:buClr>
+              <a:buSzPts val="1100"/>
+              <a:buFont typeface="Arial"/>
+              <a:buNone/>
+            </a:pPr>
+            <a:r>
+              <a:rPr lang="en" sz="2000" b="1">
+                <a:solidFill>
+                  <a:schemeClr val="dk1"/>
+                </a:solidFill>
+                <a:latin typeface="Calibri"/>
+                <a:ea typeface="Calibri"/>
+                <a:cs typeface="Calibri"/>
+                <a:sym typeface="Calibri"/>
+              </a:rPr>
+              <a:t>Jensen Huang: "Stop Coding"</a:t>
+            </a:r>
+            <a:endParaRPr sz="2000" b="1">
+              <a:solidFill>
+                <a:schemeClr val="dk1"/>
+              </a:solidFill>
+              <a:latin typeface="Calibri"/>
+              <a:ea typeface="Calibri"/>
+              <a:cs typeface="Calibri"/>
+              <a:sym typeface="Calibri"/>
+            </a:endParaRPr>
+          </a:p>
+        </p:txBody>
+      </p:sp>
+      <p:sp>
+        <p:nvSpPr>
+          <p:cNvPr id="201" name="Google Shape;201;p23"/>
+          <p:cNvSpPr txBox="1"/>
+          <p:nvPr/>
+        </p:nvSpPr>
+        <p:spPr>
+          <a:xfrm>
+            <a:off x="55075" y="542350"/>
+            <a:ext cx="4465200" cy="4266600"/>
+          </a:xfrm>
+          <a:prstGeom prst="rect">
+            <a:avLst/>
+          </a:prstGeom>
+          <a:solidFill>
+            <a:srgbClr val="FFF2CC"/>
+          </a:solidFill>
+          <a:ln w="9525" cap="flat" cmpd="sng">
+            <a:solidFill>
+              <a:srgbClr val="FF0000"/>
+            </a:solidFill>
+            <a:prstDash val="solid"/>
+            <a:round/>
+            <a:headEnd type="none" w="sm" len="sm"/>
+            <a:tailEnd type="none" w="sm" len="sm"/>
+          </a:ln>
+        </p:spPr>
+        <p:txBody>
+          <a:bodyPr spcFirstLastPara="1" wrap="square" lIns="9125" tIns="9125" rIns="9125" bIns="9125" anchor="t" anchorCtr="0">
+            <a:spAutoFit/>
+          </a:bodyPr>
+          <a:lstStyle/>
+          <a:p>
+            <a:pPr marL="171450" marR="0" lvl="0" indent="-133350" algn="l" rtl="0">
+              <a:lnSpc>
+                <a:spcPct val="100000"/>
+              </a:lnSpc>
+              <a:spcBef>
+                <a:spcPts val="0"/>
+              </a:spcBef>
+              <a:spcAft>
+                <a:spcPts val="0"/>
+              </a:spcAft>
+              <a:buClr>
+                <a:schemeClr val="dk1"/>
+              </a:buClr>
+              <a:buSzPts val="1200"/>
+              <a:buFont typeface="Calibri"/>
+              <a:buChar char="●"/>
+            </a:pPr>
+            <a:r>
+              <a:rPr lang="en" sz="1200">
+                <a:solidFill>
+                  <a:schemeClr val="dk1"/>
+                </a:solidFill>
+                <a:latin typeface="Calibri"/>
+                <a:ea typeface="Calibri"/>
+                <a:cs typeface="Calibri"/>
+                <a:sym typeface="Calibri"/>
+              </a:rPr>
               <a:t>NVIDIA CEO Jensen Huang stated that he wants his engineers to spend "exactly zero percent" of their time writing code, with AI tools handling the coding tasks instead</a:t>
             </a:r>
             <a:endParaRPr sz="1200">
@@ -47374,7 +50307,7 @@
       </p:sp>
       <p:sp>
         <p:nvSpPr>
-          <p:cNvPr id="193" name="Google Shape;193;p22"/>
+          <p:cNvPr id="202" name="Google Shape;202;p23"/>
           <p:cNvSpPr txBox="1"/>
           <p:nvPr/>
         </p:nvSpPr>
@@ -47488,7 +50421,7 @@
       </p:sp>
       <p:pic>
         <p:nvPicPr>
-          <p:cNvPr id="194" name="Google Shape;194;p22"/>
+          <p:cNvPr id="203" name="Google Shape;203;p23"/>
           <p:cNvPicPr preferRelativeResize="0"/>
           <p:nvPr/>
         </p:nvPicPr>
@@ -47504,1162 +50437,6 @@
           <a:xfrm>
             <a:off x="5165525" y="542350"/>
             <a:ext cx="1914525" cy="2390775"/>
-          </a:xfrm>
-          <a:prstGeom prst="rect">
-            <a:avLst/>
-          </a:prstGeom>
-          <a:noFill/>
-          <a:ln w="9525" cap="flat" cmpd="sng">
-            <a:solidFill>
-              <a:srgbClr val="FF0000"/>
-            </a:solidFill>
-            <a:prstDash val="solid"/>
-            <a:round/>
-            <a:headEnd type="none" w="sm" len="sm"/>
-            <a:tailEnd type="none" w="sm" len="sm"/>
-          </a:ln>
-        </p:spPr>
-      </p:pic>
-    </p:spTree>
-  </p:cSld>
-  <p:clrMapOvr>
-    <a:masterClrMapping/>
-  </p:clrMapOvr>
-</p:sld>
-</file>
-
-<file path=ppt/slides/slide9.xml><?xml version="1.0" encoding="utf-8"?>
-<p:sld xmlns:a="http://schemas.openxmlformats.org/drawingml/2006/main" xmlns:r="http://schemas.openxmlformats.org/officeDocument/2006/relationships" xmlns:p="http://schemas.openxmlformats.org/presentationml/2006/main">
-  <p:cSld>
-    <p:spTree>
-      <p:nvGrpSpPr>
-        <p:cNvPr id="1" name="Shape 198"/>
-        <p:cNvGrpSpPr/>
-        <p:nvPr/>
-      </p:nvGrpSpPr>
-      <p:grpSpPr>
-        <a:xfrm>
-          <a:off x="0" y="0"/>
-          <a:ext cx="0" cy="0"/>
-          <a:chOff x="0" y="0"/>
-          <a:chExt cx="0" cy="0"/>
-        </a:xfrm>
-      </p:grpSpPr>
-      <p:sp>
-        <p:nvSpPr>
-          <p:cNvPr id="199" name="Google Shape;199;p23"/>
-          <p:cNvSpPr txBox="1"/>
-          <p:nvPr/>
-        </p:nvSpPr>
-        <p:spPr>
-          <a:xfrm>
-            <a:off x="55075" y="43025"/>
-            <a:ext cx="1720800" cy="326400"/>
-          </a:xfrm>
-          <a:prstGeom prst="rect">
-            <a:avLst/>
-          </a:prstGeom>
-          <a:noFill/>
-          <a:ln>
-            <a:noFill/>
-          </a:ln>
-        </p:spPr>
-        <p:txBody>
-          <a:bodyPr spcFirstLastPara="1" wrap="square" lIns="9125" tIns="9125" rIns="9125" bIns="9125" anchor="t" anchorCtr="0">
-            <a:spAutoFit/>
-          </a:bodyPr>
-          <a:lstStyle/>
-          <a:p>
-            <a:pPr marL="0" marR="0" lvl="0" indent="0" algn="l" rtl="0">
-              <a:lnSpc>
-                <a:spcPct val="100000"/>
-              </a:lnSpc>
-              <a:spcBef>
-                <a:spcPts val="0"/>
-              </a:spcBef>
-              <a:spcAft>
-                <a:spcPts val="0"/>
-              </a:spcAft>
-              <a:buClr>
-                <a:schemeClr val="dk1"/>
-              </a:buClr>
-              <a:buSzPts val="1100"/>
-              <a:buFont typeface="Arial"/>
-              <a:buNone/>
-            </a:pPr>
-            <a:r>
-              <a:rPr lang="en" sz="2000" b="1">
-                <a:solidFill>
-                  <a:schemeClr val="dk1"/>
-                </a:solidFill>
-                <a:latin typeface="Calibri"/>
-                <a:ea typeface="Calibri"/>
-                <a:cs typeface="Calibri"/>
-                <a:sym typeface="Calibri"/>
-              </a:rPr>
-              <a:t>Claude-Flow</a:t>
-            </a:r>
-            <a:endParaRPr sz="2000" b="1">
-              <a:solidFill>
-                <a:schemeClr val="dk1"/>
-              </a:solidFill>
-              <a:latin typeface="Calibri"/>
-              <a:ea typeface="Calibri"/>
-              <a:cs typeface="Calibri"/>
-              <a:sym typeface="Calibri"/>
-            </a:endParaRPr>
-          </a:p>
-        </p:txBody>
-      </p:sp>
-      <p:sp>
-        <p:nvSpPr>
-          <p:cNvPr id="200" name="Google Shape;200;p23"/>
-          <p:cNvSpPr txBox="1"/>
-          <p:nvPr/>
-        </p:nvSpPr>
-        <p:spPr>
-          <a:xfrm>
-            <a:off x="55075" y="503409"/>
-            <a:ext cx="4443900" cy="4451400"/>
-          </a:xfrm>
-          <a:prstGeom prst="rect">
-            <a:avLst/>
-          </a:prstGeom>
-          <a:solidFill>
-            <a:srgbClr val="FFF2CC"/>
-          </a:solidFill>
-          <a:ln w="9525" cap="flat" cmpd="sng">
-            <a:solidFill>
-              <a:srgbClr val="FF0000"/>
-            </a:solidFill>
-            <a:prstDash val="solid"/>
-            <a:round/>
-            <a:headEnd type="none" w="sm" len="sm"/>
-            <a:tailEnd type="none" w="sm" len="sm"/>
-          </a:ln>
-        </p:spPr>
-        <p:txBody>
-          <a:bodyPr spcFirstLastPara="1" wrap="square" lIns="9125" tIns="9125" rIns="9125" bIns="9125" anchor="t" anchorCtr="0">
-            <a:spAutoFit/>
-          </a:bodyPr>
-          <a:lstStyle/>
-          <a:p>
-            <a:pPr marL="171450" marR="0" lvl="0" indent="-133350" algn="l" rtl="0">
-              <a:lnSpc>
-                <a:spcPct val="100000"/>
-              </a:lnSpc>
-              <a:spcBef>
-                <a:spcPts val="0"/>
-              </a:spcBef>
-              <a:spcAft>
-                <a:spcPts val="0"/>
-              </a:spcAft>
-              <a:buClr>
-                <a:srgbClr val="FF0000"/>
-              </a:buClr>
-              <a:buSzPts val="1200"/>
-              <a:buFont typeface="Calibri"/>
-              <a:buChar char="●"/>
-            </a:pPr>
-            <a:r>
-              <a:rPr lang="en" sz="1200" b="1">
-                <a:solidFill>
-                  <a:srgbClr val="FF0000"/>
-                </a:solidFill>
-                <a:latin typeface="Calibri"/>
-                <a:ea typeface="Calibri"/>
-                <a:cs typeface="Calibri"/>
-                <a:sym typeface="Calibri"/>
-              </a:rPr>
-              <a:t>Claude-Flow v3: Enterprise AI Orchestration Platform</a:t>
-            </a:r>
-            <a:endParaRPr sz="1200" b="1">
-              <a:solidFill>
-                <a:srgbClr val="FF0000"/>
-              </a:solidFill>
-              <a:latin typeface="Calibri"/>
-              <a:ea typeface="Calibri"/>
-              <a:cs typeface="Calibri"/>
-              <a:sym typeface="Calibri"/>
-            </a:endParaRPr>
-          </a:p>
-          <a:p>
-            <a:pPr marL="171450" marR="0" lvl="0" indent="-133350" algn="l" rtl="0">
-              <a:lnSpc>
-                <a:spcPct val="100000"/>
-              </a:lnSpc>
-              <a:spcBef>
-                <a:spcPts val="0"/>
-              </a:spcBef>
-              <a:spcAft>
-                <a:spcPts val="0"/>
-              </a:spcAft>
-              <a:buClr>
-                <a:schemeClr val="dk1"/>
-              </a:buClr>
-              <a:buSzPts val="1200"/>
-              <a:buFont typeface="Calibri"/>
-              <a:buChar char="●"/>
-            </a:pPr>
-            <a:r>
-              <a:rPr lang="en" sz="1200">
-                <a:solidFill>
-                  <a:schemeClr val="dk1"/>
-                </a:solidFill>
-                <a:latin typeface="Calibri"/>
-                <a:ea typeface="Calibri"/>
-                <a:cs typeface="Calibri"/>
-                <a:sym typeface="Calibri"/>
-              </a:rPr>
-              <a:t>AI multi-agent orchestration dev. framework</a:t>
-            </a:r>
-            <a:endParaRPr sz="1200">
-              <a:solidFill>
-                <a:schemeClr val="dk1"/>
-              </a:solidFill>
-              <a:latin typeface="Calibri"/>
-              <a:ea typeface="Calibri"/>
-              <a:cs typeface="Calibri"/>
-              <a:sym typeface="Calibri"/>
-            </a:endParaRPr>
-          </a:p>
-          <a:p>
-            <a:pPr marL="171450" marR="0" lvl="0" indent="-133350" algn="l" rtl="0">
-              <a:lnSpc>
-                <a:spcPct val="100000"/>
-              </a:lnSpc>
-              <a:spcBef>
-                <a:spcPts val="0"/>
-              </a:spcBef>
-              <a:spcAft>
-                <a:spcPts val="0"/>
-              </a:spcAft>
-              <a:buClr>
-                <a:schemeClr val="dk1"/>
-              </a:buClr>
-              <a:buSzPts val="1200"/>
-              <a:buFont typeface="Calibri"/>
-              <a:buChar char="●"/>
-            </a:pPr>
-            <a:r>
-              <a:rPr lang="en" sz="1200">
-                <a:solidFill>
-                  <a:schemeClr val="dk1"/>
-                </a:solidFill>
-                <a:latin typeface="Calibri"/>
-                <a:ea typeface="Calibri"/>
-                <a:cs typeface="Calibri"/>
-                <a:sym typeface="Calibri"/>
-              </a:rPr>
-              <a:t>Teams can deploy, coordinate, and optimize specialized AI agents working together on complex software engineering tasks</a:t>
-            </a:r>
-            <a:endParaRPr sz="1200">
-              <a:solidFill>
-                <a:schemeClr val="dk1"/>
-              </a:solidFill>
-              <a:latin typeface="Calibri"/>
-              <a:ea typeface="Calibri"/>
-              <a:cs typeface="Calibri"/>
-              <a:sym typeface="Calibri"/>
-            </a:endParaRPr>
-          </a:p>
-          <a:p>
-            <a:pPr marL="171450" marR="0" lvl="0" indent="-133350" algn="l" rtl="0">
-              <a:lnSpc>
-                <a:spcPct val="100000"/>
-              </a:lnSpc>
-              <a:spcBef>
-                <a:spcPts val="0"/>
-              </a:spcBef>
-              <a:spcAft>
-                <a:spcPts val="0"/>
-              </a:spcAft>
-              <a:buClr>
-                <a:schemeClr val="dk1"/>
-              </a:buClr>
-              <a:buSzPts val="1200"/>
-              <a:buFont typeface="Calibri"/>
-              <a:buChar char="●"/>
-            </a:pPr>
-            <a:r>
-              <a:rPr lang="en" sz="1200">
-                <a:solidFill>
-                  <a:schemeClr val="dk1"/>
-                </a:solidFill>
-                <a:latin typeface="Calibri"/>
-                <a:ea typeface="Calibri"/>
-                <a:cs typeface="Calibri"/>
-                <a:sym typeface="Calibri"/>
-              </a:rPr>
-              <a:t>13.2K stars on Github</a:t>
-            </a:r>
-            <a:endParaRPr sz="1200">
-              <a:solidFill>
-                <a:schemeClr val="dk1"/>
-              </a:solidFill>
-              <a:latin typeface="Calibri"/>
-              <a:ea typeface="Calibri"/>
-              <a:cs typeface="Calibri"/>
-              <a:sym typeface="Calibri"/>
-            </a:endParaRPr>
-          </a:p>
-          <a:p>
-            <a:pPr marL="171450" marR="0" lvl="0" indent="-133350" algn="l" rtl="0">
-              <a:lnSpc>
-                <a:spcPct val="100000"/>
-              </a:lnSpc>
-              <a:spcBef>
-                <a:spcPts val="0"/>
-              </a:spcBef>
-              <a:spcAft>
-                <a:spcPts val="0"/>
-              </a:spcAft>
-              <a:buClr>
-                <a:schemeClr val="dk1"/>
-              </a:buClr>
-              <a:buSzPts val="1200"/>
-              <a:buFont typeface="Calibri"/>
-              <a:buChar char="●"/>
-            </a:pPr>
-            <a:r>
-              <a:rPr lang="en" sz="1200">
-                <a:solidFill>
-                  <a:schemeClr val="dk1"/>
-                </a:solidFill>
-                <a:latin typeface="Calibri"/>
-                <a:ea typeface="Calibri"/>
-                <a:cs typeface="Calibri"/>
-                <a:sym typeface="Calibri"/>
-              </a:rPr>
-              <a:t>CLI and MCP server for command and control</a:t>
-            </a:r>
-            <a:endParaRPr sz="1200">
-              <a:solidFill>
-                <a:schemeClr val="dk1"/>
-              </a:solidFill>
-              <a:latin typeface="Calibri"/>
-              <a:ea typeface="Calibri"/>
-              <a:cs typeface="Calibri"/>
-              <a:sym typeface="Calibri"/>
-            </a:endParaRPr>
-          </a:p>
-          <a:p>
-            <a:pPr marL="171450" marR="0" lvl="0" indent="-133350" algn="l" rtl="0">
-              <a:lnSpc>
-                <a:spcPct val="100000"/>
-              </a:lnSpc>
-              <a:spcBef>
-                <a:spcPts val="0"/>
-              </a:spcBef>
-              <a:spcAft>
-                <a:spcPts val="0"/>
-              </a:spcAft>
-              <a:buClr>
-                <a:schemeClr val="dk1"/>
-              </a:buClr>
-              <a:buSzPts val="1200"/>
-              <a:buFont typeface="Calibri"/>
-              <a:buChar char="●"/>
-            </a:pPr>
-            <a:r>
-              <a:rPr lang="en" sz="1200">
-                <a:solidFill>
-                  <a:schemeClr val="dk1"/>
-                </a:solidFill>
-                <a:latin typeface="Calibri"/>
-                <a:ea typeface="Calibri"/>
-                <a:cs typeface="Calibri"/>
-                <a:sym typeface="Calibri"/>
-              </a:rPr>
-              <a:t>Uses Q-Learning and MoE with 8 experts, 42+ skills, and 17 hooks to intelligently direct tasks</a:t>
-            </a:r>
-            <a:endParaRPr sz="1200">
-              <a:solidFill>
-                <a:schemeClr val="dk1"/>
-              </a:solidFill>
-              <a:latin typeface="Calibri"/>
-              <a:ea typeface="Calibri"/>
-              <a:cs typeface="Calibri"/>
-              <a:sym typeface="Calibri"/>
-            </a:endParaRPr>
-          </a:p>
-          <a:p>
-            <a:pPr marL="171450" marR="0" lvl="0" indent="-133350" algn="l" rtl="0">
-              <a:lnSpc>
-                <a:spcPct val="100000"/>
-              </a:lnSpc>
-              <a:spcBef>
-                <a:spcPts val="0"/>
-              </a:spcBef>
-              <a:spcAft>
-                <a:spcPts val="0"/>
-              </a:spcAft>
-              <a:buClr>
-                <a:schemeClr val="dk1"/>
-              </a:buClr>
-              <a:buSzPts val="1200"/>
-              <a:buFont typeface="Calibri"/>
-              <a:buChar char="●"/>
-            </a:pPr>
-            <a:r>
-              <a:rPr lang="en" sz="1200">
-                <a:solidFill>
-                  <a:schemeClr val="dk1"/>
-                </a:solidFill>
-                <a:latin typeface="Calibri"/>
-                <a:ea typeface="Calibri"/>
-                <a:cs typeface="Calibri"/>
-                <a:sym typeface="Calibri"/>
-              </a:rPr>
-              <a:t>Swarm Coordination - manages agents using various topologies (mesh, hierarchical, ring, star) and consensus mechanisms (Raft, BFT, Gossip, CRDT)</a:t>
-            </a:r>
-            <a:endParaRPr sz="1200">
-              <a:solidFill>
-                <a:schemeClr val="dk1"/>
-              </a:solidFill>
-              <a:latin typeface="Calibri"/>
-              <a:ea typeface="Calibri"/>
-              <a:cs typeface="Calibri"/>
-              <a:sym typeface="Calibri"/>
-            </a:endParaRPr>
-          </a:p>
-          <a:p>
-            <a:pPr marL="171450" marR="0" lvl="0" indent="-133350" algn="l" rtl="0">
-              <a:lnSpc>
-                <a:spcPct val="100000"/>
-              </a:lnSpc>
-              <a:spcBef>
-                <a:spcPts val="0"/>
-              </a:spcBef>
-              <a:spcAft>
-                <a:spcPts val="0"/>
-              </a:spcAft>
-              <a:buClr>
-                <a:schemeClr val="dk1"/>
-              </a:buClr>
-              <a:buSzPts val="1200"/>
-              <a:buFont typeface="Calibri"/>
-              <a:buChar char="●"/>
-            </a:pPr>
-            <a:r>
-              <a:rPr lang="en" sz="1200">
-                <a:solidFill>
-                  <a:schemeClr val="dk1"/>
-                </a:solidFill>
-                <a:latin typeface="Calibri"/>
-                <a:ea typeface="Calibri"/>
-                <a:cs typeface="Calibri"/>
-                <a:sym typeface="Calibri"/>
-              </a:rPr>
-              <a:t>Includes 54+ specialized agents (coder, tester, reviewer, architect, security, etc.)</a:t>
-            </a:r>
-            <a:endParaRPr sz="1200">
-              <a:solidFill>
-                <a:schemeClr val="dk1"/>
-              </a:solidFill>
-              <a:latin typeface="Calibri"/>
-              <a:ea typeface="Calibri"/>
-              <a:cs typeface="Calibri"/>
-              <a:sym typeface="Calibri"/>
-            </a:endParaRPr>
-          </a:p>
-          <a:p>
-            <a:pPr marL="171450" marR="0" lvl="0" indent="-133350" algn="l" rtl="0">
-              <a:lnSpc>
-                <a:spcPct val="100000"/>
-              </a:lnSpc>
-              <a:spcBef>
-                <a:spcPts val="0"/>
-              </a:spcBef>
-              <a:spcAft>
-                <a:spcPts val="0"/>
-              </a:spcAft>
-              <a:buClr>
-                <a:schemeClr val="dk1"/>
-              </a:buClr>
-              <a:buSzPts val="1200"/>
-              <a:buFont typeface="Calibri"/>
-              <a:buChar char="●"/>
-            </a:pPr>
-            <a:r>
-              <a:rPr lang="en" sz="1200">
-                <a:solidFill>
-                  <a:schemeClr val="dk1"/>
-                </a:solidFill>
-                <a:latin typeface="Calibri"/>
-                <a:ea typeface="Calibri"/>
-                <a:cs typeface="Calibri"/>
-                <a:sym typeface="Calibri"/>
-              </a:rPr>
-              <a:t>Memory system (AgentDB), multiple LLM providers (Claude, GPT, Gemini, Ollama), and 12 workers for tasks like ultralearn, audit, and optimize</a:t>
-            </a:r>
-            <a:endParaRPr sz="1200">
-              <a:solidFill>
-                <a:schemeClr val="dk1"/>
-              </a:solidFill>
-              <a:latin typeface="Calibri"/>
-              <a:ea typeface="Calibri"/>
-              <a:cs typeface="Calibri"/>
-              <a:sym typeface="Calibri"/>
-            </a:endParaRPr>
-          </a:p>
-          <a:p>
-            <a:pPr marL="171450" marR="0" lvl="0" indent="-133350" algn="l" rtl="0">
-              <a:lnSpc>
-                <a:spcPct val="100000"/>
-              </a:lnSpc>
-              <a:spcBef>
-                <a:spcPts val="0"/>
-              </a:spcBef>
-              <a:spcAft>
-                <a:spcPts val="0"/>
-              </a:spcAft>
-              <a:buClr>
-                <a:schemeClr val="dk1"/>
-              </a:buClr>
-              <a:buSzPts val="1200"/>
-              <a:buFont typeface="Calibri"/>
-              <a:buChar char="●"/>
-            </a:pPr>
-            <a:r>
-              <a:rPr lang="en" sz="1200">
-                <a:solidFill>
-                  <a:schemeClr val="dk1"/>
-                </a:solidFill>
-                <a:latin typeface="Calibri"/>
-                <a:ea typeface="Calibri"/>
-                <a:cs typeface="Calibri"/>
-                <a:sym typeface="Calibri"/>
-              </a:rPr>
-              <a:t>Hive-Mind Architecture - a "Queen" agent acts as the master orchestrator</a:t>
-            </a:r>
-            <a:endParaRPr sz="1200">
-              <a:solidFill>
-                <a:schemeClr val="dk1"/>
-              </a:solidFill>
-              <a:latin typeface="Calibri"/>
-              <a:ea typeface="Calibri"/>
-              <a:cs typeface="Calibri"/>
-              <a:sym typeface="Calibri"/>
-            </a:endParaRPr>
-          </a:p>
-          <a:p>
-            <a:pPr marL="171450" marR="0" lvl="0" indent="-133350" algn="l" rtl="0">
-              <a:lnSpc>
-                <a:spcPct val="100000"/>
-              </a:lnSpc>
-              <a:spcBef>
-                <a:spcPts val="0"/>
-              </a:spcBef>
-              <a:spcAft>
-                <a:spcPts val="0"/>
-              </a:spcAft>
-              <a:buClr>
-                <a:schemeClr val="dk1"/>
-              </a:buClr>
-              <a:buSzPts val="1200"/>
-              <a:buFont typeface="Calibri"/>
-              <a:buChar char="●"/>
-            </a:pPr>
-            <a:r>
-              <a:rPr lang="en" sz="1200">
-                <a:solidFill>
-                  <a:schemeClr val="dk1"/>
-                </a:solidFill>
-                <a:latin typeface="Calibri"/>
-                <a:ea typeface="Calibri"/>
-                <a:cs typeface="Calibri"/>
-                <a:sym typeface="Calibri"/>
-              </a:rPr>
-              <a:t>The Queen doesn't write code directly but analyzes tasks, breaks them into logical subtasks, delegates to appropriate worker agents, monitors progress, and manages communication</a:t>
-            </a:r>
-            <a:endParaRPr sz="1200">
-              <a:solidFill>
-                <a:schemeClr val="dk1"/>
-              </a:solidFill>
-              <a:latin typeface="Calibri"/>
-              <a:ea typeface="Calibri"/>
-              <a:cs typeface="Calibri"/>
-              <a:sym typeface="Calibri"/>
-            </a:endParaRPr>
-          </a:p>
-          <a:p>
-            <a:pPr marL="171450" marR="0" lvl="0" indent="-133350" algn="l" rtl="0">
-              <a:lnSpc>
-                <a:spcPct val="100000"/>
-              </a:lnSpc>
-              <a:spcBef>
-                <a:spcPts val="0"/>
-              </a:spcBef>
-              <a:spcAft>
-                <a:spcPts val="0"/>
-              </a:spcAft>
-              <a:buClr>
-                <a:schemeClr val="dk1"/>
-              </a:buClr>
-              <a:buSzPts val="1200"/>
-              <a:buFont typeface="Calibri"/>
-              <a:buChar char="●"/>
-            </a:pPr>
-            <a:r>
-              <a:rPr lang="en" sz="1200">
-                <a:solidFill>
-                  <a:schemeClr val="dk1"/>
-                </a:solidFill>
-                <a:latin typeface="Calibri"/>
-                <a:ea typeface="Calibri"/>
-                <a:cs typeface="Calibri"/>
-                <a:sym typeface="Calibri"/>
-              </a:rPr>
-              <a:t>This allows multiple specialized agents to work simultaneously on different parts of a project while sharing knowledge through an intelligent memory bank. </a:t>
-            </a:r>
-            <a:endParaRPr sz="1200">
-              <a:solidFill>
-                <a:schemeClr val="dk1"/>
-              </a:solidFill>
-              <a:latin typeface="Calibri"/>
-              <a:ea typeface="Calibri"/>
-              <a:cs typeface="Calibri"/>
-              <a:sym typeface="Calibri"/>
-            </a:endParaRPr>
-          </a:p>
-        </p:txBody>
-      </p:sp>
-      <p:sp>
-        <p:nvSpPr>
-          <p:cNvPr id="201" name="Google Shape;201;p23"/>
-          <p:cNvSpPr txBox="1"/>
-          <p:nvPr/>
-        </p:nvSpPr>
-        <p:spPr>
-          <a:xfrm>
-            <a:off x="4621172" y="500972"/>
-            <a:ext cx="4443900" cy="2973900"/>
-          </a:xfrm>
-          <a:prstGeom prst="rect">
-            <a:avLst/>
-          </a:prstGeom>
-          <a:solidFill>
-            <a:srgbClr val="FFF2CC"/>
-          </a:solidFill>
-          <a:ln w="9525" cap="flat" cmpd="sng">
-            <a:solidFill>
-              <a:srgbClr val="FF0000"/>
-            </a:solidFill>
-            <a:prstDash val="solid"/>
-            <a:round/>
-            <a:headEnd type="none" w="sm" len="sm"/>
-            <a:tailEnd type="none" w="sm" len="sm"/>
-          </a:ln>
-        </p:spPr>
-        <p:txBody>
-          <a:bodyPr spcFirstLastPara="1" wrap="square" lIns="9125" tIns="9125" rIns="9125" bIns="9125" anchor="t" anchorCtr="0">
-            <a:spAutoFit/>
-          </a:bodyPr>
-          <a:lstStyle/>
-          <a:p>
-            <a:pPr marL="171450" marR="0" lvl="0" indent="-133350" algn="l" rtl="0">
-              <a:lnSpc>
-                <a:spcPct val="100000"/>
-              </a:lnSpc>
-              <a:spcBef>
-                <a:spcPts val="0"/>
-              </a:spcBef>
-              <a:spcAft>
-                <a:spcPts val="0"/>
-              </a:spcAft>
-              <a:buClr>
-                <a:schemeClr val="dk1"/>
-              </a:buClr>
-              <a:buSzPts val="1200"/>
-              <a:buFont typeface="Calibri"/>
-              <a:buChar char="●"/>
-            </a:pPr>
-            <a:r>
-              <a:rPr lang="en" sz="1200">
-                <a:solidFill>
-                  <a:schemeClr val="dk1"/>
-                </a:solidFill>
-                <a:latin typeface="Calibri"/>
-                <a:ea typeface="Calibri"/>
-                <a:cs typeface="Calibri"/>
-                <a:sym typeface="Calibri"/>
-              </a:rPr>
-              <a:t>Advanced Intelligence (RuVector)</a:t>
-            </a:r>
-            <a:endParaRPr sz="1200">
-              <a:solidFill>
-                <a:schemeClr val="dk1"/>
-              </a:solidFill>
-              <a:latin typeface="Calibri"/>
-              <a:ea typeface="Calibri"/>
-              <a:cs typeface="Calibri"/>
-              <a:sym typeface="Calibri"/>
-            </a:endParaRPr>
-          </a:p>
-          <a:p>
-            <a:pPr marL="171450" marR="0" lvl="0" indent="-133350" algn="l" rtl="0">
-              <a:lnSpc>
-                <a:spcPct val="100000"/>
-              </a:lnSpc>
-              <a:spcBef>
-                <a:spcPts val="0"/>
-              </a:spcBef>
-              <a:spcAft>
-                <a:spcPts val="0"/>
-              </a:spcAft>
-              <a:buClr>
-                <a:schemeClr val="dk1"/>
-              </a:buClr>
-              <a:buSzPts val="1200"/>
-              <a:buFont typeface="Calibri"/>
-              <a:buChar char="●"/>
-            </a:pPr>
-            <a:r>
-              <a:rPr lang="en" sz="1200">
-                <a:solidFill>
-                  <a:schemeClr val="dk1"/>
-                </a:solidFill>
-                <a:latin typeface="Calibri"/>
-                <a:ea typeface="Calibri"/>
-                <a:cs typeface="Calibri"/>
-                <a:sym typeface="Calibri"/>
-              </a:rPr>
-              <a:t>Version 3 introduces self-learning neural capabilities through RuVector components: </a:t>
-            </a:r>
-            <a:endParaRPr sz="1200">
-              <a:solidFill>
-                <a:schemeClr val="dk1"/>
-              </a:solidFill>
-              <a:latin typeface="Calibri"/>
-              <a:ea typeface="Calibri"/>
-              <a:cs typeface="Calibri"/>
-              <a:sym typeface="Calibri"/>
-            </a:endParaRPr>
-          </a:p>
-          <a:p>
-            <a:pPr marL="171450" marR="0" lvl="0" indent="-133350" algn="l" rtl="0">
-              <a:lnSpc>
-                <a:spcPct val="100000"/>
-              </a:lnSpc>
-              <a:spcBef>
-                <a:spcPts val="0"/>
-              </a:spcBef>
-              <a:spcAft>
-                <a:spcPts val="0"/>
-              </a:spcAft>
-              <a:buClr>
-                <a:schemeClr val="dk1"/>
-              </a:buClr>
-              <a:buSzPts val="1200"/>
-              <a:buFont typeface="Calibri"/>
-              <a:buChar char="●"/>
-            </a:pPr>
-            <a:r>
-              <a:rPr lang="en" sz="1200">
-                <a:solidFill>
-                  <a:schemeClr val="dk1"/>
-                </a:solidFill>
-                <a:latin typeface="Calibri"/>
-                <a:ea typeface="Calibri"/>
-                <a:cs typeface="Calibri"/>
-                <a:sym typeface="Calibri"/>
-              </a:rPr>
-              <a:t>SONA = Self-Optimizing Neural Architecture - learns optimal routing in &lt;0.05ms</a:t>
-            </a:r>
-            <a:endParaRPr sz="1200">
-              <a:solidFill>
-                <a:schemeClr val="dk1"/>
-              </a:solidFill>
-              <a:latin typeface="Calibri"/>
-              <a:ea typeface="Calibri"/>
-              <a:cs typeface="Calibri"/>
-              <a:sym typeface="Calibri"/>
-            </a:endParaRPr>
-          </a:p>
-          <a:p>
-            <a:pPr marL="171450" marR="0" lvl="0" indent="-133350" algn="l" rtl="0">
-              <a:lnSpc>
-                <a:spcPct val="100000"/>
-              </a:lnSpc>
-              <a:spcBef>
-                <a:spcPts val="0"/>
-              </a:spcBef>
-              <a:spcAft>
-                <a:spcPts val="0"/>
-              </a:spcAft>
-              <a:buClr>
-                <a:schemeClr val="dk1"/>
-              </a:buClr>
-              <a:buSzPts val="1200"/>
-              <a:buFont typeface="Calibri"/>
-              <a:buChar char="●"/>
-            </a:pPr>
-            <a:r>
-              <a:rPr lang="en" sz="1200">
-                <a:solidFill>
-                  <a:schemeClr val="dk1"/>
-                </a:solidFill>
-                <a:latin typeface="Calibri"/>
-                <a:ea typeface="Calibri"/>
-                <a:cs typeface="Calibri"/>
-                <a:sym typeface="Calibri"/>
-              </a:rPr>
-              <a:t>EWC++ = Elastic Weight Consolidation - preventing catastrophic forgetting (preserves 95%+ knowledge)</a:t>
-            </a:r>
-            <a:endParaRPr sz="1200">
-              <a:solidFill>
-                <a:schemeClr val="dk1"/>
-              </a:solidFill>
-              <a:latin typeface="Calibri"/>
-              <a:ea typeface="Calibri"/>
-              <a:cs typeface="Calibri"/>
-              <a:sym typeface="Calibri"/>
-            </a:endParaRPr>
-          </a:p>
-          <a:p>
-            <a:pPr marL="171450" marR="0" lvl="0" indent="-133350" algn="l" rtl="0">
-              <a:lnSpc>
-                <a:spcPct val="100000"/>
-              </a:lnSpc>
-              <a:spcBef>
-                <a:spcPts val="0"/>
-              </a:spcBef>
-              <a:spcAft>
-                <a:spcPts val="0"/>
-              </a:spcAft>
-              <a:buClr>
-                <a:schemeClr val="dk1"/>
-              </a:buClr>
-              <a:buSzPts val="1200"/>
-              <a:buFont typeface="Calibri"/>
-              <a:buChar char="●"/>
-            </a:pPr>
-            <a:r>
-              <a:rPr lang="en" sz="1200">
-                <a:solidFill>
-                  <a:schemeClr val="dk1"/>
-                </a:solidFill>
-                <a:latin typeface="Calibri"/>
-                <a:ea typeface="Calibri"/>
-                <a:cs typeface="Calibri"/>
-                <a:sym typeface="Calibri"/>
-              </a:rPr>
-              <a:t>Flash Attention - Optimized computation with 2.49x-7.47x speedup</a:t>
-            </a:r>
-            <a:endParaRPr sz="1200">
-              <a:solidFill>
-                <a:schemeClr val="dk1"/>
-              </a:solidFill>
-              <a:latin typeface="Calibri"/>
-              <a:ea typeface="Calibri"/>
-              <a:cs typeface="Calibri"/>
-              <a:sym typeface="Calibri"/>
-            </a:endParaRPr>
-          </a:p>
-          <a:p>
-            <a:pPr marL="171450" marR="0" lvl="0" indent="-133350" algn="l" rtl="0">
-              <a:lnSpc>
-                <a:spcPct val="100000"/>
-              </a:lnSpc>
-              <a:spcBef>
-                <a:spcPts val="0"/>
-              </a:spcBef>
-              <a:spcAft>
-                <a:spcPts val="0"/>
-              </a:spcAft>
-              <a:buClr>
-                <a:schemeClr val="dk1"/>
-              </a:buClr>
-              <a:buSzPts val="1200"/>
-              <a:buFont typeface="Calibri"/>
-              <a:buChar char="●"/>
-            </a:pPr>
-            <a:r>
-              <a:rPr lang="en" sz="1200">
-                <a:solidFill>
-                  <a:schemeClr val="dk1"/>
-                </a:solidFill>
-                <a:latin typeface="Calibri"/>
-                <a:ea typeface="Calibri"/>
-                <a:cs typeface="Calibri"/>
-                <a:sym typeface="Calibri"/>
-              </a:rPr>
-              <a:t>HNSW - Vector search 150x-12,500x faster than traditional methods</a:t>
-            </a:r>
-            <a:endParaRPr sz="1200">
-              <a:solidFill>
-                <a:schemeClr val="dk1"/>
-              </a:solidFill>
-              <a:latin typeface="Calibri"/>
-              <a:ea typeface="Calibri"/>
-              <a:cs typeface="Calibri"/>
-              <a:sym typeface="Calibri"/>
-            </a:endParaRPr>
-          </a:p>
-          <a:p>
-            <a:pPr marL="171450" marR="0" lvl="0" indent="-133350" algn="l" rtl="0">
-              <a:lnSpc>
-                <a:spcPct val="100000"/>
-              </a:lnSpc>
-              <a:spcBef>
-                <a:spcPts val="0"/>
-              </a:spcBef>
-              <a:spcAft>
-                <a:spcPts val="0"/>
-              </a:spcAft>
-              <a:buClr>
-                <a:schemeClr val="dk1"/>
-              </a:buClr>
-              <a:buSzPts val="1200"/>
-              <a:buFont typeface="Calibri"/>
-              <a:buChar char="●"/>
-            </a:pPr>
-            <a:r>
-              <a:rPr lang="en" sz="1200">
-                <a:solidFill>
-                  <a:schemeClr val="dk1"/>
-                </a:solidFill>
-                <a:latin typeface="Calibri"/>
-                <a:ea typeface="Calibri"/>
-                <a:cs typeface="Calibri"/>
-                <a:sym typeface="Calibri"/>
-              </a:rPr>
-              <a:t>LoRA/MicroLoRA - Efficient fine-tuning with 128x compression</a:t>
-            </a:r>
-            <a:endParaRPr sz="1200">
-              <a:solidFill>
-                <a:schemeClr val="dk1"/>
-              </a:solidFill>
-              <a:latin typeface="Calibri"/>
-              <a:ea typeface="Calibri"/>
-              <a:cs typeface="Calibri"/>
-              <a:sym typeface="Calibri"/>
-            </a:endParaRPr>
-          </a:p>
-          <a:p>
-            <a:pPr marL="171450" marR="0" lvl="0" indent="-133350" algn="l" rtl="0">
-              <a:lnSpc>
-                <a:spcPct val="100000"/>
-              </a:lnSpc>
-              <a:spcBef>
-                <a:spcPts val="0"/>
-              </a:spcBef>
-              <a:spcAft>
-                <a:spcPts val="0"/>
-              </a:spcAft>
-              <a:buClr>
-                <a:schemeClr val="dk1"/>
-              </a:buClr>
-              <a:buSzPts val="1200"/>
-              <a:buFont typeface="Calibri"/>
-              <a:buChar char="●"/>
-            </a:pPr>
-            <a:r>
-              <a:rPr lang="en" sz="1200">
-                <a:solidFill>
-                  <a:schemeClr val="dk1"/>
-                </a:solidFill>
-                <a:latin typeface="Calibri"/>
-                <a:ea typeface="Calibri"/>
-                <a:cs typeface="Calibri"/>
-                <a:sym typeface="Calibri"/>
-              </a:rPr>
-              <a:t>Get started: </a:t>
-            </a:r>
-            <a:r>
-              <a:rPr lang="en" sz="1200" b="1">
-                <a:solidFill>
-                  <a:srgbClr val="3C78D8"/>
-                </a:solidFill>
-                <a:latin typeface="Calibri"/>
-                <a:ea typeface="Calibri"/>
-                <a:cs typeface="Calibri"/>
-                <a:sym typeface="Calibri"/>
-              </a:rPr>
-              <a:t>npx claude-flow@v3alpha init</a:t>
-            </a:r>
-            <a:endParaRPr sz="1200" b="1">
-              <a:solidFill>
-                <a:srgbClr val="3C78D8"/>
-              </a:solidFill>
-              <a:latin typeface="Calibri"/>
-              <a:ea typeface="Calibri"/>
-              <a:cs typeface="Calibri"/>
-              <a:sym typeface="Calibri"/>
-            </a:endParaRPr>
-          </a:p>
-          <a:p>
-            <a:pPr marL="171450" marR="0" lvl="0" indent="-133350" algn="l" rtl="0">
-              <a:lnSpc>
-                <a:spcPct val="100000"/>
-              </a:lnSpc>
-              <a:spcBef>
-                <a:spcPts val="0"/>
-              </a:spcBef>
-              <a:spcAft>
-                <a:spcPts val="0"/>
-              </a:spcAft>
-              <a:buClr>
-                <a:schemeClr val="dk1"/>
-              </a:buClr>
-              <a:buSzPts val="1200"/>
-              <a:buFont typeface="Calibri"/>
-              <a:buChar char="●"/>
-            </a:pPr>
-            <a:r>
-              <a:rPr lang="en" sz="1200">
-                <a:solidFill>
-                  <a:schemeClr val="dk1"/>
-                </a:solidFill>
-                <a:latin typeface="Calibri"/>
-                <a:ea typeface="Calibri"/>
-                <a:cs typeface="Calibri"/>
-                <a:sym typeface="Calibri"/>
-              </a:rPr>
-              <a:t>The framework supports recursive development - it can build and improve itself using the same agents it orchestrates</a:t>
-            </a:r>
-            <a:endParaRPr sz="1200">
-              <a:solidFill>
-                <a:schemeClr val="dk1"/>
-              </a:solidFill>
-              <a:latin typeface="Calibri"/>
-              <a:ea typeface="Calibri"/>
-              <a:cs typeface="Calibri"/>
-              <a:sym typeface="Calibri"/>
-            </a:endParaRPr>
-          </a:p>
-          <a:p>
-            <a:pPr marL="171450" marR="0" lvl="0" indent="-133350" algn="l" rtl="0">
-              <a:lnSpc>
-                <a:spcPct val="100000"/>
-              </a:lnSpc>
-              <a:spcBef>
-                <a:spcPts val="0"/>
-              </a:spcBef>
-              <a:spcAft>
-                <a:spcPts val="0"/>
-              </a:spcAft>
-              <a:buClr>
-                <a:schemeClr val="dk1"/>
-              </a:buClr>
-              <a:buSzPts val="1200"/>
-              <a:buFont typeface="Calibri"/>
-              <a:buChar char="●"/>
-            </a:pPr>
-            <a:r>
-              <a:rPr lang="en" sz="1200" u="sng">
-                <a:solidFill>
-                  <a:schemeClr val="hlink"/>
-                </a:solidFill>
-                <a:latin typeface="Calibri"/>
-                <a:ea typeface="Calibri"/>
-                <a:cs typeface="Calibri"/>
-                <a:sym typeface="Calibri"/>
-                <a:hlinkClick r:id="rId3"/>
-              </a:rPr>
-              <a:t>https://github.com/ruvnet/claude-flow</a:t>
-            </a:r>
-            <a:r>
-              <a:rPr lang="en" sz="1200">
-                <a:solidFill>
-                  <a:schemeClr val="dk1"/>
-                </a:solidFill>
-                <a:latin typeface="Calibri"/>
-                <a:ea typeface="Calibri"/>
-                <a:cs typeface="Calibri"/>
-                <a:sym typeface="Calibri"/>
-              </a:rPr>
-              <a:t> </a:t>
-            </a:r>
-            <a:endParaRPr sz="1200">
-              <a:solidFill>
-                <a:schemeClr val="dk1"/>
-              </a:solidFill>
-              <a:latin typeface="Calibri"/>
-              <a:ea typeface="Calibri"/>
-              <a:cs typeface="Calibri"/>
-              <a:sym typeface="Calibri"/>
-            </a:endParaRPr>
-          </a:p>
-          <a:p>
-            <a:pPr marL="171450" marR="0" lvl="0" indent="-133350" algn="l" rtl="0">
-              <a:lnSpc>
-                <a:spcPct val="100000"/>
-              </a:lnSpc>
-              <a:spcBef>
-                <a:spcPts val="0"/>
-              </a:spcBef>
-              <a:spcAft>
-                <a:spcPts val="0"/>
-              </a:spcAft>
-              <a:buClr>
-                <a:schemeClr val="dk1"/>
-              </a:buClr>
-              <a:buSzPts val="1200"/>
-              <a:buFont typeface="Calibri"/>
-              <a:buChar char="●"/>
-            </a:pPr>
-            <a:r>
-              <a:rPr lang="en" sz="1200" u="sng">
-                <a:solidFill>
-                  <a:schemeClr val="hlink"/>
-                </a:solidFill>
-                <a:latin typeface="Calibri"/>
-                <a:ea typeface="Calibri"/>
-                <a:cs typeface="Calibri"/>
-                <a:sym typeface="Calibri"/>
-                <a:hlinkClick r:id="rId4"/>
-              </a:rPr>
-              <a:t>https://www.reddit.com/r/ClaudeAI/comments/1l87dj7/claudeflow_multiagent_orchestration_platform_for/</a:t>
-            </a:r>
-            <a:r>
-              <a:rPr lang="en" sz="1200">
-                <a:solidFill>
-                  <a:schemeClr val="dk1"/>
-                </a:solidFill>
-                <a:latin typeface="Calibri"/>
-                <a:ea typeface="Calibri"/>
-                <a:cs typeface="Calibri"/>
-                <a:sym typeface="Calibri"/>
-              </a:rPr>
-              <a:t> </a:t>
-            </a:r>
-            <a:endParaRPr sz="1200">
-              <a:solidFill>
-                <a:schemeClr val="dk1"/>
-              </a:solidFill>
-              <a:latin typeface="Calibri"/>
-              <a:ea typeface="Calibri"/>
-              <a:cs typeface="Calibri"/>
-              <a:sym typeface="Calibri"/>
-            </a:endParaRPr>
-          </a:p>
-        </p:txBody>
-      </p:sp>
-      <p:pic>
-        <p:nvPicPr>
-          <p:cNvPr id="202" name="Google Shape;202;p23"/>
-          <p:cNvPicPr preferRelativeResize="0"/>
-          <p:nvPr/>
-        </p:nvPicPr>
-        <p:blipFill>
-          <a:blip r:embed="rId5" cstate="email">
-            <a:alphaModFix/>
-            <a:extLst>
-              <a:ext uri="{28A0092B-C50C-407E-A947-70E740481C1C}">
-                <a14:useLocalDpi xmlns:a14="http://schemas.microsoft.com/office/drawing/2010/main"/>
-              </a:ext>
-            </a:extLst>
-          </a:blip>
-          <a:stretch>
-            <a:fillRect/>
-          </a:stretch>
-        </p:blipFill>
-        <p:spPr>
-          <a:xfrm>
-            <a:off x="4621175" y="3566073"/>
-            <a:ext cx="2475557" cy="1388725"/>
           </a:xfrm>
           <a:prstGeom prst="rect">
             <a:avLst/>
